--- a/assets/slides.pptx
+++ b/assets/slides.pptx
@@ -1,21 +1,507 @@
 
 <file path=ppt/presentation.xml><?xml version="1.0" encoding="utf-8"?>
-<p:presentation xmlns:a="http://schemas.openxmlformats.org/drawingml/2006/main" xmlns:p="http://schemas.openxmlformats.org/presentationml/2006/main" xmlns:r="http://schemas.openxmlformats.org/officeDocument/2006/relationships" xmlns:p14="http://schemas.microsoft.com/office/powerpoint/2010/main" xmlns:p15="http://schemas.microsoft.com/office/powerpoint/2012/main" xmlns:mc="http://schemas.openxmlformats.org/markup-compatibility/2006">
+<p:presentation xmlns:a="http://schemas.openxmlformats.org/drawingml/2006/main" xmlns:r="http://schemas.openxmlformats.org/officeDocument/2006/relationships" xmlns:p="http://schemas.openxmlformats.org/presentationml/2006/main">
   <p:sldMasterIdLst>
-    <p:sldMasterId id="2147483648" r:id="rId2"/>
+    <p:sldMasterId id="2147483648" r:id="rId1"/>
   </p:sldMasterIdLst>
+  <p:notesMasterIdLst>
+    <p:notesMasterId r:id="rId18"/>
+  </p:notesMasterIdLst>
   <p:sldIdLst>
-    <p:sldId id="256" r:id="rId3"/>
-    <p:sldId id="257" r:id="rId4"/>
-    <p:sldId id="258" r:id="rId5"/>
+    <p:sldId id="256" r:id="rId2"/>
+    <p:sldId id="257" r:id="rId3"/>
+    <p:sldId id="258" r:id="rId4"/>
+    <p:sldId id="262" r:id="rId5"/>
+    <p:sldId id="259" r:id="rId6"/>
+    <p:sldId id="260" r:id="rId7"/>
+    <p:sldId id="261" r:id="rId8"/>
+    <p:sldId id="263" r:id="rId9"/>
+    <p:sldId id="264" r:id="rId10"/>
+    <p:sldId id="265" r:id="rId11"/>
+    <p:sldId id="266" r:id="rId12"/>
+    <p:sldId id="267" r:id="rId13"/>
+    <p:sldId id="268" r:id="rId14"/>
+    <p:sldId id="269" r:id="rId15"/>
+    <p:sldId id="270" r:id="rId16"/>
+    <p:sldId id="271" r:id="rId17"/>
   </p:sldIdLst>
   <p:sldSz cx="10080625" cy="5670550"/>
   <p:notesSz cx="7772400" cy="10058400"/>
+  <p:defaultTextStyle>
+    <a:defPPr>
+      <a:defRPr lang="zh-CN"/>
+    </a:defPPr>
+    <a:lvl1pPr marL="0" algn="l" defTabSz="914400" rtl="0" eaLnBrk="1" latinLnBrk="0" hangingPunct="1">
+      <a:defRPr sz="1800" kern="1200">
+        <a:solidFill>
+          <a:schemeClr val="tx1"/>
+        </a:solidFill>
+        <a:latin typeface="+mn-lt"/>
+        <a:ea typeface="+mn-ea"/>
+        <a:cs typeface="+mn-cs"/>
+      </a:defRPr>
+    </a:lvl1pPr>
+    <a:lvl2pPr marL="457200" algn="l" defTabSz="914400" rtl="0" eaLnBrk="1" latinLnBrk="0" hangingPunct="1">
+      <a:defRPr sz="1800" kern="1200">
+        <a:solidFill>
+          <a:schemeClr val="tx1"/>
+        </a:solidFill>
+        <a:latin typeface="+mn-lt"/>
+        <a:ea typeface="+mn-ea"/>
+        <a:cs typeface="+mn-cs"/>
+      </a:defRPr>
+    </a:lvl2pPr>
+    <a:lvl3pPr marL="914400" algn="l" defTabSz="914400" rtl="0" eaLnBrk="1" latinLnBrk="0" hangingPunct="1">
+      <a:defRPr sz="1800" kern="1200">
+        <a:solidFill>
+          <a:schemeClr val="tx1"/>
+        </a:solidFill>
+        <a:latin typeface="+mn-lt"/>
+        <a:ea typeface="+mn-ea"/>
+        <a:cs typeface="+mn-cs"/>
+      </a:defRPr>
+    </a:lvl3pPr>
+    <a:lvl4pPr marL="1371600" algn="l" defTabSz="914400" rtl="0" eaLnBrk="1" latinLnBrk="0" hangingPunct="1">
+      <a:defRPr sz="1800" kern="1200">
+        <a:solidFill>
+          <a:schemeClr val="tx1"/>
+        </a:solidFill>
+        <a:latin typeface="+mn-lt"/>
+        <a:ea typeface="+mn-ea"/>
+        <a:cs typeface="+mn-cs"/>
+      </a:defRPr>
+    </a:lvl4pPr>
+    <a:lvl5pPr marL="1828800" algn="l" defTabSz="914400" rtl="0" eaLnBrk="1" latinLnBrk="0" hangingPunct="1">
+      <a:defRPr sz="1800" kern="1200">
+        <a:solidFill>
+          <a:schemeClr val="tx1"/>
+        </a:solidFill>
+        <a:latin typeface="+mn-lt"/>
+        <a:ea typeface="+mn-ea"/>
+        <a:cs typeface="+mn-cs"/>
+      </a:defRPr>
+    </a:lvl5pPr>
+    <a:lvl6pPr marL="2286000" algn="l" defTabSz="914400" rtl="0" eaLnBrk="1" latinLnBrk="0" hangingPunct="1">
+      <a:defRPr sz="1800" kern="1200">
+        <a:solidFill>
+          <a:schemeClr val="tx1"/>
+        </a:solidFill>
+        <a:latin typeface="+mn-lt"/>
+        <a:ea typeface="+mn-ea"/>
+        <a:cs typeface="+mn-cs"/>
+      </a:defRPr>
+    </a:lvl6pPr>
+    <a:lvl7pPr marL="2743200" algn="l" defTabSz="914400" rtl="0" eaLnBrk="1" latinLnBrk="0" hangingPunct="1">
+      <a:defRPr sz="1800" kern="1200">
+        <a:solidFill>
+          <a:schemeClr val="tx1"/>
+        </a:solidFill>
+        <a:latin typeface="+mn-lt"/>
+        <a:ea typeface="+mn-ea"/>
+        <a:cs typeface="+mn-cs"/>
+      </a:defRPr>
+    </a:lvl7pPr>
+    <a:lvl8pPr marL="3200400" algn="l" defTabSz="914400" rtl="0" eaLnBrk="1" latinLnBrk="0" hangingPunct="1">
+      <a:defRPr sz="1800" kern="1200">
+        <a:solidFill>
+          <a:schemeClr val="tx1"/>
+        </a:solidFill>
+        <a:latin typeface="+mn-lt"/>
+        <a:ea typeface="+mn-ea"/>
+        <a:cs typeface="+mn-cs"/>
+      </a:defRPr>
+    </a:lvl8pPr>
+    <a:lvl9pPr marL="3657600" algn="l" defTabSz="914400" rtl="0" eaLnBrk="1" latinLnBrk="0" hangingPunct="1">
+      <a:defRPr sz="1800" kern="1200">
+        <a:solidFill>
+          <a:schemeClr val="tx1"/>
+        </a:solidFill>
+        <a:latin typeface="+mn-lt"/>
+        <a:ea typeface="+mn-ea"/>
+        <a:cs typeface="+mn-cs"/>
+      </a:defRPr>
+    </a:lvl9pPr>
+  </p:defaultTextStyle>
+  <p:extLst>
+    <p:ext uri="{521415D9-36F7-43E2-AB2F-B90AF26B5E84}">
+      <p14:sectionLst xmlns:p14="http://schemas.microsoft.com/office/powerpoint/2010/main">
+        <p14:section name="默认节" id="{4F296EE7-971B-4475-A017-BBCC9A4EB626}">
+          <p14:sldIdLst>
+            <p14:sldId id="256"/>
+            <p14:sldId id="257"/>
+            <p14:sldId id="258"/>
+            <p14:sldId id="262"/>
+            <p14:sldId id="259"/>
+            <p14:sldId id="260"/>
+            <p14:sldId id="261"/>
+            <p14:sldId id="263"/>
+            <p14:sldId id="264"/>
+            <p14:sldId id="265"/>
+            <p14:sldId id="266"/>
+            <p14:sldId id="267"/>
+            <p14:sldId id="268"/>
+            <p14:sldId id="269"/>
+            <p14:sldId id="270"/>
+            <p14:sldId id="271"/>
+          </p14:sldIdLst>
+        </p14:section>
+      </p14:sectionLst>
+    </p:ext>
+  </p:extLst>
 </p:presentation>
 </file>
 
+<file path=ppt/notesMasters/notesMaster1.xml><?xml version="1.0" encoding="utf-8"?>
+<p:notesMaster xmlns:a="http://schemas.openxmlformats.org/drawingml/2006/main" xmlns:r="http://schemas.openxmlformats.org/officeDocument/2006/relationships" xmlns:p="http://schemas.openxmlformats.org/presentationml/2006/main">
+  <p:cSld>
+    <p:bg>
+      <p:bgRef idx="1001">
+        <a:schemeClr val="bg1"/>
+      </p:bgRef>
+    </p:bg>
+    <p:spTree>
+      <p:nvGrpSpPr>
+        <p:cNvPr id="1" name=""/>
+        <p:cNvGrpSpPr/>
+        <p:nvPr/>
+      </p:nvGrpSpPr>
+      <p:grpSpPr>
+        <a:xfrm>
+          <a:off x="0" y="0"/>
+          <a:ext cx="0" cy="0"/>
+          <a:chOff x="0" y="0"/>
+          <a:chExt cx="0" cy="0"/>
+        </a:xfrm>
+      </p:grpSpPr>
+      <p:sp>
+        <p:nvSpPr>
+          <p:cNvPr id="2" name="页眉占位符 1"/>
+          <p:cNvSpPr>
+            <a:spLocks noGrp="1"/>
+          </p:cNvSpPr>
+          <p:nvPr>
+            <p:ph type="hdr" sz="quarter"/>
+          </p:nvPr>
+        </p:nvSpPr>
+        <p:spPr>
+          <a:xfrm>
+            <a:off x="0" y="0"/>
+            <a:ext cx="3368675" cy="504825"/>
+          </a:xfrm>
+          <a:prstGeom prst="rect">
+            <a:avLst/>
+          </a:prstGeom>
+        </p:spPr>
+        <p:txBody>
+          <a:bodyPr vert="horz" lIns="91440" tIns="45720" rIns="91440" bIns="45720" rtlCol="0"/>
+          <a:lstStyle>
+            <a:lvl1pPr algn="l">
+              <a:defRPr sz="1200"/>
+            </a:lvl1pPr>
+          </a:lstStyle>
+          <a:p>
+            <a:endParaRPr lang="zh-CN" altLang="en-US"/>
+          </a:p>
+        </p:txBody>
+      </p:sp>
+      <p:sp>
+        <p:nvSpPr>
+          <p:cNvPr id="3" name="日期占位符 2"/>
+          <p:cNvSpPr>
+            <a:spLocks noGrp="1"/>
+          </p:cNvSpPr>
+          <p:nvPr>
+            <p:ph type="dt" idx="1"/>
+          </p:nvPr>
+        </p:nvSpPr>
+        <p:spPr>
+          <a:xfrm>
+            <a:off x="4402138" y="0"/>
+            <a:ext cx="3368675" cy="504825"/>
+          </a:xfrm>
+          <a:prstGeom prst="rect">
+            <a:avLst/>
+          </a:prstGeom>
+        </p:spPr>
+        <p:txBody>
+          <a:bodyPr vert="horz" lIns="91440" tIns="45720" rIns="91440" bIns="45720" rtlCol="0"/>
+          <a:lstStyle>
+            <a:lvl1pPr algn="r">
+              <a:defRPr sz="1200"/>
+            </a:lvl1pPr>
+          </a:lstStyle>
+          <a:p>
+            <a:fld id="{08169C0C-B40F-4505-89E9-881486E31D75}" type="datetimeFigureOut">
+              <a:rPr lang="zh-CN" altLang="en-US" smtClean="0"/>
+              <a:t>2021/10/3</a:t>
+            </a:fld>
+            <a:endParaRPr lang="zh-CN" altLang="en-US"/>
+          </a:p>
+        </p:txBody>
+      </p:sp>
+      <p:sp>
+        <p:nvSpPr>
+          <p:cNvPr id="4" name="幻灯片图像占位符 3"/>
+          <p:cNvSpPr>
+            <a:spLocks noGrp="1" noRot="1" noChangeAspect="1"/>
+          </p:cNvSpPr>
+          <p:nvPr>
+            <p:ph type="sldImg" idx="2"/>
+          </p:nvPr>
+        </p:nvSpPr>
+        <p:spPr>
+          <a:xfrm>
+            <a:off x="869950" y="1257300"/>
+            <a:ext cx="6032500" cy="3394075"/>
+          </a:xfrm>
+          <a:prstGeom prst="rect">
+            <a:avLst/>
+          </a:prstGeom>
+          <a:noFill/>
+          <a:ln w="12700">
+            <a:solidFill>
+              <a:prstClr val="black"/>
+            </a:solidFill>
+          </a:ln>
+        </p:spPr>
+        <p:txBody>
+          <a:bodyPr vert="horz" lIns="91440" tIns="45720" rIns="91440" bIns="45720" rtlCol="0" anchor="ctr"/>
+          <a:lstStyle/>
+          <a:p>
+            <a:endParaRPr lang="zh-CN" altLang="en-US"/>
+          </a:p>
+        </p:txBody>
+      </p:sp>
+      <p:sp>
+        <p:nvSpPr>
+          <p:cNvPr id="5" name="备注占位符 4"/>
+          <p:cNvSpPr>
+            <a:spLocks noGrp="1"/>
+          </p:cNvSpPr>
+          <p:nvPr>
+            <p:ph type="body" sz="quarter" idx="3"/>
+          </p:nvPr>
+        </p:nvSpPr>
+        <p:spPr>
+          <a:xfrm>
+            <a:off x="777875" y="4840288"/>
+            <a:ext cx="6216650" cy="3960812"/>
+          </a:xfrm>
+          <a:prstGeom prst="rect">
+            <a:avLst/>
+          </a:prstGeom>
+        </p:spPr>
+        <p:txBody>
+          <a:bodyPr vert="horz" lIns="91440" tIns="45720" rIns="91440" bIns="45720" rtlCol="0"/>
+          <a:lstStyle/>
+          <a:p>
+            <a:pPr lvl="0"/>
+            <a:r>
+              <a:rPr lang="zh-CN" altLang="en-US"/>
+              <a:t>编辑母版文本样式</a:t>
+            </a:r>
+          </a:p>
+          <a:p>
+            <a:pPr lvl="1"/>
+            <a:r>
+              <a:rPr lang="zh-CN" altLang="en-US"/>
+              <a:t>第二级</a:t>
+            </a:r>
+          </a:p>
+          <a:p>
+            <a:pPr lvl="2"/>
+            <a:r>
+              <a:rPr lang="zh-CN" altLang="en-US"/>
+              <a:t>第三级</a:t>
+            </a:r>
+          </a:p>
+          <a:p>
+            <a:pPr lvl="3"/>
+            <a:r>
+              <a:rPr lang="zh-CN" altLang="en-US"/>
+              <a:t>第四级</a:t>
+            </a:r>
+          </a:p>
+          <a:p>
+            <a:pPr lvl="4"/>
+            <a:r>
+              <a:rPr lang="zh-CN" altLang="en-US"/>
+              <a:t>第五级</a:t>
+            </a:r>
+          </a:p>
+        </p:txBody>
+      </p:sp>
+      <p:sp>
+        <p:nvSpPr>
+          <p:cNvPr id="6" name="页脚占位符 5"/>
+          <p:cNvSpPr>
+            <a:spLocks noGrp="1"/>
+          </p:cNvSpPr>
+          <p:nvPr>
+            <p:ph type="ftr" sz="quarter" idx="4"/>
+          </p:nvPr>
+        </p:nvSpPr>
+        <p:spPr>
+          <a:xfrm>
+            <a:off x="0" y="9553575"/>
+            <a:ext cx="3368675" cy="504825"/>
+          </a:xfrm>
+          <a:prstGeom prst="rect">
+            <a:avLst/>
+          </a:prstGeom>
+        </p:spPr>
+        <p:txBody>
+          <a:bodyPr vert="horz" lIns="91440" tIns="45720" rIns="91440" bIns="45720" rtlCol="0" anchor="b"/>
+          <a:lstStyle>
+            <a:lvl1pPr algn="l">
+              <a:defRPr sz="1200"/>
+            </a:lvl1pPr>
+          </a:lstStyle>
+          <a:p>
+            <a:endParaRPr lang="zh-CN" altLang="en-US"/>
+          </a:p>
+        </p:txBody>
+      </p:sp>
+      <p:sp>
+        <p:nvSpPr>
+          <p:cNvPr id="7" name="灯片编号占位符 6"/>
+          <p:cNvSpPr>
+            <a:spLocks noGrp="1"/>
+          </p:cNvSpPr>
+          <p:nvPr>
+            <p:ph type="sldNum" sz="quarter" idx="5"/>
+          </p:nvPr>
+        </p:nvSpPr>
+        <p:spPr>
+          <a:xfrm>
+            <a:off x="4402138" y="9553575"/>
+            <a:ext cx="3368675" cy="504825"/>
+          </a:xfrm>
+          <a:prstGeom prst="rect">
+            <a:avLst/>
+          </a:prstGeom>
+        </p:spPr>
+        <p:txBody>
+          <a:bodyPr vert="horz" lIns="91440" tIns="45720" rIns="91440" bIns="45720" rtlCol="0" anchor="b"/>
+          <a:lstStyle>
+            <a:lvl1pPr algn="r">
+              <a:defRPr sz="1200"/>
+            </a:lvl1pPr>
+          </a:lstStyle>
+          <a:p>
+            <a:fld id="{572EA837-40B3-4DD7-856D-8501750F70C2}" type="slidenum">
+              <a:rPr lang="zh-CN" altLang="en-US" smtClean="0"/>
+              <a:t>‹#›</a:t>
+            </a:fld>
+            <a:endParaRPr lang="zh-CN" altLang="en-US"/>
+          </a:p>
+        </p:txBody>
+      </p:sp>
+    </p:spTree>
+    <p:extLst>
+      <p:ext uri="{BB962C8B-B14F-4D97-AF65-F5344CB8AC3E}">
+        <p14:creationId xmlns:p14="http://schemas.microsoft.com/office/powerpoint/2010/main" val="304992563"/>
+      </p:ext>
+    </p:extLst>
+  </p:cSld>
+  <p:clrMap bg1="lt1" tx1="dk1" bg2="lt2" tx2="dk2" accent1="accent1" accent2="accent2" accent3="accent3" accent4="accent4" accent5="accent5" accent6="accent6" hlink="hlink" folHlink="folHlink"/>
+  <p:notesStyle>
+    <a:lvl1pPr marL="0" algn="l" defTabSz="914400" rtl="0" eaLnBrk="1" latinLnBrk="0" hangingPunct="1">
+      <a:defRPr sz="1200" kern="1200">
+        <a:solidFill>
+          <a:schemeClr val="tx1"/>
+        </a:solidFill>
+        <a:latin typeface="+mn-lt"/>
+        <a:ea typeface="+mn-ea"/>
+        <a:cs typeface="+mn-cs"/>
+      </a:defRPr>
+    </a:lvl1pPr>
+    <a:lvl2pPr marL="457200" algn="l" defTabSz="914400" rtl="0" eaLnBrk="1" latinLnBrk="0" hangingPunct="1">
+      <a:defRPr sz="1200" kern="1200">
+        <a:solidFill>
+          <a:schemeClr val="tx1"/>
+        </a:solidFill>
+        <a:latin typeface="+mn-lt"/>
+        <a:ea typeface="+mn-ea"/>
+        <a:cs typeface="+mn-cs"/>
+      </a:defRPr>
+    </a:lvl2pPr>
+    <a:lvl3pPr marL="914400" algn="l" defTabSz="914400" rtl="0" eaLnBrk="1" latinLnBrk="0" hangingPunct="1">
+      <a:defRPr sz="1200" kern="1200">
+        <a:solidFill>
+          <a:schemeClr val="tx1"/>
+        </a:solidFill>
+        <a:latin typeface="+mn-lt"/>
+        <a:ea typeface="+mn-ea"/>
+        <a:cs typeface="+mn-cs"/>
+      </a:defRPr>
+    </a:lvl3pPr>
+    <a:lvl4pPr marL="1371600" algn="l" defTabSz="914400" rtl="0" eaLnBrk="1" latinLnBrk="0" hangingPunct="1">
+      <a:defRPr sz="1200" kern="1200">
+        <a:solidFill>
+          <a:schemeClr val="tx1"/>
+        </a:solidFill>
+        <a:latin typeface="+mn-lt"/>
+        <a:ea typeface="+mn-ea"/>
+        <a:cs typeface="+mn-cs"/>
+      </a:defRPr>
+    </a:lvl4pPr>
+    <a:lvl5pPr marL="1828800" algn="l" defTabSz="914400" rtl="0" eaLnBrk="1" latinLnBrk="0" hangingPunct="1">
+      <a:defRPr sz="1200" kern="1200">
+        <a:solidFill>
+          <a:schemeClr val="tx1"/>
+        </a:solidFill>
+        <a:latin typeface="+mn-lt"/>
+        <a:ea typeface="+mn-ea"/>
+        <a:cs typeface="+mn-cs"/>
+      </a:defRPr>
+    </a:lvl5pPr>
+    <a:lvl6pPr marL="2286000" algn="l" defTabSz="914400" rtl="0" eaLnBrk="1" latinLnBrk="0" hangingPunct="1">
+      <a:defRPr sz="1200" kern="1200">
+        <a:solidFill>
+          <a:schemeClr val="tx1"/>
+        </a:solidFill>
+        <a:latin typeface="+mn-lt"/>
+        <a:ea typeface="+mn-ea"/>
+        <a:cs typeface="+mn-cs"/>
+      </a:defRPr>
+    </a:lvl6pPr>
+    <a:lvl7pPr marL="2743200" algn="l" defTabSz="914400" rtl="0" eaLnBrk="1" latinLnBrk="0" hangingPunct="1">
+      <a:defRPr sz="1200" kern="1200">
+        <a:solidFill>
+          <a:schemeClr val="tx1"/>
+        </a:solidFill>
+        <a:latin typeface="+mn-lt"/>
+        <a:ea typeface="+mn-ea"/>
+        <a:cs typeface="+mn-cs"/>
+      </a:defRPr>
+    </a:lvl7pPr>
+    <a:lvl8pPr marL="3200400" algn="l" defTabSz="914400" rtl="0" eaLnBrk="1" latinLnBrk="0" hangingPunct="1">
+      <a:defRPr sz="1200" kern="1200">
+        <a:solidFill>
+          <a:schemeClr val="tx1"/>
+        </a:solidFill>
+        <a:latin typeface="+mn-lt"/>
+        <a:ea typeface="+mn-ea"/>
+        <a:cs typeface="+mn-cs"/>
+      </a:defRPr>
+    </a:lvl8pPr>
+    <a:lvl9pPr marL="3657600" algn="l" defTabSz="914400" rtl="0" eaLnBrk="1" latinLnBrk="0" hangingPunct="1">
+      <a:defRPr sz="1200" kern="1200">
+        <a:solidFill>
+          <a:schemeClr val="tx1"/>
+        </a:solidFill>
+        <a:latin typeface="+mn-lt"/>
+        <a:ea typeface="+mn-ea"/>
+        <a:cs typeface="+mn-cs"/>
+      </a:defRPr>
+    </a:lvl9pPr>
+  </p:notesStyle>
+</p:notesMaster>
+</file>
+
 <file path=ppt/slideLayouts/slideLayout1.xml><?xml version="1.0" encoding="utf-8"?>
-<p:sldLayout xmlns:a="http://schemas.openxmlformats.org/drawingml/2006/main" xmlns:p="http://schemas.openxmlformats.org/presentationml/2006/main" xmlns:r="http://schemas.openxmlformats.org/officeDocument/2006/relationships" xmlns:p14="http://schemas.microsoft.com/office/powerpoint/2010/main" xmlns:p15="http://schemas.microsoft.com/office/powerpoint/2012/main" xmlns:mc="http://schemas.openxmlformats.org/markup-compatibility/2006" type="blank" preserve="1">
+<p:sldLayout xmlns:a="http://schemas.openxmlformats.org/drawingml/2006/main" xmlns:r="http://schemas.openxmlformats.org/officeDocument/2006/relationships" xmlns:p="http://schemas.openxmlformats.org/presentationml/2006/main" type="blank" preserve="1">
   <p:cSld name="Blank Slide">
     <p:spTree>
       <p:nvGrpSpPr>
@@ -33,11 +519,14 @@
       </p:grpSpPr>
     </p:spTree>
   </p:cSld>
+  <p:clrMapOvr>
+    <a:masterClrMapping/>
+  </p:clrMapOvr>
 </p:sldLayout>
 </file>
 
 <file path=ppt/slideLayouts/slideLayout10.xml><?xml version="1.0" encoding="utf-8"?>
-<p:sldLayout xmlns:a="http://schemas.openxmlformats.org/drawingml/2006/main" xmlns:p="http://schemas.openxmlformats.org/presentationml/2006/main" xmlns:r="http://schemas.openxmlformats.org/officeDocument/2006/relationships" xmlns:p14="http://schemas.microsoft.com/office/powerpoint/2010/main" xmlns:p15="http://schemas.microsoft.com/office/powerpoint/2012/main" xmlns:mc="http://schemas.openxmlformats.org/markup-compatibility/2006" type="objOverTx" preserve="1">
+<p:sldLayout xmlns:a="http://schemas.openxmlformats.org/drawingml/2006/main" xmlns:r="http://schemas.openxmlformats.org/officeDocument/2006/relationships" xmlns:p="http://schemas.openxmlformats.org/presentationml/2006/main" type="objOverTx" preserve="1">
   <p:cSld name="Title, Content over Content">
     <p:spTree>
       <p:nvGrpSpPr>
@@ -77,12 +566,13 @@
           </a:ln>
         </p:spPr>
         <p:txBody>
-          <a:bodyPr lIns="0" rIns="0" tIns="0" bIns="0" anchor="ctr">
+          <a:bodyPr lIns="0" tIns="0" rIns="0" bIns="0" anchor="ctr">
             <a:noAutofit/>
           </a:bodyPr>
+          <a:lstStyle/>
           <a:p>
             <a:pPr algn="ctr"/>
-            <a:endParaRPr b="0" lang="en-US" sz="4400" spc="-1" strike="noStrike">
+            <a:endParaRPr lang="en-US" sz="4400" b="0" strike="noStrike" spc="-1">
               <a:latin typeface="Noto Sans"/>
             </a:endParaRPr>
           </a:p>
@@ -112,11 +602,12 @@
           </a:ln>
         </p:spPr>
         <p:txBody>
-          <a:bodyPr lIns="0" rIns="0" tIns="0" bIns="0" anchor="t">
+          <a:bodyPr lIns="0" tIns="0" rIns="0" bIns="0" anchor="t">
             <a:normAutofit/>
           </a:bodyPr>
-          <a:p>
-            <a:endParaRPr b="0" lang="en-US" sz="3200" spc="-1" strike="noStrike">
+          <a:lstStyle/>
+          <a:p>
+            <a:endParaRPr lang="en-US" sz="3200" b="0" strike="noStrike" spc="-1">
               <a:latin typeface="Arial"/>
             </a:endParaRPr>
           </a:p>
@@ -146,11 +637,12 @@
           </a:ln>
         </p:spPr>
         <p:txBody>
-          <a:bodyPr lIns="0" rIns="0" tIns="0" bIns="0" anchor="t">
+          <a:bodyPr lIns="0" tIns="0" rIns="0" bIns="0" anchor="t">
             <a:normAutofit/>
           </a:bodyPr>
-          <a:p>
-            <a:endParaRPr b="0" lang="en-US" sz="3200" spc="-1" strike="noStrike">
+          <a:lstStyle/>
+          <a:p>
+            <a:endParaRPr lang="en-US" sz="3200" b="0" strike="noStrike" spc="-1">
               <a:latin typeface="Arial"/>
             </a:endParaRPr>
           </a:p>
@@ -158,11 +650,14 @@
       </p:sp>
     </p:spTree>
   </p:cSld>
+  <p:clrMapOvr>
+    <a:masterClrMapping/>
+  </p:clrMapOvr>
 </p:sldLayout>
 </file>
 
 <file path=ppt/slideLayouts/slideLayout11.xml><?xml version="1.0" encoding="utf-8"?>
-<p:sldLayout xmlns:a="http://schemas.openxmlformats.org/drawingml/2006/main" xmlns:p="http://schemas.openxmlformats.org/presentationml/2006/main" xmlns:r="http://schemas.openxmlformats.org/officeDocument/2006/relationships" xmlns:p14="http://schemas.microsoft.com/office/powerpoint/2010/main" xmlns:p15="http://schemas.microsoft.com/office/powerpoint/2012/main" xmlns:mc="http://schemas.openxmlformats.org/markup-compatibility/2006" type="fourObj" preserve="1">
+<p:sldLayout xmlns:a="http://schemas.openxmlformats.org/drawingml/2006/main" xmlns:r="http://schemas.openxmlformats.org/officeDocument/2006/relationships" xmlns:p="http://schemas.openxmlformats.org/presentationml/2006/main" type="fourObj" preserve="1">
   <p:cSld name="Title, 4 Content">
     <p:spTree>
       <p:nvGrpSpPr>
@@ -202,12 +697,13 @@
           </a:ln>
         </p:spPr>
         <p:txBody>
-          <a:bodyPr lIns="0" rIns="0" tIns="0" bIns="0" anchor="ctr">
+          <a:bodyPr lIns="0" tIns="0" rIns="0" bIns="0" anchor="ctr">
             <a:noAutofit/>
           </a:bodyPr>
+          <a:lstStyle/>
           <a:p>
             <a:pPr algn="ctr"/>
-            <a:endParaRPr b="0" lang="en-US" sz="4400" spc="-1" strike="noStrike">
+            <a:endParaRPr lang="en-US" sz="4400" b="0" strike="noStrike" spc="-1">
               <a:latin typeface="Noto Sans"/>
             </a:endParaRPr>
           </a:p>
@@ -237,11 +733,12 @@
           </a:ln>
         </p:spPr>
         <p:txBody>
-          <a:bodyPr lIns="0" rIns="0" tIns="0" bIns="0" anchor="t">
+          <a:bodyPr lIns="0" tIns="0" rIns="0" bIns="0" anchor="t">
             <a:normAutofit/>
           </a:bodyPr>
-          <a:p>
-            <a:endParaRPr b="0" lang="en-US" sz="3200" spc="-1" strike="noStrike">
+          <a:lstStyle/>
+          <a:p>
+            <a:endParaRPr lang="en-US" sz="3200" b="0" strike="noStrike" spc="-1">
               <a:latin typeface="Arial"/>
             </a:endParaRPr>
           </a:p>
@@ -271,11 +768,12 @@
           </a:ln>
         </p:spPr>
         <p:txBody>
-          <a:bodyPr lIns="0" rIns="0" tIns="0" bIns="0" anchor="t">
+          <a:bodyPr lIns="0" tIns="0" rIns="0" bIns="0" anchor="t">
             <a:normAutofit/>
           </a:bodyPr>
-          <a:p>
-            <a:endParaRPr b="0" lang="en-US" sz="3200" spc="-1" strike="noStrike">
+          <a:lstStyle/>
+          <a:p>
+            <a:endParaRPr lang="en-US" sz="3200" b="0" strike="noStrike" spc="-1">
               <a:latin typeface="Arial"/>
             </a:endParaRPr>
           </a:p>
@@ -305,11 +803,12 @@
           </a:ln>
         </p:spPr>
         <p:txBody>
-          <a:bodyPr lIns="0" rIns="0" tIns="0" bIns="0" anchor="t">
+          <a:bodyPr lIns="0" tIns="0" rIns="0" bIns="0" anchor="t">
             <a:normAutofit/>
           </a:bodyPr>
-          <a:p>
-            <a:endParaRPr b="0" lang="en-US" sz="3200" spc="-1" strike="noStrike">
+          <a:lstStyle/>
+          <a:p>
+            <a:endParaRPr lang="en-US" sz="3200" b="0" strike="noStrike" spc="-1">
               <a:latin typeface="Arial"/>
             </a:endParaRPr>
           </a:p>
@@ -339,11 +838,12 @@
           </a:ln>
         </p:spPr>
         <p:txBody>
-          <a:bodyPr lIns="0" rIns="0" tIns="0" bIns="0" anchor="t">
+          <a:bodyPr lIns="0" tIns="0" rIns="0" bIns="0" anchor="t">
             <a:normAutofit/>
           </a:bodyPr>
-          <a:p>
-            <a:endParaRPr b="0" lang="en-US" sz="3200" spc="-1" strike="noStrike">
+          <a:lstStyle/>
+          <a:p>
+            <a:endParaRPr lang="en-US" sz="3200" b="0" strike="noStrike" spc="-1">
               <a:latin typeface="Arial"/>
             </a:endParaRPr>
           </a:p>
@@ -351,11 +851,14 @@
       </p:sp>
     </p:spTree>
   </p:cSld>
+  <p:clrMapOvr>
+    <a:masterClrMapping/>
+  </p:clrMapOvr>
 </p:sldLayout>
 </file>
 
 <file path=ppt/slideLayouts/slideLayout12.xml><?xml version="1.0" encoding="utf-8"?>
-<p:sldLayout xmlns:a="http://schemas.openxmlformats.org/drawingml/2006/main" xmlns:p="http://schemas.openxmlformats.org/presentationml/2006/main" xmlns:r="http://schemas.openxmlformats.org/officeDocument/2006/relationships" xmlns:p14="http://schemas.microsoft.com/office/powerpoint/2010/main" xmlns:p15="http://schemas.microsoft.com/office/powerpoint/2012/main" xmlns:mc="http://schemas.openxmlformats.org/markup-compatibility/2006" type="blank" preserve="1">
+<p:sldLayout xmlns:a="http://schemas.openxmlformats.org/drawingml/2006/main" xmlns:r="http://schemas.openxmlformats.org/officeDocument/2006/relationships" xmlns:p="http://schemas.openxmlformats.org/presentationml/2006/main" type="blank" preserve="1">
   <p:cSld name="Title, 6 Content">
     <p:spTree>
       <p:nvGrpSpPr>
@@ -395,12 +898,13 @@
           </a:ln>
         </p:spPr>
         <p:txBody>
-          <a:bodyPr lIns="0" rIns="0" tIns="0" bIns="0" anchor="ctr">
+          <a:bodyPr lIns="0" tIns="0" rIns="0" bIns="0" anchor="ctr">
             <a:noAutofit/>
           </a:bodyPr>
+          <a:lstStyle/>
           <a:p>
             <a:pPr algn="ctr"/>
-            <a:endParaRPr b="0" lang="en-US" sz="4400" spc="-1" strike="noStrike">
+            <a:endParaRPr lang="en-US" sz="4400" b="0" strike="noStrike" spc="-1">
               <a:latin typeface="Noto Sans"/>
             </a:endParaRPr>
           </a:p>
@@ -430,11 +934,12 @@
           </a:ln>
         </p:spPr>
         <p:txBody>
-          <a:bodyPr lIns="0" rIns="0" tIns="0" bIns="0" anchor="t">
+          <a:bodyPr lIns="0" tIns="0" rIns="0" bIns="0" anchor="t">
             <a:normAutofit/>
           </a:bodyPr>
-          <a:p>
-            <a:endParaRPr b="0" lang="en-US" sz="3200" spc="-1" strike="noStrike">
+          <a:lstStyle/>
+          <a:p>
+            <a:endParaRPr lang="en-US" sz="3200" b="0" strike="noStrike" spc="-1">
               <a:latin typeface="Arial"/>
             </a:endParaRPr>
           </a:p>
@@ -464,11 +969,12 @@
           </a:ln>
         </p:spPr>
         <p:txBody>
-          <a:bodyPr lIns="0" rIns="0" tIns="0" bIns="0" anchor="t">
+          <a:bodyPr lIns="0" tIns="0" rIns="0" bIns="0" anchor="t">
             <a:normAutofit/>
           </a:bodyPr>
-          <a:p>
-            <a:endParaRPr b="0" lang="en-US" sz="3200" spc="-1" strike="noStrike">
+          <a:lstStyle/>
+          <a:p>
+            <a:endParaRPr lang="en-US" sz="3200" b="0" strike="noStrike" spc="-1">
               <a:latin typeface="Arial"/>
             </a:endParaRPr>
           </a:p>
@@ -498,11 +1004,12 @@
           </a:ln>
         </p:spPr>
         <p:txBody>
-          <a:bodyPr lIns="0" rIns="0" tIns="0" bIns="0" anchor="t">
+          <a:bodyPr lIns="0" tIns="0" rIns="0" bIns="0" anchor="t">
             <a:normAutofit/>
           </a:bodyPr>
-          <a:p>
-            <a:endParaRPr b="0" lang="en-US" sz="3200" spc="-1" strike="noStrike">
+          <a:lstStyle/>
+          <a:p>
+            <a:endParaRPr lang="en-US" sz="3200" b="0" strike="noStrike" spc="-1">
               <a:latin typeface="Arial"/>
             </a:endParaRPr>
           </a:p>
@@ -532,11 +1039,12 @@
           </a:ln>
         </p:spPr>
         <p:txBody>
-          <a:bodyPr lIns="0" rIns="0" tIns="0" bIns="0" anchor="t">
+          <a:bodyPr lIns="0" tIns="0" rIns="0" bIns="0" anchor="t">
             <a:normAutofit/>
           </a:bodyPr>
-          <a:p>
-            <a:endParaRPr b="0" lang="en-US" sz="3200" spc="-1" strike="noStrike">
+          <a:lstStyle/>
+          <a:p>
+            <a:endParaRPr lang="en-US" sz="3200" b="0" strike="noStrike" spc="-1">
               <a:latin typeface="Arial"/>
             </a:endParaRPr>
           </a:p>
@@ -566,11 +1074,12 @@
           </a:ln>
         </p:spPr>
         <p:txBody>
-          <a:bodyPr lIns="0" rIns="0" tIns="0" bIns="0" anchor="t">
+          <a:bodyPr lIns="0" tIns="0" rIns="0" bIns="0" anchor="t">
             <a:normAutofit/>
           </a:bodyPr>
-          <a:p>
-            <a:endParaRPr b="0" lang="en-US" sz="3200" spc="-1" strike="noStrike">
+          <a:lstStyle/>
+          <a:p>
+            <a:endParaRPr lang="en-US" sz="3200" b="0" strike="noStrike" spc="-1">
               <a:latin typeface="Arial"/>
             </a:endParaRPr>
           </a:p>
@@ -600,11 +1109,12 @@
           </a:ln>
         </p:spPr>
         <p:txBody>
-          <a:bodyPr lIns="0" rIns="0" tIns="0" bIns="0" anchor="t">
+          <a:bodyPr lIns="0" tIns="0" rIns="0" bIns="0" anchor="t">
             <a:normAutofit/>
           </a:bodyPr>
-          <a:p>
-            <a:endParaRPr b="0" lang="en-US" sz="3200" spc="-1" strike="noStrike">
+          <a:lstStyle/>
+          <a:p>
+            <a:endParaRPr lang="en-US" sz="3200" b="0" strike="noStrike" spc="-1">
               <a:latin typeface="Arial"/>
             </a:endParaRPr>
           </a:p>
@@ -612,11 +1122,14 @@
       </p:sp>
     </p:spTree>
   </p:cSld>
+  <p:clrMapOvr>
+    <a:masterClrMapping/>
+  </p:clrMapOvr>
 </p:sldLayout>
 </file>
 
 <file path=ppt/slideLayouts/slideLayout2.xml><?xml version="1.0" encoding="utf-8"?>
-<p:sldLayout xmlns:a="http://schemas.openxmlformats.org/drawingml/2006/main" xmlns:p="http://schemas.openxmlformats.org/presentationml/2006/main" xmlns:r="http://schemas.openxmlformats.org/officeDocument/2006/relationships" xmlns:p14="http://schemas.microsoft.com/office/powerpoint/2010/main" xmlns:p15="http://schemas.microsoft.com/office/powerpoint/2012/main" xmlns:mc="http://schemas.openxmlformats.org/markup-compatibility/2006" type="tx" preserve="1">
+<p:sldLayout xmlns:a="http://schemas.openxmlformats.org/drawingml/2006/main" xmlns:r="http://schemas.openxmlformats.org/officeDocument/2006/relationships" xmlns:p="http://schemas.openxmlformats.org/presentationml/2006/main" type="tx" preserve="1">
   <p:cSld name="Title Slide">
     <p:spTree>
       <p:nvGrpSpPr>
@@ -656,12 +1169,13 @@
           </a:ln>
         </p:spPr>
         <p:txBody>
-          <a:bodyPr lIns="0" rIns="0" tIns="0" bIns="0" anchor="ctr">
+          <a:bodyPr lIns="0" tIns="0" rIns="0" bIns="0" anchor="ctr">
             <a:noAutofit/>
           </a:bodyPr>
+          <a:lstStyle/>
           <a:p>
             <a:pPr algn="ctr"/>
-            <a:endParaRPr b="0" lang="en-US" sz="4400" spc="-1" strike="noStrike">
+            <a:endParaRPr lang="en-US" sz="4400" b="0" strike="noStrike" spc="-1">
               <a:latin typeface="Noto Sans"/>
             </a:endParaRPr>
           </a:p>
@@ -691,12 +1205,13 @@
           </a:ln>
         </p:spPr>
         <p:txBody>
-          <a:bodyPr lIns="0" rIns="0" tIns="0" bIns="0" anchor="ctr">
+          <a:bodyPr lIns="0" tIns="0" rIns="0" bIns="0" anchor="ctr">
             <a:noAutofit/>
           </a:bodyPr>
+          <a:lstStyle/>
           <a:p>
             <a:pPr algn="ctr"/>
-            <a:endParaRPr b="0" lang="en-US" sz="3200" spc="-1" strike="noStrike">
+            <a:endParaRPr lang="en-US" sz="3200" b="0" strike="noStrike" spc="-1">
               <a:latin typeface="Arial"/>
             </a:endParaRPr>
           </a:p>
@@ -704,11 +1219,14 @@
       </p:sp>
     </p:spTree>
   </p:cSld>
+  <p:clrMapOvr>
+    <a:masterClrMapping/>
+  </p:clrMapOvr>
 </p:sldLayout>
 </file>
 
 <file path=ppt/slideLayouts/slideLayout3.xml><?xml version="1.0" encoding="utf-8"?>
-<p:sldLayout xmlns:a="http://schemas.openxmlformats.org/drawingml/2006/main" xmlns:p="http://schemas.openxmlformats.org/presentationml/2006/main" xmlns:r="http://schemas.openxmlformats.org/officeDocument/2006/relationships" xmlns:p14="http://schemas.microsoft.com/office/powerpoint/2010/main" xmlns:p15="http://schemas.microsoft.com/office/powerpoint/2012/main" xmlns:mc="http://schemas.openxmlformats.org/markup-compatibility/2006" type="obj" preserve="1">
+<p:sldLayout xmlns:a="http://schemas.openxmlformats.org/drawingml/2006/main" xmlns:r="http://schemas.openxmlformats.org/officeDocument/2006/relationships" xmlns:p="http://schemas.openxmlformats.org/presentationml/2006/main" type="obj" preserve="1">
   <p:cSld name="Title, Content">
     <p:spTree>
       <p:nvGrpSpPr>
@@ -748,12 +1266,13 @@
           </a:ln>
         </p:spPr>
         <p:txBody>
-          <a:bodyPr lIns="0" rIns="0" tIns="0" bIns="0" anchor="ctr">
+          <a:bodyPr lIns="0" tIns="0" rIns="0" bIns="0" anchor="ctr">
             <a:noAutofit/>
           </a:bodyPr>
+          <a:lstStyle/>
           <a:p>
             <a:pPr algn="ctr"/>
-            <a:endParaRPr b="0" lang="en-US" sz="4400" spc="-1" strike="noStrike">
+            <a:endParaRPr lang="en-US" sz="4400" b="0" strike="noStrike" spc="-1">
               <a:latin typeface="Noto Sans"/>
             </a:endParaRPr>
           </a:p>
@@ -783,11 +1302,12 @@
           </a:ln>
         </p:spPr>
         <p:txBody>
-          <a:bodyPr lIns="0" rIns="0" tIns="0" bIns="0" anchor="t">
+          <a:bodyPr lIns="0" tIns="0" rIns="0" bIns="0" anchor="t">
             <a:normAutofit/>
           </a:bodyPr>
-          <a:p>
-            <a:endParaRPr b="0" lang="en-US" sz="3200" spc="-1" strike="noStrike">
+          <a:lstStyle/>
+          <a:p>
+            <a:endParaRPr lang="en-US" sz="3200" b="0" strike="noStrike" spc="-1">
               <a:latin typeface="Arial"/>
             </a:endParaRPr>
           </a:p>
@@ -795,11 +1315,14 @@
       </p:sp>
     </p:spTree>
   </p:cSld>
+  <p:clrMapOvr>
+    <a:masterClrMapping/>
+  </p:clrMapOvr>
 </p:sldLayout>
 </file>
 
 <file path=ppt/slideLayouts/slideLayout4.xml><?xml version="1.0" encoding="utf-8"?>
-<p:sldLayout xmlns:a="http://schemas.openxmlformats.org/drawingml/2006/main" xmlns:p="http://schemas.openxmlformats.org/presentationml/2006/main" xmlns:r="http://schemas.openxmlformats.org/officeDocument/2006/relationships" xmlns:p14="http://schemas.microsoft.com/office/powerpoint/2010/main" xmlns:p15="http://schemas.microsoft.com/office/powerpoint/2012/main" xmlns:mc="http://schemas.openxmlformats.org/markup-compatibility/2006" type="twoObj" preserve="1">
+<p:sldLayout xmlns:a="http://schemas.openxmlformats.org/drawingml/2006/main" xmlns:r="http://schemas.openxmlformats.org/officeDocument/2006/relationships" xmlns:p="http://schemas.openxmlformats.org/presentationml/2006/main" type="twoObj" preserve="1">
   <p:cSld name="Title, 2 Content">
     <p:spTree>
       <p:nvGrpSpPr>
@@ -839,12 +1362,13 @@
           </a:ln>
         </p:spPr>
         <p:txBody>
-          <a:bodyPr lIns="0" rIns="0" tIns="0" bIns="0" anchor="ctr">
+          <a:bodyPr lIns="0" tIns="0" rIns="0" bIns="0" anchor="ctr">
             <a:noAutofit/>
           </a:bodyPr>
+          <a:lstStyle/>
           <a:p>
             <a:pPr algn="ctr"/>
-            <a:endParaRPr b="0" lang="en-US" sz="4400" spc="-1" strike="noStrike">
+            <a:endParaRPr lang="en-US" sz="4400" b="0" strike="noStrike" spc="-1">
               <a:latin typeface="Noto Sans"/>
             </a:endParaRPr>
           </a:p>
@@ -874,11 +1398,12 @@
           </a:ln>
         </p:spPr>
         <p:txBody>
-          <a:bodyPr lIns="0" rIns="0" tIns="0" bIns="0" anchor="t">
+          <a:bodyPr lIns="0" tIns="0" rIns="0" bIns="0" anchor="t">
             <a:normAutofit/>
           </a:bodyPr>
-          <a:p>
-            <a:endParaRPr b="0" lang="en-US" sz="3200" spc="-1" strike="noStrike">
+          <a:lstStyle/>
+          <a:p>
+            <a:endParaRPr lang="en-US" sz="3200" b="0" strike="noStrike" spc="-1">
               <a:latin typeface="Arial"/>
             </a:endParaRPr>
           </a:p>
@@ -908,11 +1433,12 @@
           </a:ln>
         </p:spPr>
         <p:txBody>
-          <a:bodyPr lIns="0" rIns="0" tIns="0" bIns="0" anchor="t">
+          <a:bodyPr lIns="0" tIns="0" rIns="0" bIns="0" anchor="t">
             <a:normAutofit/>
           </a:bodyPr>
-          <a:p>
-            <a:endParaRPr b="0" lang="en-US" sz="3200" spc="-1" strike="noStrike">
+          <a:lstStyle/>
+          <a:p>
+            <a:endParaRPr lang="en-US" sz="3200" b="0" strike="noStrike" spc="-1">
               <a:latin typeface="Arial"/>
             </a:endParaRPr>
           </a:p>
@@ -920,11 +1446,14 @@
       </p:sp>
     </p:spTree>
   </p:cSld>
+  <p:clrMapOvr>
+    <a:masterClrMapping/>
+  </p:clrMapOvr>
 </p:sldLayout>
 </file>
 
 <file path=ppt/slideLayouts/slideLayout5.xml><?xml version="1.0" encoding="utf-8"?>
-<p:sldLayout xmlns:a="http://schemas.openxmlformats.org/drawingml/2006/main" xmlns:p="http://schemas.openxmlformats.org/presentationml/2006/main" xmlns:r="http://schemas.openxmlformats.org/officeDocument/2006/relationships" xmlns:p14="http://schemas.microsoft.com/office/powerpoint/2010/main" xmlns:p15="http://schemas.microsoft.com/office/powerpoint/2012/main" xmlns:mc="http://schemas.openxmlformats.org/markup-compatibility/2006" type="titleOnly" preserve="1">
+<p:sldLayout xmlns:a="http://schemas.openxmlformats.org/drawingml/2006/main" xmlns:r="http://schemas.openxmlformats.org/officeDocument/2006/relationships" xmlns:p="http://schemas.openxmlformats.org/presentationml/2006/main" type="titleOnly" preserve="1">
   <p:cSld name="Title Only">
     <p:spTree>
       <p:nvGrpSpPr>
@@ -964,12 +1493,13 @@
           </a:ln>
         </p:spPr>
         <p:txBody>
-          <a:bodyPr lIns="0" rIns="0" tIns="0" bIns="0" anchor="ctr">
+          <a:bodyPr lIns="0" tIns="0" rIns="0" bIns="0" anchor="ctr">
             <a:noAutofit/>
           </a:bodyPr>
+          <a:lstStyle/>
           <a:p>
             <a:pPr algn="ctr"/>
-            <a:endParaRPr b="0" lang="en-US" sz="4400" spc="-1" strike="noStrike">
+            <a:endParaRPr lang="en-US" sz="4400" b="0" strike="noStrike" spc="-1">
               <a:latin typeface="Noto Sans"/>
             </a:endParaRPr>
           </a:p>
@@ -977,11 +1507,14 @@
       </p:sp>
     </p:spTree>
   </p:cSld>
+  <p:clrMapOvr>
+    <a:masterClrMapping/>
+  </p:clrMapOvr>
 </p:sldLayout>
 </file>
 
 <file path=ppt/slideLayouts/slideLayout6.xml><?xml version="1.0" encoding="utf-8"?>
-<p:sldLayout xmlns:a="http://schemas.openxmlformats.org/drawingml/2006/main" xmlns:p="http://schemas.openxmlformats.org/presentationml/2006/main" xmlns:r="http://schemas.openxmlformats.org/officeDocument/2006/relationships" xmlns:p14="http://schemas.microsoft.com/office/powerpoint/2010/main" xmlns:p15="http://schemas.microsoft.com/office/powerpoint/2012/main" xmlns:mc="http://schemas.openxmlformats.org/markup-compatibility/2006" type="objOnly" preserve="1">
+<p:sldLayout xmlns:a="http://schemas.openxmlformats.org/drawingml/2006/main" xmlns:r="http://schemas.openxmlformats.org/officeDocument/2006/relationships" xmlns:p="http://schemas.openxmlformats.org/presentationml/2006/main" type="objOnly" preserve="1">
   <p:cSld name="Centered Text">
     <p:spTree>
       <p:nvGrpSpPr>
@@ -1021,12 +1554,13 @@
           </a:ln>
         </p:spPr>
         <p:txBody>
-          <a:bodyPr lIns="0" rIns="0" tIns="0" bIns="0" anchor="ctr">
+          <a:bodyPr lIns="0" tIns="0" rIns="0" bIns="0" anchor="ctr">
             <a:noAutofit/>
           </a:bodyPr>
+          <a:lstStyle/>
           <a:p>
             <a:pPr algn="ctr"/>
-            <a:endParaRPr b="0" lang="en-US" sz="3200" spc="-1" strike="noStrike">
+            <a:endParaRPr lang="en-US" sz="3200" b="0" strike="noStrike" spc="-1">
               <a:latin typeface="Arial"/>
             </a:endParaRPr>
           </a:p>
@@ -1034,11 +1568,14 @@
       </p:sp>
     </p:spTree>
   </p:cSld>
+  <p:clrMapOvr>
+    <a:masterClrMapping/>
+  </p:clrMapOvr>
 </p:sldLayout>
 </file>
 
 <file path=ppt/slideLayouts/slideLayout7.xml><?xml version="1.0" encoding="utf-8"?>
-<p:sldLayout xmlns:a="http://schemas.openxmlformats.org/drawingml/2006/main" xmlns:p="http://schemas.openxmlformats.org/presentationml/2006/main" xmlns:r="http://schemas.openxmlformats.org/officeDocument/2006/relationships" xmlns:p14="http://schemas.microsoft.com/office/powerpoint/2010/main" xmlns:p15="http://schemas.microsoft.com/office/powerpoint/2012/main" xmlns:mc="http://schemas.openxmlformats.org/markup-compatibility/2006" type="twoObjAndObj" preserve="1">
+<p:sldLayout xmlns:a="http://schemas.openxmlformats.org/drawingml/2006/main" xmlns:r="http://schemas.openxmlformats.org/officeDocument/2006/relationships" xmlns:p="http://schemas.openxmlformats.org/presentationml/2006/main" type="twoObjAndObj" preserve="1">
   <p:cSld name="Title, 2 Content and Content">
     <p:spTree>
       <p:nvGrpSpPr>
@@ -1078,12 +1615,13 @@
           </a:ln>
         </p:spPr>
         <p:txBody>
-          <a:bodyPr lIns="0" rIns="0" tIns="0" bIns="0" anchor="ctr">
+          <a:bodyPr lIns="0" tIns="0" rIns="0" bIns="0" anchor="ctr">
             <a:noAutofit/>
           </a:bodyPr>
+          <a:lstStyle/>
           <a:p>
             <a:pPr algn="ctr"/>
-            <a:endParaRPr b="0" lang="en-US" sz="4400" spc="-1" strike="noStrike">
+            <a:endParaRPr lang="en-US" sz="4400" b="0" strike="noStrike" spc="-1">
               <a:latin typeface="Noto Sans"/>
             </a:endParaRPr>
           </a:p>
@@ -1113,11 +1651,12 @@
           </a:ln>
         </p:spPr>
         <p:txBody>
-          <a:bodyPr lIns="0" rIns="0" tIns="0" bIns="0" anchor="t">
+          <a:bodyPr lIns="0" tIns="0" rIns="0" bIns="0" anchor="t">
             <a:normAutofit/>
           </a:bodyPr>
-          <a:p>
-            <a:endParaRPr b="0" lang="en-US" sz="3200" spc="-1" strike="noStrike">
+          <a:lstStyle/>
+          <a:p>
+            <a:endParaRPr lang="en-US" sz="3200" b="0" strike="noStrike" spc="-1">
               <a:latin typeface="Arial"/>
             </a:endParaRPr>
           </a:p>
@@ -1147,11 +1686,12 @@
           </a:ln>
         </p:spPr>
         <p:txBody>
-          <a:bodyPr lIns="0" rIns="0" tIns="0" bIns="0" anchor="t">
+          <a:bodyPr lIns="0" tIns="0" rIns="0" bIns="0" anchor="t">
             <a:normAutofit/>
           </a:bodyPr>
-          <a:p>
-            <a:endParaRPr b="0" lang="en-US" sz="3200" spc="-1" strike="noStrike">
+          <a:lstStyle/>
+          <a:p>
+            <a:endParaRPr lang="en-US" sz="3200" b="0" strike="noStrike" spc="-1">
               <a:latin typeface="Arial"/>
             </a:endParaRPr>
           </a:p>
@@ -1181,11 +1721,12 @@
           </a:ln>
         </p:spPr>
         <p:txBody>
-          <a:bodyPr lIns="0" rIns="0" tIns="0" bIns="0" anchor="t">
+          <a:bodyPr lIns="0" tIns="0" rIns="0" bIns="0" anchor="t">
             <a:normAutofit/>
           </a:bodyPr>
-          <a:p>
-            <a:endParaRPr b="0" lang="en-US" sz="3200" spc="-1" strike="noStrike">
+          <a:lstStyle/>
+          <a:p>
+            <a:endParaRPr lang="en-US" sz="3200" b="0" strike="noStrike" spc="-1">
               <a:latin typeface="Arial"/>
             </a:endParaRPr>
           </a:p>
@@ -1193,11 +1734,14 @@
       </p:sp>
     </p:spTree>
   </p:cSld>
+  <p:clrMapOvr>
+    <a:masterClrMapping/>
+  </p:clrMapOvr>
 </p:sldLayout>
 </file>
 
 <file path=ppt/slideLayouts/slideLayout8.xml><?xml version="1.0" encoding="utf-8"?>
-<p:sldLayout xmlns:a="http://schemas.openxmlformats.org/drawingml/2006/main" xmlns:p="http://schemas.openxmlformats.org/presentationml/2006/main" xmlns:r="http://schemas.openxmlformats.org/officeDocument/2006/relationships" xmlns:p14="http://schemas.microsoft.com/office/powerpoint/2010/main" xmlns:p15="http://schemas.microsoft.com/office/powerpoint/2012/main" xmlns:mc="http://schemas.openxmlformats.org/markup-compatibility/2006" type="objAndTwoObj" preserve="1">
+<p:sldLayout xmlns:a="http://schemas.openxmlformats.org/drawingml/2006/main" xmlns:r="http://schemas.openxmlformats.org/officeDocument/2006/relationships" xmlns:p="http://schemas.openxmlformats.org/presentationml/2006/main" type="objAndTwoObj" preserve="1">
   <p:cSld name="Title Content and 2 Content">
     <p:spTree>
       <p:nvGrpSpPr>
@@ -1237,12 +1781,13 @@
           </a:ln>
         </p:spPr>
         <p:txBody>
-          <a:bodyPr lIns="0" rIns="0" tIns="0" bIns="0" anchor="ctr">
+          <a:bodyPr lIns="0" tIns="0" rIns="0" bIns="0" anchor="ctr">
             <a:noAutofit/>
           </a:bodyPr>
+          <a:lstStyle/>
           <a:p>
             <a:pPr algn="ctr"/>
-            <a:endParaRPr b="0" lang="en-US" sz="4400" spc="-1" strike="noStrike">
+            <a:endParaRPr lang="en-US" sz="4400" b="0" strike="noStrike" spc="-1">
               <a:latin typeface="Noto Sans"/>
             </a:endParaRPr>
           </a:p>
@@ -1272,11 +1817,12 @@
           </a:ln>
         </p:spPr>
         <p:txBody>
-          <a:bodyPr lIns="0" rIns="0" tIns="0" bIns="0" anchor="t">
+          <a:bodyPr lIns="0" tIns="0" rIns="0" bIns="0" anchor="t">
             <a:normAutofit/>
           </a:bodyPr>
-          <a:p>
-            <a:endParaRPr b="0" lang="en-US" sz="3200" spc="-1" strike="noStrike">
+          <a:lstStyle/>
+          <a:p>
+            <a:endParaRPr lang="en-US" sz="3200" b="0" strike="noStrike" spc="-1">
               <a:latin typeface="Arial"/>
             </a:endParaRPr>
           </a:p>
@@ -1306,11 +1852,12 @@
           </a:ln>
         </p:spPr>
         <p:txBody>
-          <a:bodyPr lIns="0" rIns="0" tIns="0" bIns="0" anchor="t">
+          <a:bodyPr lIns="0" tIns="0" rIns="0" bIns="0" anchor="t">
             <a:normAutofit/>
           </a:bodyPr>
-          <a:p>
-            <a:endParaRPr b="0" lang="en-US" sz="3200" spc="-1" strike="noStrike">
+          <a:lstStyle/>
+          <a:p>
+            <a:endParaRPr lang="en-US" sz="3200" b="0" strike="noStrike" spc="-1">
               <a:latin typeface="Arial"/>
             </a:endParaRPr>
           </a:p>
@@ -1340,11 +1887,12 @@
           </a:ln>
         </p:spPr>
         <p:txBody>
-          <a:bodyPr lIns="0" rIns="0" tIns="0" bIns="0" anchor="t">
+          <a:bodyPr lIns="0" tIns="0" rIns="0" bIns="0" anchor="t">
             <a:normAutofit/>
           </a:bodyPr>
-          <a:p>
-            <a:endParaRPr b="0" lang="en-US" sz="3200" spc="-1" strike="noStrike">
+          <a:lstStyle/>
+          <a:p>
+            <a:endParaRPr lang="en-US" sz="3200" b="0" strike="noStrike" spc="-1">
               <a:latin typeface="Arial"/>
             </a:endParaRPr>
           </a:p>
@@ -1352,11 +1900,14 @@
       </p:sp>
     </p:spTree>
   </p:cSld>
+  <p:clrMapOvr>
+    <a:masterClrMapping/>
+  </p:clrMapOvr>
 </p:sldLayout>
 </file>
 
 <file path=ppt/slideLayouts/slideLayout9.xml><?xml version="1.0" encoding="utf-8"?>
-<p:sldLayout xmlns:a="http://schemas.openxmlformats.org/drawingml/2006/main" xmlns:p="http://schemas.openxmlformats.org/presentationml/2006/main" xmlns:r="http://schemas.openxmlformats.org/officeDocument/2006/relationships" xmlns:p14="http://schemas.microsoft.com/office/powerpoint/2010/main" xmlns:p15="http://schemas.microsoft.com/office/powerpoint/2012/main" xmlns:mc="http://schemas.openxmlformats.org/markup-compatibility/2006" type="twoObjOverTx" preserve="1">
+<p:sldLayout xmlns:a="http://schemas.openxmlformats.org/drawingml/2006/main" xmlns:r="http://schemas.openxmlformats.org/officeDocument/2006/relationships" xmlns:p="http://schemas.openxmlformats.org/presentationml/2006/main" type="twoObjOverTx" preserve="1">
   <p:cSld name="Title, 2 Content over Content">
     <p:spTree>
       <p:nvGrpSpPr>
@@ -1396,12 +1947,13 @@
           </a:ln>
         </p:spPr>
         <p:txBody>
-          <a:bodyPr lIns="0" rIns="0" tIns="0" bIns="0" anchor="ctr">
+          <a:bodyPr lIns="0" tIns="0" rIns="0" bIns="0" anchor="ctr">
             <a:noAutofit/>
           </a:bodyPr>
+          <a:lstStyle/>
           <a:p>
             <a:pPr algn="ctr"/>
-            <a:endParaRPr b="0" lang="en-US" sz="4400" spc="-1" strike="noStrike">
+            <a:endParaRPr lang="en-US" sz="4400" b="0" strike="noStrike" spc="-1">
               <a:latin typeface="Noto Sans"/>
             </a:endParaRPr>
           </a:p>
@@ -1431,11 +1983,12 @@
           </a:ln>
         </p:spPr>
         <p:txBody>
-          <a:bodyPr lIns="0" rIns="0" tIns="0" bIns="0" anchor="t">
+          <a:bodyPr lIns="0" tIns="0" rIns="0" bIns="0" anchor="t">
             <a:normAutofit/>
           </a:bodyPr>
-          <a:p>
-            <a:endParaRPr b="0" lang="en-US" sz="3200" spc="-1" strike="noStrike">
+          <a:lstStyle/>
+          <a:p>
+            <a:endParaRPr lang="en-US" sz="3200" b="0" strike="noStrike" spc="-1">
               <a:latin typeface="Arial"/>
             </a:endParaRPr>
           </a:p>
@@ -1465,11 +2018,12 @@
           </a:ln>
         </p:spPr>
         <p:txBody>
-          <a:bodyPr lIns="0" rIns="0" tIns="0" bIns="0" anchor="t">
+          <a:bodyPr lIns="0" tIns="0" rIns="0" bIns="0" anchor="t">
             <a:normAutofit/>
           </a:bodyPr>
-          <a:p>
-            <a:endParaRPr b="0" lang="en-US" sz="3200" spc="-1" strike="noStrike">
+          <a:lstStyle/>
+          <a:p>
+            <a:endParaRPr lang="en-US" sz="3200" b="0" strike="noStrike" spc="-1">
               <a:latin typeface="Arial"/>
             </a:endParaRPr>
           </a:p>
@@ -1499,11 +2053,12 @@
           </a:ln>
         </p:spPr>
         <p:txBody>
-          <a:bodyPr lIns="0" rIns="0" tIns="0" bIns="0" anchor="t">
+          <a:bodyPr lIns="0" tIns="0" rIns="0" bIns="0" anchor="t">
             <a:normAutofit/>
           </a:bodyPr>
-          <a:p>
-            <a:endParaRPr b="0" lang="en-US" sz="3200" spc="-1" strike="noStrike">
+          <a:lstStyle/>
+          <a:p>
+            <a:endParaRPr lang="en-US" sz="3200" b="0" strike="noStrike" spc="-1">
               <a:latin typeface="Arial"/>
             </a:endParaRPr>
           </a:p>
@@ -1511,12 +2066,20 @@
       </p:sp>
     </p:spTree>
   </p:cSld>
+  <p:clrMapOvr>
+    <a:masterClrMapping/>
+  </p:clrMapOvr>
 </p:sldLayout>
 </file>
 
 <file path=ppt/slideMasters/slideMaster1.xml><?xml version="1.0" encoding="utf-8"?>
-<p:sldMaster xmlns:a="http://schemas.openxmlformats.org/drawingml/2006/main" xmlns:p="http://schemas.openxmlformats.org/presentationml/2006/main" xmlns:r="http://schemas.openxmlformats.org/officeDocument/2006/relationships" xmlns:p14="http://schemas.microsoft.com/office/powerpoint/2010/main" xmlns:p15="http://schemas.microsoft.com/office/powerpoint/2012/main" xmlns:mc="http://schemas.openxmlformats.org/markup-compatibility/2006">
+<p:sldMaster xmlns:a="http://schemas.openxmlformats.org/drawingml/2006/main" xmlns:r="http://schemas.openxmlformats.org/officeDocument/2006/relationships" xmlns:p="http://schemas.openxmlformats.org/presentationml/2006/main">
   <p:cSld>
+    <p:bg>
+      <p:bgRef idx="1001">
+        <a:schemeClr val="bg1"/>
+      </p:bgRef>
+    </p:bg>
     <p:spTree>
       <p:nvGrpSpPr>
         <p:cNvPr id="1" name=""/>
@@ -1533,7 +2096,7 @@
       </p:grpSpPr>
       <p:sp>
         <p:nvSpPr>
-          <p:cNvPr id="0" name="PlaceHolder 1"/>
+          <p:cNvPr id="6" name="PlaceHolder 1"/>
           <p:cNvSpPr>
             <a:spLocks noGrp="1"/>
           </p:cNvSpPr>
@@ -1555,26 +2118,24 @@
           </a:ln>
         </p:spPr>
         <p:txBody>
-          <a:bodyPr lIns="0" rIns="0" tIns="0" bIns="0" anchor="ctr">
+          <a:bodyPr lIns="0" tIns="0" rIns="0" bIns="0" anchor="ctr">
             <a:noAutofit/>
           </a:bodyPr>
+          <a:lstStyle/>
           <a:p>
             <a:pPr algn="ctr"/>
             <a:r>
-              <a:rPr b="0" lang="en-US" sz="4400" spc="-1" strike="noStrike">
+              <a:rPr lang="en-US" sz="4400" b="0" strike="noStrike" spc="-1">
                 <a:latin typeface="Noto Sans"/>
               </a:rPr>
               <a:t>Click to edit the title text format</a:t>
             </a:r>
-            <a:endParaRPr b="0" lang="en-US" sz="4400" spc="-1" strike="noStrike">
-              <a:latin typeface="Noto Sans"/>
-            </a:endParaRPr>
-          </a:p>
-        </p:txBody>
-      </p:sp>
-      <p:sp>
-        <p:nvSpPr>
-          <p:cNvPr id="1" name="PlaceHolder 2"/>
+          </a:p>
+        </p:txBody>
+      </p:sp>
+      <p:sp>
+        <p:nvSpPr>
+          <p:cNvPr id="7" name="PlaceHolder 2"/>
           <p:cNvSpPr>
             <a:spLocks noGrp="1"/>
           </p:cNvSpPr>
@@ -1596,9 +2157,10 @@
           </a:ln>
         </p:spPr>
         <p:txBody>
-          <a:bodyPr lIns="0" rIns="0" tIns="0" bIns="0" anchor="t">
+          <a:bodyPr lIns="0" tIns="0" rIns="0" bIns="0" anchor="t">
             <a:normAutofit/>
           </a:bodyPr>
+          <a:lstStyle/>
           <a:p>
             <a:pPr marL="432000" indent="-324000">
               <a:spcBef>
@@ -1612,23 +2174,14 @@
               <a:buChar char=""/>
             </a:pPr>
             <a:r>
-              <a:rPr b="0" lang="en-US" sz="3200" spc="-1" strike="noStrike">
+              <a:rPr lang="en-US" sz="3200" b="0" strike="noStrike" spc="-1">
                 <a:latin typeface="Noto Sans"/>
               </a:rPr>
-              <a:t>Click to edit the </a:t>
-            </a:r>
-            <a:r>
-              <a:rPr b="0" lang="en-US" sz="3200" spc="-1" strike="noStrike">
-                <a:latin typeface="Noto Sans"/>
-              </a:rPr>
-              <a:t>outline text format</a:t>
-            </a:r>
-            <a:endParaRPr b="0" lang="en-US" sz="3200" spc="-1" strike="noStrike">
-              <a:latin typeface="Noto Sans"/>
-            </a:endParaRPr>
-          </a:p>
-          <a:p>
-            <a:pPr lvl="1" marL="864000" indent="-324000">
+              <a:t>Click to edit the outline text format</a:t>
+            </a:r>
+          </a:p>
+          <a:p>
+            <a:pPr marL="864000" lvl="1" indent="-324000">
               <a:spcBef>
                 <a:spcPts val="1134"/>
               </a:spcBef>
@@ -1640,17 +2193,14 @@
               <a:buChar char=""/>
             </a:pPr>
             <a:r>
-              <a:rPr b="0" lang="en-US" sz="2800" spc="-1" strike="noStrike">
+              <a:rPr lang="en-US" sz="2800" b="0" strike="noStrike" spc="-1">
                 <a:latin typeface="Noto Sans"/>
               </a:rPr>
               <a:t>Second Outline Level</a:t>
             </a:r>
-            <a:endParaRPr b="0" lang="en-US" sz="2800" spc="-1" strike="noStrike">
-              <a:latin typeface="Noto Sans"/>
-            </a:endParaRPr>
-          </a:p>
-          <a:p>
-            <a:pPr lvl="2" marL="1296000" indent="-288000">
+          </a:p>
+          <a:p>
+            <a:pPr marL="1296000" lvl="2" indent="-288000">
               <a:spcBef>
                 <a:spcPts val="850"/>
               </a:spcBef>
@@ -1662,17 +2212,14 @@
               <a:buChar char=""/>
             </a:pPr>
             <a:r>
-              <a:rPr b="0" lang="en-US" sz="2400" spc="-1" strike="noStrike">
+              <a:rPr lang="en-US" sz="2400" b="0" strike="noStrike" spc="-1">
                 <a:latin typeface="Noto Sans"/>
               </a:rPr>
               <a:t>Third Outline Level</a:t>
             </a:r>
-            <a:endParaRPr b="0" lang="en-US" sz="2400" spc="-1" strike="noStrike">
-              <a:latin typeface="Noto Sans"/>
-            </a:endParaRPr>
-          </a:p>
-          <a:p>
-            <a:pPr lvl="3" marL="1728000" indent="-216000">
+          </a:p>
+          <a:p>
+            <a:pPr marL="1728000" lvl="3" indent="-216000">
               <a:spcBef>
                 <a:spcPts val="567"/>
               </a:spcBef>
@@ -1684,17 +2231,14 @@
               <a:buChar char=""/>
             </a:pPr>
             <a:r>
-              <a:rPr b="0" lang="en-US" sz="2000" spc="-1" strike="noStrike">
+              <a:rPr lang="en-US" sz="2000" b="0" strike="noStrike" spc="-1">
                 <a:latin typeface="Noto Sans"/>
               </a:rPr>
               <a:t>Fourth Outline Level</a:t>
             </a:r>
-            <a:endParaRPr b="0" lang="en-US" sz="2000" spc="-1" strike="noStrike">
-              <a:latin typeface="Noto Sans"/>
-            </a:endParaRPr>
-          </a:p>
-          <a:p>
-            <a:pPr lvl="4" marL="2160000" indent="-216000">
+          </a:p>
+          <a:p>
+            <a:pPr marL="2160000" lvl="4" indent="-216000">
               <a:spcBef>
                 <a:spcPts val="283"/>
               </a:spcBef>
@@ -1706,17 +2250,14 @@
               <a:buChar char=""/>
             </a:pPr>
             <a:r>
-              <a:rPr b="0" lang="en-US" sz="2000" spc="-1" strike="noStrike">
+              <a:rPr lang="en-US" sz="2000" b="0" strike="noStrike" spc="-1">
                 <a:latin typeface="Noto Sans"/>
               </a:rPr>
               <a:t>Fifth Outline Level</a:t>
             </a:r>
-            <a:endParaRPr b="0" lang="en-US" sz="2000" spc="-1" strike="noStrike">
-              <a:latin typeface="Noto Sans"/>
-            </a:endParaRPr>
-          </a:p>
-          <a:p>
-            <a:pPr lvl="5" marL="2592000" indent="-216000">
+          </a:p>
+          <a:p>
+            <a:pPr marL="2592000" lvl="5" indent="-216000">
               <a:spcBef>
                 <a:spcPts val="283"/>
               </a:spcBef>
@@ -1728,23 +2269,14 @@
               <a:buChar char=""/>
             </a:pPr>
             <a:r>
-              <a:rPr b="0" lang="en-US" sz="2000" spc="-1" strike="noStrike">
+              <a:rPr lang="en-US" sz="2000" b="0" strike="noStrike" spc="-1">
                 <a:latin typeface="Noto Sans"/>
               </a:rPr>
-              <a:t>Sixth Outline </a:t>
-            </a:r>
-            <a:r>
-              <a:rPr b="0" lang="en-US" sz="2000" spc="-1" strike="noStrike">
-                <a:latin typeface="Noto Sans"/>
-              </a:rPr>
-              <a:t>Level</a:t>
-            </a:r>
-            <a:endParaRPr b="0" lang="en-US" sz="2000" spc="-1" strike="noStrike">
-              <a:latin typeface="Noto Sans"/>
-            </a:endParaRPr>
-          </a:p>
-          <a:p>
-            <a:pPr lvl="6" marL="3024000" indent="-216000">
+              <a:t>Sixth Outline Level</a:t>
+            </a:r>
+          </a:p>
+          <a:p>
+            <a:pPr marL="3024000" lvl="6" indent="-216000">
               <a:spcBef>
                 <a:spcPts val="283"/>
               </a:spcBef>
@@ -1756,26 +2288,11 @@
               <a:buChar char=""/>
             </a:pPr>
             <a:r>
-              <a:rPr b="0" lang="en-US" sz="2000" spc="-1" strike="noStrike">
+              <a:rPr lang="en-US" sz="2000" b="0" strike="noStrike" spc="-1">
                 <a:latin typeface="Noto Sans"/>
               </a:rPr>
-              <a:t>Seventh </a:t>
-            </a:r>
-            <a:r>
-              <a:rPr b="0" lang="en-US" sz="2000" spc="-1" strike="noStrike">
-                <a:latin typeface="Noto Sans"/>
-              </a:rPr>
-              <a:t>Outline </a:t>
-            </a:r>
-            <a:r>
-              <a:rPr b="0" lang="en-US" sz="2000" spc="-1" strike="noStrike">
-                <a:latin typeface="Noto Sans"/>
-              </a:rPr>
-              <a:t>Level</a:t>
-            </a:r>
-            <a:endParaRPr b="0" lang="en-US" sz="2000" spc="-1" strike="noStrike">
-              <a:latin typeface="Noto Sans"/>
-            </a:endParaRPr>
+              <a:t>Seventh Outline Level</a:t>
+            </a:r>
           </a:p>
         </p:txBody>
       </p:sp>
@@ -1803,17 +2320,12 @@
           </a:ln>
         </p:spPr>
         <p:txBody>
-          <a:bodyPr lIns="0" rIns="0" tIns="0" bIns="0" anchor="t">
+          <a:bodyPr lIns="0" tIns="0" rIns="0" bIns="0" anchor="t">
             <a:noAutofit/>
           </a:bodyPr>
-          <a:p>
-            <a:r>
-              <a:rPr b="0" lang="en-US" sz="1400" spc="-1" strike="noStrike">
-                <a:latin typeface="Times New Roman"/>
-              </a:rPr>
-              <a:t>&lt;date/time&gt;</a:t>
-            </a:r>
-            <a:endParaRPr b="0" lang="en-US" sz="1400" spc="-1" strike="noStrike">
+          <a:lstStyle/>
+          <a:p>
+            <a:endParaRPr lang="en-US" sz="1400" b="0" strike="noStrike" spc="-1">
               <a:latin typeface="Times New Roman"/>
             </a:endParaRPr>
           </a:p>
@@ -1843,18 +2355,13 @@
           </a:ln>
         </p:spPr>
         <p:txBody>
-          <a:bodyPr lIns="0" rIns="0" tIns="0" bIns="0" anchor="t">
+          <a:bodyPr lIns="0" tIns="0" rIns="0" bIns="0" anchor="t">
             <a:noAutofit/>
           </a:bodyPr>
+          <a:lstStyle/>
           <a:p>
             <a:pPr algn="ctr"/>
-            <a:r>
-              <a:rPr b="0" lang="en-US" sz="1400" spc="-1" strike="noStrike">
-                <a:latin typeface="Times New Roman"/>
-              </a:rPr>
-              <a:t>&lt;footer&gt;</a:t>
-            </a:r>
-            <a:endParaRPr b="0" lang="en-US" sz="1400" spc="-1" strike="noStrike">
+            <a:endParaRPr lang="en-US" sz="1400" b="0" strike="noStrike" spc="-1">
               <a:latin typeface="Times New Roman"/>
             </a:endParaRPr>
           </a:p>
@@ -1884,18 +2391,19 @@
           </a:ln>
         </p:spPr>
         <p:txBody>
-          <a:bodyPr lIns="0" rIns="0" tIns="0" bIns="0" anchor="t">
+          <a:bodyPr lIns="0" tIns="0" rIns="0" bIns="0" anchor="t">
             <a:noAutofit/>
           </a:bodyPr>
+          <a:lstStyle/>
           <a:p>
             <a:pPr algn="r"/>
             <a:fld id="{C0FF7574-5290-4BEA-8C3C-FCE46CBD44F9}" type="slidenum">
-              <a:rPr b="0" lang="en-US" sz="1400" spc="-1" strike="noStrike">
+              <a:rPr lang="en-US" sz="1400" b="0" strike="noStrike" spc="-1">
                 <a:latin typeface="Times New Roman"/>
               </a:rPr>
-              <a:t>&lt;number&gt;</a:t>
+              <a:t>‹#›</a:t>
             </a:fld>
-            <a:endParaRPr b="0" lang="en-US" sz="1400" spc="-1" strike="noStrike">
+            <a:endParaRPr lang="en-US" sz="1400" b="0" strike="noStrike" spc="-1">
               <a:latin typeface="Times New Roman"/>
             </a:endParaRPr>
           </a:p>
@@ -1903,12 +2411,12 @@
       </p:sp>
       <p:pic>
         <p:nvPicPr>
-          <p:cNvPr id="5" name="" descr=""/>
+          <p:cNvPr id="5" name="图片 4"/>
           <p:cNvPicPr/>
           <p:nvPr/>
         </p:nvPicPr>
         <p:blipFill>
-          <a:blip r:embed="rId2"/>
+          <a:blip r:embed="rId14"/>
           <a:stretch/>
         </p:blipFill>
         <p:spPr>
@@ -1926,26 +2434,307 @@
       </p:pic>
     </p:spTree>
   </p:cSld>
-  <p:clrMap bg1="lt1" bg2="lt2" tx1="dk1" tx2="dk2" accent1="accent1" accent2="accent2" accent3="accent3" accent4="accent4" accent5="accent5" accent6="accent6" hlink="hlink" folHlink="folHlink"/>
+  <p:clrMap bg1="lt1" tx1="dk1" bg2="lt2" tx2="dk2" accent1="accent1" accent2="accent2" accent3="accent3" accent4="accent4" accent5="accent5" accent6="accent6" hlink="hlink" folHlink="folHlink"/>
   <p:sldLayoutIdLst>
-    <p:sldLayoutId id="2147483649" r:id="rId3"/>
-    <p:sldLayoutId id="2147483650" r:id="rId4"/>
-    <p:sldLayoutId id="2147483651" r:id="rId5"/>
-    <p:sldLayoutId id="2147483652" r:id="rId6"/>
-    <p:sldLayoutId id="2147483653" r:id="rId7"/>
-    <p:sldLayoutId id="2147483654" r:id="rId8"/>
-    <p:sldLayoutId id="2147483655" r:id="rId9"/>
-    <p:sldLayoutId id="2147483656" r:id="rId10"/>
-    <p:sldLayoutId id="2147483657" r:id="rId11"/>
-    <p:sldLayoutId id="2147483658" r:id="rId12"/>
-    <p:sldLayoutId id="2147483659" r:id="rId13"/>
-    <p:sldLayoutId id="2147483660" r:id="rId14"/>
+    <p:sldLayoutId id="2147483649" r:id="rId1"/>
+    <p:sldLayoutId id="2147483650" r:id="rId2"/>
+    <p:sldLayoutId id="2147483651" r:id="rId3"/>
+    <p:sldLayoutId id="2147483652" r:id="rId4"/>
+    <p:sldLayoutId id="2147483653" r:id="rId5"/>
+    <p:sldLayoutId id="2147483654" r:id="rId6"/>
+    <p:sldLayoutId id="2147483655" r:id="rId7"/>
+    <p:sldLayoutId id="2147483656" r:id="rId8"/>
+    <p:sldLayoutId id="2147483657" r:id="rId9"/>
+    <p:sldLayoutId id="2147483658" r:id="rId10"/>
+    <p:sldLayoutId id="2147483659" r:id="rId11"/>
+    <p:sldLayoutId id="2147483660" r:id="rId12"/>
   </p:sldLayoutIdLst>
+  <p:hf hdr="0" ftr="0" dt="0"/>
+  <p:txStyles>
+    <p:titleStyle>
+      <a:lvl1pPr algn="l" defTabSz="914400" rtl="0" eaLnBrk="1" latinLnBrk="0" hangingPunct="1">
+        <a:lnSpc>
+          <a:spcPct val="90000"/>
+        </a:lnSpc>
+        <a:spcBef>
+          <a:spcPct val="0"/>
+        </a:spcBef>
+        <a:buNone/>
+        <a:defRPr sz="4400" kern="1200">
+          <a:solidFill>
+            <a:schemeClr val="tx1"/>
+          </a:solidFill>
+          <a:latin typeface="+mj-lt"/>
+          <a:ea typeface="+mj-ea"/>
+          <a:cs typeface="+mj-cs"/>
+        </a:defRPr>
+      </a:lvl1pPr>
+    </p:titleStyle>
+    <p:bodyStyle>
+      <a:lvl1pPr marL="228600" indent="-228600" algn="l" defTabSz="914400" rtl="0" eaLnBrk="1" latinLnBrk="0" hangingPunct="1">
+        <a:lnSpc>
+          <a:spcPct val="90000"/>
+        </a:lnSpc>
+        <a:spcBef>
+          <a:spcPts val="1000"/>
+        </a:spcBef>
+        <a:buFont typeface="Arial" panose="020B0604020202020204" pitchFamily="34" charset="0"/>
+        <a:buChar char="•"/>
+        <a:defRPr sz="2800" kern="1200">
+          <a:solidFill>
+            <a:schemeClr val="tx1"/>
+          </a:solidFill>
+          <a:latin typeface="+mn-lt"/>
+          <a:ea typeface="+mn-ea"/>
+          <a:cs typeface="+mn-cs"/>
+        </a:defRPr>
+      </a:lvl1pPr>
+      <a:lvl2pPr marL="685800" indent="-228600" algn="l" defTabSz="914400" rtl="0" eaLnBrk="1" latinLnBrk="0" hangingPunct="1">
+        <a:lnSpc>
+          <a:spcPct val="90000"/>
+        </a:lnSpc>
+        <a:spcBef>
+          <a:spcPts val="500"/>
+        </a:spcBef>
+        <a:buFont typeface="Arial" panose="020B0604020202020204" pitchFamily="34" charset="0"/>
+        <a:buChar char="•"/>
+        <a:defRPr sz="2400" kern="1200">
+          <a:solidFill>
+            <a:schemeClr val="tx1"/>
+          </a:solidFill>
+          <a:latin typeface="+mn-lt"/>
+          <a:ea typeface="+mn-ea"/>
+          <a:cs typeface="+mn-cs"/>
+        </a:defRPr>
+      </a:lvl2pPr>
+      <a:lvl3pPr marL="1143000" indent="-228600" algn="l" defTabSz="914400" rtl="0" eaLnBrk="1" latinLnBrk="0" hangingPunct="1">
+        <a:lnSpc>
+          <a:spcPct val="90000"/>
+        </a:lnSpc>
+        <a:spcBef>
+          <a:spcPts val="500"/>
+        </a:spcBef>
+        <a:buFont typeface="Arial" panose="020B0604020202020204" pitchFamily="34" charset="0"/>
+        <a:buChar char="•"/>
+        <a:defRPr sz="2000" kern="1200">
+          <a:solidFill>
+            <a:schemeClr val="tx1"/>
+          </a:solidFill>
+          <a:latin typeface="+mn-lt"/>
+          <a:ea typeface="+mn-ea"/>
+          <a:cs typeface="+mn-cs"/>
+        </a:defRPr>
+      </a:lvl3pPr>
+      <a:lvl4pPr marL="1600200" indent="-228600" algn="l" defTabSz="914400" rtl="0" eaLnBrk="1" latinLnBrk="0" hangingPunct="1">
+        <a:lnSpc>
+          <a:spcPct val="90000"/>
+        </a:lnSpc>
+        <a:spcBef>
+          <a:spcPts val="500"/>
+        </a:spcBef>
+        <a:buFont typeface="Arial" panose="020B0604020202020204" pitchFamily="34" charset="0"/>
+        <a:buChar char="•"/>
+        <a:defRPr sz="1800" kern="1200">
+          <a:solidFill>
+            <a:schemeClr val="tx1"/>
+          </a:solidFill>
+          <a:latin typeface="+mn-lt"/>
+          <a:ea typeface="+mn-ea"/>
+          <a:cs typeface="+mn-cs"/>
+        </a:defRPr>
+      </a:lvl4pPr>
+      <a:lvl5pPr marL="2057400" indent="-228600" algn="l" defTabSz="914400" rtl="0" eaLnBrk="1" latinLnBrk="0" hangingPunct="1">
+        <a:lnSpc>
+          <a:spcPct val="90000"/>
+        </a:lnSpc>
+        <a:spcBef>
+          <a:spcPts val="500"/>
+        </a:spcBef>
+        <a:buFont typeface="Arial" panose="020B0604020202020204" pitchFamily="34" charset="0"/>
+        <a:buChar char="•"/>
+        <a:defRPr sz="1800" kern="1200">
+          <a:solidFill>
+            <a:schemeClr val="tx1"/>
+          </a:solidFill>
+          <a:latin typeface="+mn-lt"/>
+          <a:ea typeface="+mn-ea"/>
+          <a:cs typeface="+mn-cs"/>
+        </a:defRPr>
+      </a:lvl5pPr>
+      <a:lvl6pPr marL="2514600" indent="-228600" algn="l" defTabSz="914400" rtl="0" eaLnBrk="1" latinLnBrk="0" hangingPunct="1">
+        <a:lnSpc>
+          <a:spcPct val="90000"/>
+        </a:lnSpc>
+        <a:spcBef>
+          <a:spcPts val="500"/>
+        </a:spcBef>
+        <a:buFont typeface="Arial" panose="020B0604020202020204" pitchFamily="34" charset="0"/>
+        <a:buChar char="•"/>
+        <a:defRPr sz="1800" kern="1200">
+          <a:solidFill>
+            <a:schemeClr val="tx1"/>
+          </a:solidFill>
+          <a:latin typeface="+mn-lt"/>
+          <a:ea typeface="+mn-ea"/>
+          <a:cs typeface="+mn-cs"/>
+        </a:defRPr>
+      </a:lvl6pPr>
+      <a:lvl7pPr marL="2971800" indent="-228600" algn="l" defTabSz="914400" rtl="0" eaLnBrk="1" latinLnBrk="0" hangingPunct="1">
+        <a:lnSpc>
+          <a:spcPct val="90000"/>
+        </a:lnSpc>
+        <a:spcBef>
+          <a:spcPts val="500"/>
+        </a:spcBef>
+        <a:buFont typeface="Arial" panose="020B0604020202020204" pitchFamily="34" charset="0"/>
+        <a:buChar char="•"/>
+        <a:defRPr sz="1800" kern="1200">
+          <a:solidFill>
+            <a:schemeClr val="tx1"/>
+          </a:solidFill>
+          <a:latin typeface="+mn-lt"/>
+          <a:ea typeface="+mn-ea"/>
+          <a:cs typeface="+mn-cs"/>
+        </a:defRPr>
+      </a:lvl7pPr>
+      <a:lvl8pPr marL="3429000" indent="-228600" algn="l" defTabSz="914400" rtl="0" eaLnBrk="1" latinLnBrk="0" hangingPunct="1">
+        <a:lnSpc>
+          <a:spcPct val="90000"/>
+        </a:lnSpc>
+        <a:spcBef>
+          <a:spcPts val="500"/>
+        </a:spcBef>
+        <a:buFont typeface="Arial" panose="020B0604020202020204" pitchFamily="34" charset="0"/>
+        <a:buChar char="•"/>
+        <a:defRPr sz="1800" kern="1200">
+          <a:solidFill>
+            <a:schemeClr val="tx1"/>
+          </a:solidFill>
+          <a:latin typeface="+mn-lt"/>
+          <a:ea typeface="+mn-ea"/>
+          <a:cs typeface="+mn-cs"/>
+        </a:defRPr>
+      </a:lvl8pPr>
+      <a:lvl9pPr marL="3886200" indent="-228600" algn="l" defTabSz="914400" rtl="0" eaLnBrk="1" latinLnBrk="0" hangingPunct="1">
+        <a:lnSpc>
+          <a:spcPct val="90000"/>
+        </a:lnSpc>
+        <a:spcBef>
+          <a:spcPts val="500"/>
+        </a:spcBef>
+        <a:buFont typeface="Arial" panose="020B0604020202020204" pitchFamily="34" charset="0"/>
+        <a:buChar char="•"/>
+        <a:defRPr sz="1800" kern="1200">
+          <a:solidFill>
+            <a:schemeClr val="tx1"/>
+          </a:solidFill>
+          <a:latin typeface="+mn-lt"/>
+          <a:ea typeface="+mn-ea"/>
+          <a:cs typeface="+mn-cs"/>
+        </a:defRPr>
+      </a:lvl9pPr>
+    </p:bodyStyle>
+    <p:otherStyle>
+      <a:defPPr>
+        <a:defRPr lang="zh-CN"/>
+      </a:defPPr>
+      <a:lvl1pPr marL="0" algn="l" defTabSz="914400" rtl="0" eaLnBrk="1" latinLnBrk="0" hangingPunct="1">
+        <a:defRPr sz="1800" kern="1200">
+          <a:solidFill>
+            <a:schemeClr val="tx1"/>
+          </a:solidFill>
+          <a:latin typeface="+mn-lt"/>
+          <a:ea typeface="+mn-ea"/>
+          <a:cs typeface="+mn-cs"/>
+        </a:defRPr>
+      </a:lvl1pPr>
+      <a:lvl2pPr marL="457200" algn="l" defTabSz="914400" rtl="0" eaLnBrk="1" latinLnBrk="0" hangingPunct="1">
+        <a:defRPr sz="1800" kern="1200">
+          <a:solidFill>
+            <a:schemeClr val="tx1"/>
+          </a:solidFill>
+          <a:latin typeface="+mn-lt"/>
+          <a:ea typeface="+mn-ea"/>
+          <a:cs typeface="+mn-cs"/>
+        </a:defRPr>
+      </a:lvl2pPr>
+      <a:lvl3pPr marL="914400" algn="l" defTabSz="914400" rtl="0" eaLnBrk="1" latinLnBrk="0" hangingPunct="1">
+        <a:defRPr sz="1800" kern="1200">
+          <a:solidFill>
+            <a:schemeClr val="tx1"/>
+          </a:solidFill>
+          <a:latin typeface="+mn-lt"/>
+          <a:ea typeface="+mn-ea"/>
+          <a:cs typeface="+mn-cs"/>
+        </a:defRPr>
+      </a:lvl3pPr>
+      <a:lvl4pPr marL="1371600" algn="l" defTabSz="914400" rtl="0" eaLnBrk="1" latinLnBrk="0" hangingPunct="1">
+        <a:defRPr sz="1800" kern="1200">
+          <a:solidFill>
+            <a:schemeClr val="tx1"/>
+          </a:solidFill>
+          <a:latin typeface="+mn-lt"/>
+          <a:ea typeface="+mn-ea"/>
+          <a:cs typeface="+mn-cs"/>
+        </a:defRPr>
+      </a:lvl4pPr>
+      <a:lvl5pPr marL="1828800" algn="l" defTabSz="914400" rtl="0" eaLnBrk="1" latinLnBrk="0" hangingPunct="1">
+        <a:defRPr sz="1800" kern="1200">
+          <a:solidFill>
+            <a:schemeClr val="tx1"/>
+          </a:solidFill>
+          <a:latin typeface="+mn-lt"/>
+          <a:ea typeface="+mn-ea"/>
+          <a:cs typeface="+mn-cs"/>
+        </a:defRPr>
+      </a:lvl5pPr>
+      <a:lvl6pPr marL="2286000" algn="l" defTabSz="914400" rtl="0" eaLnBrk="1" latinLnBrk="0" hangingPunct="1">
+        <a:defRPr sz="1800" kern="1200">
+          <a:solidFill>
+            <a:schemeClr val="tx1"/>
+          </a:solidFill>
+          <a:latin typeface="+mn-lt"/>
+          <a:ea typeface="+mn-ea"/>
+          <a:cs typeface="+mn-cs"/>
+        </a:defRPr>
+      </a:lvl6pPr>
+      <a:lvl7pPr marL="2743200" algn="l" defTabSz="914400" rtl="0" eaLnBrk="1" latinLnBrk="0" hangingPunct="1">
+        <a:defRPr sz="1800" kern="1200">
+          <a:solidFill>
+            <a:schemeClr val="tx1"/>
+          </a:solidFill>
+          <a:latin typeface="+mn-lt"/>
+          <a:ea typeface="+mn-ea"/>
+          <a:cs typeface="+mn-cs"/>
+        </a:defRPr>
+      </a:lvl7pPr>
+      <a:lvl8pPr marL="3200400" algn="l" defTabSz="914400" rtl="0" eaLnBrk="1" latinLnBrk="0" hangingPunct="1">
+        <a:defRPr sz="1800" kern="1200">
+          <a:solidFill>
+            <a:schemeClr val="tx1"/>
+          </a:solidFill>
+          <a:latin typeface="+mn-lt"/>
+          <a:ea typeface="+mn-ea"/>
+          <a:cs typeface="+mn-cs"/>
+        </a:defRPr>
+      </a:lvl8pPr>
+      <a:lvl9pPr marL="3657600" algn="l" defTabSz="914400" rtl="0" eaLnBrk="1" latinLnBrk="0" hangingPunct="1">
+        <a:defRPr sz="1800" kern="1200">
+          <a:solidFill>
+            <a:schemeClr val="tx1"/>
+          </a:solidFill>
+          <a:latin typeface="+mn-lt"/>
+          <a:ea typeface="+mn-ea"/>
+          <a:cs typeface="+mn-cs"/>
+        </a:defRPr>
+      </a:lvl9pPr>
+    </p:otherStyle>
+  </p:txStyles>
 </p:sldMaster>
 </file>
 
 <file path=ppt/slides/slide1.xml><?xml version="1.0" encoding="utf-8"?>
-<p:sld xmlns:a="http://schemas.openxmlformats.org/drawingml/2006/main" xmlns:p="http://schemas.openxmlformats.org/presentationml/2006/main" xmlns:r="http://schemas.openxmlformats.org/officeDocument/2006/relationships" xmlns:p14="http://schemas.microsoft.com/office/powerpoint/2010/main" xmlns:p15="http://schemas.microsoft.com/office/powerpoint/2012/main" xmlns:mc="http://schemas.openxmlformats.org/markup-compatibility/2006">
+<p:sld xmlns:a="http://schemas.openxmlformats.org/drawingml/2006/main" xmlns:r="http://schemas.openxmlformats.org/officeDocument/2006/relationships" xmlns:p="http://schemas.openxmlformats.org/presentationml/2006/main">
   <p:cSld>
     <p:spTree>
       <p:nvGrpSpPr>
@@ -1963,30 +2752,7 @@
       </p:grpSpPr>
       <p:pic>
         <p:nvPicPr>
-          <p:cNvPr id="42" name="" descr=""/>
-          <p:cNvPicPr/>
-          <p:nvPr/>
-        </p:nvPicPr>
-        <p:blipFill>
-          <a:blip r:embed="rId1"/>
-          <a:stretch/>
-        </p:blipFill>
-        <p:spPr>
-          <a:xfrm>
-            <a:off x="6648480" y="0"/>
-            <a:ext cx="3431520" cy="859320"/>
-          </a:xfrm>
-          <a:prstGeom prst="rect">
-            <a:avLst/>
-          </a:prstGeom>
-          <a:ln w="0">
-            <a:noFill/>
-          </a:ln>
-        </p:spPr>
-      </p:pic>
-      <p:pic>
-        <p:nvPicPr>
-          <p:cNvPr id="43" name="" descr=""/>
+          <p:cNvPr id="42" name="图片 41"/>
           <p:cNvPicPr/>
           <p:nvPr/>
         </p:nvPicPr>
@@ -1996,8 +2762,8 @@
         </p:blipFill>
         <p:spPr>
           <a:xfrm>
-            <a:off x="228600" y="228600"/>
-            <a:ext cx="914400" cy="914400"/>
+            <a:off x="6648480" y="0"/>
+            <a:ext cx="3431520" cy="859320"/>
           </a:xfrm>
           <a:prstGeom prst="rect">
             <a:avLst/>
@@ -2007,121 +2773,9 @@
           </a:ln>
         </p:spPr>
       </p:pic>
-      <p:sp>
-        <p:nvSpPr>
-          <p:cNvPr id="44" name="PlaceHolder 1"/>
-          <p:cNvSpPr>
-            <a:spLocks noGrp="1"/>
-          </p:cNvSpPr>
-          <p:nvPr>
-            <p:ph type="title"/>
-          </p:nvPr>
-        </p:nvSpPr>
-        <p:spPr>
-          <a:xfrm>
-            <a:off x="504000" y="226080"/>
-            <a:ext cx="9071640" cy="946440"/>
-          </a:xfrm>
-          <a:prstGeom prst="rect">
-            <a:avLst/>
-          </a:prstGeom>
-          <a:noFill/>
-          <a:ln w="0">
-            <a:noFill/>
-          </a:ln>
-        </p:spPr>
-        <p:txBody>
-          <a:bodyPr lIns="0" rIns="0" tIns="0" bIns="0" anchor="ctr">
-            <a:noAutofit/>
-          </a:bodyPr>
-          <a:p>
-            <a:pPr algn="ctr"/>
-            <a:endParaRPr b="0" lang="en-US" sz="4400" spc="-1" strike="noStrike">
-              <a:latin typeface="Noto Sans"/>
-            </a:endParaRPr>
-          </a:p>
-        </p:txBody>
-      </p:sp>
-      <p:sp>
-        <p:nvSpPr>
-          <p:cNvPr id="45" name="PlaceHolder 2"/>
-          <p:cNvSpPr>
-            <a:spLocks noGrp="1"/>
-          </p:cNvSpPr>
-          <p:nvPr>
-            <p:ph type="subTitle"/>
-          </p:nvPr>
-        </p:nvSpPr>
-        <p:spPr>
-          <a:xfrm>
-            <a:off x="504000" y="1326600"/>
-            <a:ext cx="9071640" cy="3288240"/>
-          </a:xfrm>
-          <a:prstGeom prst="rect">
-            <a:avLst/>
-          </a:prstGeom>
-          <a:noFill/>
-          <a:ln w="0">
-            <a:noFill/>
-          </a:ln>
-        </p:spPr>
-        <p:txBody>
-          <a:bodyPr lIns="0" rIns="0" tIns="0" bIns="0" anchor="ctr">
-            <a:noAutofit/>
-          </a:bodyPr>
-          <a:p>
-            <a:pPr algn="ctr"/>
-            <a:r>
-              <a:rPr b="0" lang="en-US" sz="3200" spc="-1" strike="noStrike">
-                <a:latin typeface="Noto Sans"/>
-              </a:rPr>
-              <a:t>Practical Relative Order Attack in Deep Ranking</a:t>
-            </a:r>
-            <a:endParaRPr b="0" lang="en-US" sz="3200" spc="-1" strike="noStrike">
-              <a:latin typeface="Noto Sans"/>
-            </a:endParaRPr>
-          </a:p>
-          <a:p>
-            <a:pPr algn="ctr"/>
-            <a:endParaRPr b="0" lang="en-US" sz="3200" spc="-1" strike="noStrike">
-              <a:latin typeface="Noto Sans"/>
-            </a:endParaRPr>
-          </a:p>
-          <a:p>
-            <a:pPr algn="ctr"/>
-            <a:r>
-              <a:rPr b="0" lang="en-US" sz="2000" spc="-1" strike="noStrike">
-                <a:solidFill>
-                  <a:srgbClr val="666666"/>
-                </a:solidFill>
-                <a:latin typeface="Noto Sans"/>
-              </a:rPr>
-              <a:t>Mo Zhou, Le Wang, Zhenxing Niu, Qilin Zhang,</a:t>
-            </a:r>
-            <a:endParaRPr b="0" lang="en-US" sz="2000" spc="-1" strike="noStrike">
-              <a:latin typeface="Noto Sans"/>
-            </a:endParaRPr>
-          </a:p>
-          <a:p>
-            <a:pPr algn="ctr"/>
-            <a:r>
-              <a:rPr b="0" lang="en-US" sz="2000" spc="-1" strike="noStrike">
-                <a:solidFill>
-                  <a:srgbClr val="666666"/>
-                </a:solidFill>
-                <a:latin typeface="Noto Sans"/>
-              </a:rPr>
-              <a:t>Yinghui Xu, Nanning Zheng, Gang Hua</a:t>
-            </a:r>
-            <a:endParaRPr b="0" lang="en-US" sz="2000" spc="-1" strike="noStrike">
-              <a:latin typeface="Noto Sans"/>
-            </a:endParaRPr>
-          </a:p>
-        </p:txBody>
-      </p:sp>
       <p:pic>
         <p:nvPicPr>
-          <p:cNvPr id="46" name="" descr=""/>
+          <p:cNvPr id="43" name="图片 42"/>
           <p:cNvPicPr/>
           <p:nvPr/>
         </p:nvPicPr>
@@ -2131,8 +2785,8 @@
         </p:blipFill>
         <p:spPr>
           <a:xfrm>
-            <a:off x="0" y="4230360"/>
-            <a:ext cx="2814120" cy="1439640"/>
+            <a:off x="228600" y="228600"/>
+            <a:ext cx="914400" cy="914400"/>
           </a:xfrm>
           <a:prstGeom prst="rect">
             <a:avLst/>
@@ -2144,14 +2798,18 @@
       </p:pic>
       <p:sp>
         <p:nvSpPr>
-          <p:cNvPr id="47" name=""/>
-          <p:cNvSpPr txBox="1"/>
-          <p:nvPr/>
-        </p:nvSpPr>
-        <p:spPr>
-          <a:xfrm>
-            <a:off x="3132000" y="2670480"/>
-            <a:ext cx="1440000" cy="427320"/>
+          <p:cNvPr id="45" name="PlaceHolder 2"/>
+          <p:cNvSpPr>
+            <a:spLocks noGrp="1"/>
+          </p:cNvSpPr>
+          <p:nvPr>
+            <p:ph type="subTitle"/>
+          </p:nvPr>
+        </p:nvSpPr>
+        <p:spPr>
+          <a:xfrm>
+            <a:off x="504000" y="1326600"/>
+            <a:ext cx="9071640" cy="3288240"/>
           </a:xfrm>
           <a:prstGeom prst="rect">
             <a:avLst/>
@@ -2162,37 +2820,153 @@
           </a:ln>
         </p:spPr>
         <p:txBody>
-          <a:bodyPr lIns="90000" rIns="90000" tIns="45000" bIns="45000" anchor="t">
+          <a:bodyPr lIns="0" tIns="0" rIns="0" bIns="0" anchor="ctr">
             <a:noAutofit/>
           </a:bodyPr>
-          <a:p>
-            <a:fld id="{0ED380BF-2229-47CE-90D3-F8D65C7E1146}" type="slidenum">
-              <a:rPr b="0" lang="en-US" sz="2400" spc="-1" strike="noStrike">
-                <a:latin typeface="Times New Roman"/>
+          <a:lstStyle/>
+          <a:p>
+            <a:pPr algn="ctr"/>
+            <a:r>
+              <a:rPr lang="en-US" sz="3200" b="0" strike="noStrike" spc="-1" dirty="0">
+                <a:latin typeface="Noto Sans"/>
               </a:rPr>
-              <a:t>&lt;number&gt;</a:t>
-            </a:fld>
-            <a:endParaRPr b="0" lang="en-US" sz="2400" spc="-1" strike="noStrike">
-              <a:latin typeface="Times New Roman"/>
+              <a:t>Practical Relative Order Attack in Deep Ranking</a:t>
+            </a:r>
+          </a:p>
+          <a:p>
+            <a:pPr algn="ctr"/>
+            <a:endParaRPr lang="en-US" sz="3200" b="0" strike="noStrike" spc="-1" dirty="0">
+              <a:latin typeface="Noto Sans"/>
             </a:endParaRPr>
           </a:p>
-        </p:txBody>
-      </p:sp>
+          <a:p>
+            <a:pPr algn="ctr"/>
+            <a:r>
+              <a:rPr lang="en-US" sz="2000" b="0" strike="noStrike" spc="-1" dirty="0">
+                <a:solidFill>
+                  <a:srgbClr val="666666"/>
+                </a:solidFill>
+                <a:latin typeface="Noto Sans"/>
+              </a:rPr>
+              <a:t>Mo Zhou, Le Wang, </a:t>
+            </a:r>
+            <a:r>
+              <a:rPr lang="en-US" sz="2000" b="0" strike="noStrike" spc="-1" dirty="0" err="1">
+                <a:solidFill>
+                  <a:srgbClr val="666666"/>
+                </a:solidFill>
+                <a:latin typeface="Noto Sans"/>
+              </a:rPr>
+              <a:t>Zhenxing</a:t>
+            </a:r>
+            <a:r>
+              <a:rPr lang="en-US" sz="2000" b="0" strike="noStrike" spc="-1" dirty="0">
+                <a:solidFill>
+                  <a:srgbClr val="666666"/>
+                </a:solidFill>
+                <a:latin typeface="Noto Sans"/>
+              </a:rPr>
+              <a:t> </a:t>
+            </a:r>
+            <a:r>
+              <a:rPr lang="en-US" sz="2000" b="0" strike="noStrike" spc="-1" dirty="0" err="1">
+                <a:solidFill>
+                  <a:srgbClr val="666666"/>
+                </a:solidFill>
+                <a:latin typeface="Noto Sans"/>
+              </a:rPr>
+              <a:t>Niu</a:t>
+            </a:r>
+            <a:r>
+              <a:rPr lang="en-US" sz="2000" b="0" strike="noStrike" spc="-1" dirty="0">
+                <a:solidFill>
+                  <a:srgbClr val="666666"/>
+                </a:solidFill>
+                <a:latin typeface="Noto Sans"/>
+              </a:rPr>
+              <a:t>, </a:t>
+            </a:r>
+            <a:r>
+              <a:rPr lang="en-US" sz="2000" b="0" strike="noStrike" spc="-1" dirty="0" err="1">
+                <a:solidFill>
+                  <a:srgbClr val="666666"/>
+                </a:solidFill>
+                <a:latin typeface="Noto Sans"/>
+              </a:rPr>
+              <a:t>Qilin</a:t>
+            </a:r>
+            <a:r>
+              <a:rPr lang="en-US" sz="2000" b="0" strike="noStrike" spc="-1" dirty="0">
+                <a:solidFill>
+                  <a:srgbClr val="666666"/>
+                </a:solidFill>
+                <a:latin typeface="Noto Sans"/>
+              </a:rPr>
+              <a:t> Zhang,</a:t>
+            </a:r>
+            <a:endParaRPr lang="en-US" sz="2000" b="0" strike="noStrike" spc="-1" dirty="0">
+              <a:latin typeface="Noto Sans"/>
+            </a:endParaRPr>
+          </a:p>
+          <a:p>
+            <a:pPr algn="ctr"/>
+            <a:r>
+              <a:rPr lang="en-US" sz="2000" b="0" strike="noStrike" spc="-1" dirty="0" err="1">
+                <a:solidFill>
+                  <a:srgbClr val="666666"/>
+                </a:solidFill>
+                <a:latin typeface="Noto Sans"/>
+              </a:rPr>
+              <a:t>Yinghui</a:t>
+            </a:r>
+            <a:r>
+              <a:rPr lang="en-US" sz="2000" b="0" strike="noStrike" spc="-1" dirty="0">
+                <a:solidFill>
+                  <a:srgbClr val="666666"/>
+                </a:solidFill>
+                <a:latin typeface="Noto Sans"/>
+              </a:rPr>
+              <a:t> Xu, Nanning Zheng, Gang Hua</a:t>
+            </a:r>
+            <a:endParaRPr lang="en-US" sz="2000" b="0" strike="noStrike" spc="-1" dirty="0">
+              <a:latin typeface="Noto Sans"/>
+            </a:endParaRPr>
+          </a:p>
+        </p:txBody>
+      </p:sp>
+      <p:pic>
+        <p:nvPicPr>
+          <p:cNvPr id="46" name="图片 45"/>
+          <p:cNvPicPr/>
+          <p:nvPr/>
+        </p:nvPicPr>
+        <p:blipFill>
+          <a:blip r:embed="rId4"/>
+          <a:stretch/>
+        </p:blipFill>
+        <p:spPr>
+          <a:xfrm>
+            <a:off x="7266505" y="4230910"/>
+            <a:ext cx="2814120" cy="1439640"/>
+          </a:xfrm>
+          <a:prstGeom prst="rect">
+            <a:avLst/>
+          </a:prstGeom>
+          <a:ln w="0">
+            <a:noFill/>
+          </a:ln>
+        </p:spPr>
+      </p:pic>
     </p:spTree>
   </p:cSld>
-  <mc:AlternateContent>
-    <mc:Choice Requires="p14">
-      <p:transition spd="slow" p14:dur="2000"/>
-    </mc:Choice>
-    <mc:Fallback>
-      <p:transition spd="slow"/>
-    </mc:Fallback>
-  </mc:AlternateContent>
+  <p:clrMapOvr>
+    <a:masterClrMapping/>
+  </p:clrMapOvr>
 </p:sld>
 </file>
 
-<file path=ppt/slides/slide2.xml><?xml version="1.0" encoding="utf-8"?>
-<p:sld xmlns:a="http://schemas.openxmlformats.org/drawingml/2006/main" xmlns:p="http://schemas.openxmlformats.org/presentationml/2006/main" xmlns:r="http://schemas.openxmlformats.org/officeDocument/2006/relationships" xmlns:p14="http://schemas.microsoft.com/office/powerpoint/2010/main" xmlns:p15="http://schemas.microsoft.com/office/powerpoint/2012/main" xmlns:mc="http://schemas.openxmlformats.org/markup-compatibility/2006">
+<file path=ppt/slides/slide10.xml><?xml version="1.0" encoding="utf-8"?>
+<p:sld xmlns:a="http://schemas.openxmlformats.org/drawingml/2006/main" xmlns:r="http://schemas.openxmlformats.org/officeDocument/2006/relationships" xmlns:p="http://schemas.openxmlformats.org/presentationml/2006/main">
   <p:cSld>
     <p:spTree>
       <p:nvGrpSpPr>
@@ -2210,7 +2984,13 @@
       </p:grpSpPr>
       <p:sp>
         <p:nvSpPr>
-          <p:cNvPr id="48" name="PlaceHolder 1"/>
+          <p:cNvPr id="2" name="标题 1">
+            <a:extLst>
+              <a:ext uri="{FF2B5EF4-FFF2-40B4-BE49-F238E27FC236}">
+                <a16:creationId xmlns:a16="http://schemas.microsoft.com/office/drawing/2014/main" id="{5C2ED778-96A9-42A4-8367-62ED2B7F61DC}"/>
+              </a:ext>
+            </a:extLst>
+          </p:cNvPr>
           <p:cNvSpPr>
             <a:spLocks noGrp="1"/>
           </p:cNvSpPr>
@@ -2218,209 +2998,100 @@
             <p:ph type="title"/>
           </p:nvPr>
         </p:nvSpPr>
-        <p:spPr>
-          <a:xfrm>
-            <a:off x="504000" y="226080"/>
-            <a:ext cx="9071640" cy="946440"/>
-          </a:xfrm>
-          <a:prstGeom prst="rect">
-            <a:avLst/>
-          </a:prstGeom>
-          <a:noFill/>
-          <a:ln w="0">
-            <a:noFill/>
-          </a:ln>
-        </p:spPr>
-        <p:txBody>
-          <a:bodyPr lIns="0" rIns="0" tIns="0" bIns="0" anchor="ctr">
-            <a:noAutofit/>
-          </a:bodyPr>
-          <a:p>
-            <a:r>
-              <a:rPr b="0" lang="en-US" sz="4400" spc="-1" strike="noStrike">
-                <a:latin typeface="Noto Sans"/>
-              </a:rPr>
-              <a:t>Background</a:t>
-            </a:r>
-            <a:endParaRPr b="0" lang="en-US" sz="4400" spc="-1" strike="noStrike">
-              <a:latin typeface="Noto Sans"/>
-            </a:endParaRPr>
-          </a:p>
-        </p:txBody>
-      </p:sp>
-      <p:sp>
-        <p:nvSpPr>
-          <p:cNvPr id="49" name="PlaceHolder 2"/>
-          <p:cNvSpPr>
-            <a:spLocks noGrp="1"/>
-          </p:cNvSpPr>
-          <p:nvPr>
-            <p:ph/>
-          </p:nvPr>
-        </p:nvSpPr>
-        <p:spPr>
-          <a:xfrm>
-            <a:off x="504000" y="1326600"/>
-            <a:ext cx="9071640" cy="3288240"/>
-          </a:xfrm>
-          <a:prstGeom prst="rect">
-            <a:avLst/>
-          </a:prstGeom>
-          <a:noFill/>
-          <a:ln w="0">
-            <a:noFill/>
-          </a:ln>
-        </p:spPr>
-        <p:txBody>
-          <a:bodyPr lIns="0" rIns="0" tIns="0" bIns="0" anchor="t">
-            <a:normAutofit/>
-          </a:bodyPr>
-          <a:p>
-            <a:pPr marL="432000" indent="-324000">
-              <a:spcBef>
-                <a:spcPts val="1417"/>
-              </a:spcBef>
-              <a:buClr>
-                <a:srgbClr val="000000"/>
-              </a:buClr>
-              <a:buSzPct val="45000"/>
-              <a:buFont typeface="Wingdings" charset="2"/>
-              <a:buChar char=""/>
-            </a:pPr>
-            <a:r>
-              <a:rPr b="0" lang="en-US" sz="2200" spc="-1" strike="noStrike">
-                <a:latin typeface="Arial"/>
-              </a:rPr>
-              <a:t>Deep ranking (deep metric learning) models are vulnerable to </a:t>
-            </a:r>
-            <a:r>
-              <a:rPr b="0" lang="en-US" sz="2200" spc="-1" strike="noStrike">
-                <a:latin typeface="Arial"/>
-              </a:rPr>
-              <a:t>adversarial attacks (the ranking result can be dramatically changed).</a:t>
-            </a:r>
-            <a:endParaRPr b="0" lang="en-US" sz="2200" spc="-1" strike="noStrike">
-              <a:latin typeface="Arial"/>
-            </a:endParaRPr>
+        <p:spPr/>
+        <p:txBody>
+          <a:bodyPr/>
+          <a:lstStyle/>
+          <a:p>
+            <a:r>
+              <a:rPr lang="en-US" altLang="zh-CN" dirty="0"/>
+              <a:t>Black-Box Experiments</a:t>
+            </a:r>
+            <a:endParaRPr lang="zh-CN" altLang="en-US" dirty="0"/>
           </a:p>
         </p:txBody>
       </p:sp>
       <p:pic>
         <p:nvPicPr>
-          <p:cNvPr id="50" name="" descr=""/>
-          <p:cNvPicPr/>
+          <p:cNvPr id="4" name="图片 3">
+            <a:extLst>
+              <a:ext uri="{FF2B5EF4-FFF2-40B4-BE49-F238E27FC236}">
+                <a16:creationId xmlns:a16="http://schemas.microsoft.com/office/drawing/2014/main" id="{08197E09-C2AA-488A-A540-B22CF1AB20AC}"/>
+              </a:ext>
+            </a:extLst>
+          </p:cNvPr>
+          <p:cNvPicPr>
+            <a:picLocks noChangeAspect="1"/>
+          </p:cNvPicPr>
           <p:nvPr/>
         </p:nvPicPr>
         <p:blipFill>
-          <a:blip r:embed="rId1"/>
-          <a:stretch/>
+          <a:blip r:embed="rId2"/>
+          <a:stretch>
+            <a:fillRect/>
+          </a:stretch>
         </p:blipFill>
         <p:spPr>
           <a:xfrm>
-            <a:off x="2286000" y="2048760"/>
-            <a:ext cx="5257800" cy="2980440"/>
-          </a:xfrm>
-          <a:prstGeom prst="rect">
-            <a:avLst/>
-          </a:prstGeom>
-          <a:ln w="0">
-            <a:noFill/>
-          </a:ln>
+            <a:off x="1200942" y="1672570"/>
+            <a:ext cx="7678739" cy="3771900"/>
+          </a:xfrm>
+          <a:prstGeom prst="rect">
+            <a:avLst/>
+          </a:prstGeom>
         </p:spPr>
       </p:pic>
       <p:sp>
         <p:nvSpPr>
-          <p:cNvPr id="51" name=""/>
+          <p:cNvPr id="5" name="文本框 4">
+            <a:extLst>
+              <a:ext uri="{FF2B5EF4-FFF2-40B4-BE49-F238E27FC236}">
+                <a16:creationId xmlns:a16="http://schemas.microsoft.com/office/drawing/2014/main" id="{F940154D-2DCB-4DE2-8086-52FC959E56C0}"/>
+              </a:ext>
+            </a:extLst>
+          </p:cNvPr>
           <p:cNvSpPr txBox="1"/>
           <p:nvPr/>
         </p:nvSpPr>
         <p:spPr>
           <a:xfrm>
-            <a:off x="0" y="5257800"/>
-            <a:ext cx="7433280" cy="401400"/>
+            <a:off x="1870364" y="987854"/>
+            <a:ext cx="2655535" cy="369332"/>
           </a:xfrm>
           <a:prstGeom prst="rect">
             <a:avLst/>
           </a:prstGeom>
           <a:noFill/>
-          <a:ln w="0">
-            <a:noFill/>
-          </a:ln>
-        </p:spPr>
-        <p:txBody>
-          <a:bodyPr lIns="90000" rIns="90000" tIns="45000" bIns="45000" anchor="t">
-            <a:noAutofit/>
+        </p:spPr>
+        <p:txBody>
+          <a:bodyPr wrap="none" rtlCol="0">
+            <a:spAutoFit/>
           </a:bodyPr>
-          <a:p>
-            <a:r>
-              <a:rPr b="0" lang="en-US" sz="1800" spc="-1" strike="noStrike">
-                <a:solidFill>
-                  <a:srgbClr val="666666"/>
-                </a:solidFill>
-                <a:latin typeface="Noto Sans"/>
-              </a:rPr>
-              <a:t>[1] Zhou, et al., Adversarial Ranking Attack and Defense, ECCV 2020.</a:t>
-            </a:r>
-            <a:endParaRPr b="0" lang="en-US" sz="1800" spc="-1" strike="noStrike">
-              <a:solidFill>
-                <a:srgbClr val="666666"/>
-              </a:solidFill>
-              <a:latin typeface="Noto Sans"/>
-            </a:endParaRPr>
-          </a:p>
-        </p:txBody>
-      </p:sp>
-      <p:sp>
-        <p:nvSpPr>
-          <p:cNvPr id="52" name=""/>
-          <p:cNvSpPr txBox="1"/>
-          <p:nvPr/>
-        </p:nvSpPr>
-        <p:spPr>
-          <a:xfrm>
-            <a:off x="9372600" y="5242680"/>
-            <a:ext cx="685800" cy="427320"/>
-          </a:xfrm>
-          <a:prstGeom prst="rect">
-            <a:avLst/>
-          </a:prstGeom>
-          <a:noFill/>
-          <a:ln w="0">
-            <a:noFill/>
-          </a:ln>
-        </p:spPr>
-        <p:txBody>
-          <a:bodyPr lIns="90000" rIns="90000" tIns="45000" bIns="45000" anchor="t">
-            <a:noAutofit/>
-          </a:bodyPr>
-          <a:p>
-            <a:fld id="{2F975DF6-15D1-4227-8B35-CC57D9403C6E}" type="slidenum">
-              <a:rPr b="0" lang="en-US" sz="1600" spc="-1" strike="noStrike">
-                <a:latin typeface="Times New Roman"/>
-              </a:rPr>
-              <a:t>&lt;number&gt;</a:t>
-            </a:fld>
-            <a:endParaRPr b="0" lang="en-US" sz="1600" spc="-1" strike="noStrike">
-              <a:latin typeface="Times New Roman"/>
-            </a:endParaRPr>
+          <a:lstStyle/>
+          <a:p>
+            <a:r>
+              <a:rPr lang="en-US" altLang="zh-CN" dirty="0"/>
+              <a:t>Fashion-MNIST Dataset</a:t>
+            </a:r>
+            <a:endParaRPr lang="zh-CN" altLang="en-US" dirty="0"/>
           </a:p>
         </p:txBody>
       </p:sp>
     </p:spTree>
+    <p:extLst>
+      <p:ext uri="{BB962C8B-B14F-4D97-AF65-F5344CB8AC3E}">
+        <p14:creationId xmlns:p14="http://schemas.microsoft.com/office/powerpoint/2010/main" val="2091502858"/>
+      </p:ext>
+    </p:extLst>
   </p:cSld>
-  <mc:AlternateContent>
-    <mc:Choice Requires="p14">
-      <p:transition spd="slow" p14:dur="2000"/>
-    </mc:Choice>
-    <mc:Fallback>
-      <p:transition spd="slow"/>
-    </mc:Fallback>
-  </mc:AlternateContent>
+  <p:clrMapOvr>
+    <a:masterClrMapping/>
+  </p:clrMapOvr>
 </p:sld>
 </file>
 
-<file path=ppt/slides/slide3.xml><?xml version="1.0" encoding="utf-8"?>
-<p:sld xmlns:a="http://schemas.openxmlformats.org/drawingml/2006/main" xmlns:p="http://schemas.openxmlformats.org/presentationml/2006/main" xmlns:r="http://schemas.openxmlformats.org/officeDocument/2006/relationships" xmlns:p14="http://schemas.microsoft.com/office/powerpoint/2010/main" xmlns:p15="http://schemas.microsoft.com/office/powerpoint/2012/main" xmlns:mc="http://schemas.openxmlformats.org/markup-compatibility/2006">
+<file path=ppt/slides/slide11.xml><?xml version="1.0" encoding="utf-8"?>
+<p:sld xmlns:a="http://schemas.openxmlformats.org/drawingml/2006/main" xmlns:r="http://schemas.openxmlformats.org/officeDocument/2006/relationships" xmlns:p="http://schemas.openxmlformats.org/presentationml/2006/main">
   <p:cSld>
     <p:spTree>
       <p:nvGrpSpPr>
@@ -2438,7 +3109,701 @@
       </p:grpSpPr>
       <p:sp>
         <p:nvSpPr>
-          <p:cNvPr id="53" name="PlaceHolder 1"/>
+          <p:cNvPr id="2" name="标题 1">
+            <a:extLst>
+              <a:ext uri="{FF2B5EF4-FFF2-40B4-BE49-F238E27FC236}">
+                <a16:creationId xmlns:a16="http://schemas.microsoft.com/office/drawing/2014/main" id="{8767B9C6-207F-47BB-8683-364F871DF210}"/>
+              </a:ext>
+            </a:extLst>
+          </p:cNvPr>
+          <p:cNvSpPr>
+            <a:spLocks noGrp="1"/>
+          </p:cNvSpPr>
+          <p:nvPr>
+            <p:ph type="title"/>
+          </p:nvPr>
+        </p:nvSpPr>
+        <p:spPr/>
+        <p:txBody>
+          <a:bodyPr/>
+          <a:lstStyle/>
+          <a:p>
+            <a:r>
+              <a:rPr lang="en-US" altLang="zh-CN" dirty="0"/>
+              <a:t>Black-Box Experiments</a:t>
+            </a:r>
+            <a:endParaRPr lang="zh-CN" altLang="en-US" dirty="0"/>
+          </a:p>
+        </p:txBody>
+      </p:sp>
+      <p:sp>
+        <p:nvSpPr>
+          <p:cNvPr id="4" name="文本框 3">
+            <a:extLst>
+              <a:ext uri="{FF2B5EF4-FFF2-40B4-BE49-F238E27FC236}">
+                <a16:creationId xmlns:a16="http://schemas.microsoft.com/office/drawing/2014/main" id="{3885A042-8084-4AB6-B8D0-0F8FDF2EBB7D}"/>
+              </a:ext>
+            </a:extLst>
+          </p:cNvPr>
+          <p:cNvSpPr txBox="1"/>
+          <p:nvPr/>
+        </p:nvSpPr>
+        <p:spPr>
+          <a:xfrm>
+            <a:off x="1418316" y="987854"/>
+            <a:ext cx="3621504" cy="369332"/>
+          </a:xfrm>
+          <a:prstGeom prst="rect">
+            <a:avLst/>
+          </a:prstGeom>
+          <a:noFill/>
+        </p:spPr>
+        <p:txBody>
+          <a:bodyPr wrap="none" rtlCol="0">
+            <a:spAutoFit/>
+          </a:bodyPr>
+          <a:lstStyle/>
+          <a:p>
+            <a:r>
+              <a:rPr lang="en-US" altLang="zh-CN" dirty="0"/>
+              <a:t>Stanford Online Products Dataset</a:t>
+            </a:r>
+            <a:endParaRPr lang="zh-CN" altLang="en-US" dirty="0"/>
+          </a:p>
+        </p:txBody>
+      </p:sp>
+      <p:pic>
+        <p:nvPicPr>
+          <p:cNvPr id="5" name="图片 4">
+            <a:extLst>
+              <a:ext uri="{FF2B5EF4-FFF2-40B4-BE49-F238E27FC236}">
+                <a16:creationId xmlns:a16="http://schemas.microsoft.com/office/drawing/2014/main" id="{0BC38A2C-8E8D-4521-9A5D-2105109D0CDC}"/>
+              </a:ext>
+            </a:extLst>
+          </p:cNvPr>
+          <p:cNvPicPr>
+            <a:picLocks noChangeAspect="1"/>
+          </p:cNvPicPr>
+          <p:nvPr/>
+        </p:nvPicPr>
+        <p:blipFill>
+          <a:blip r:embed="rId2"/>
+          <a:stretch>
+            <a:fillRect/>
+          </a:stretch>
+        </p:blipFill>
+        <p:spPr>
+          <a:xfrm>
+            <a:off x="1083316" y="1701622"/>
+            <a:ext cx="7913007" cy="3593219"/>
+          </a:xfrm>
+          <a:prstGeom prst="rect">
+            <a:avLst/>
+          </a:prstGeom>
+        </p:spPr>
+      </p:pic>
+    </p:spTree>
+    <p:extLst>
+      <p:ext uri="{BB962C8B-B14F-4D97-AF65-F5344CB8AC3E}">
+        <p14:creationId xmlns:p14="http://schemas.microsoft.com/office/powerpoint/2010/main" val="2511065212"/>
+      </p:ext>
+    </p:extLst>
+  </p:cSld>
+  <p:clrMapOvr>
+    <a:masterClrMapping/>
+  </p:clrMapOvr>
+</p:sld>
+</file>
+
+<file path=ppt/slides/slide12.xml><?xml version="1.0" encoding="utf-8"?>
+<p:sld xmlns:a="http://schemas.openxmlformats.org/drawingml/2006/main" xmlns:r="http://schemas.openxmlformats.org/officeDocument/2006/relationships" xmlns:p="http://schemas.openxmlformats.org/presentationml/2006/main">
+  <p:cSld>
+    <p:spTree>
+      <p:nvGrpSpPr>
+        <p:cNvPr id="1" name=""/>
+        <p:cNvGrpSpPr/>
+        <p:nvPr/>
+      </p:nvGrpSpPr>
+      <p:grpSpPr>
+        <a:xfrm>
+          <a:off x="0" y="0"/>
+          <a:ext cx="0" cy="0"/>
+          <a:chOff x="0" y="0"/>
+          <a:chExt cx="0" cy="0"/>
+        </a:xfrm>
+      </p:grpSpPr>
+      <p:sp>
+        <p:nvSpPr>
+          <p:cNvPr id="2" name="标题 1">
+            <a:extLst>
+              <a:ext uri="{FF2B5EF4-FFF2-40B4-BE49-F238E27FC236}">
+                <a16:creationId xmlns:a16="http://schemas.microsoft.com/office/drawing/2014/main" id="{CA7C66B2-C587-490D-8B83-7851C9D2449E}"/>
+              </a:ext>
+            </a:extLst>
+          </p:cNvPr>
+          <p:cNvSpPr>
+            <a:spLocks noGrp="1"/>
+          </p:cNvSpPr>
+          <p:nvPr>
+            <p:ph type="title"/>
+          </p:nvPr>
+        </p:nvSpPr>
+        <p:spPr/>
+        <p:txBody>
+          <a:bodyPr/>
+          <a:lstStyle/>
+          <a:p>
+            <a:r>
+              <a:rPr lang="en-US" altLang="zh-CN" dirty="0"/>
+              <a:t>Practical OA Demo</a:t>
+            </a:r>
+            <a:endParaRPr lang="zh-CN" altLang="en-US" dirty="0"/>
+          </a:p>
+        </p:txBody>
+      </p:sp>
+      <p:sp>
+        <p:nvSpPr>
+          <p:cNvPr id="3" name="内容占位符 2">
+            <a:extLst>
+              <a:ext uri="{FF2B5EF4-FFF2-40B4-BE49-F238E27FC236}">
+                <a16:creationId xmlns:a16="http://schemas.microsoft.com/office/drawing/2014/main" id="{E1A7ECC6-9BFB-4B20-AFF0-A49F32A13445}"/>
+              </a:ext>
+            </a:extLst>
+          </p:cNvPr>
+          <p:cNvSpPr>
+            <a:spLocks noGrp="1"/>
+          </p:cNvSpPr>
+          <p:nvPr>
+            <p:ph/>
+          </p:nvPr>
+        </p:nvSpPr>
+        <p:spPr/>
+        <p:txBody>
+          <a:bodyPr/>
+          <a:lstStyle/>
+          <a:p>
+            <a:r>
+              <a:rPr lang="en-US" altLang="zh-CN" dirty="0"/>
+              <a:t>A major e-commerce platform: JD </a:t>
+            </a:r>
+            <a:r>
+              <a:rPr lang="en-US" altLang="zh-CN" dirty="0" err="1"/>
+              <a:t>Snapshop</a:t>
+            </a:r>
+            <a:endParaRPr lang="zh-CN" altLang="en-US" dirty="0"/>
+          </a:p>
+        </p:txBody>
+      </p:sp>
+      <p:pic>
+        <p:nvPicPr>
+          <p:cNvPr id="4" name="图片 3">
+            <a:extLst>
+              <a:ext uri="{FF2B5EF4-FFF2-40B4-BE49-F238E27FC236}">
+                <a16:creationId xmlns:a16="http://schemas.microsoft.com/office/drawing/2014/main" id="{2327A4B3-66F0-4347-89B7-56095FD3C51F}"/>
+              </a:ext>
+            </a:extLst>
+          </p:cNvPr>
+          <p:cNvPicPr>
+            <a:picLocks noChangeAspect="1"/>
+          </p:cNvPicPr>
+          <p:nvPr/>
+        </p:nvPicPr>
+        <p:blipFill>
+          <a:blip r:embed="rId2"/>
+          <a:stretch>
+            <a:fillRect/>
+          </a:stretch>
+        </p:blipFill>
+        <p:spPr>
+          <a:xfrm>
+            <a:off x="0" y="2053337"/>
+            <a:ext cx="10080625" cy="2627906"/>
+          </a:xfrm>
+          <a:prstGeom prst="rect">
+            <a:avLst/>
+          </a:prstGeom>
+        </p:spPr>
+      </p:pic>
+    </p:spTree>
+    <p:extLst>
+      <p:ext uri="{BB962C8B-B14F-4D97-AF65-F5344CB8AC3E}">
+        <p14:creationId xmlns:p14="http://schemas.microsoft.com/office/powerpoint/2010/main" val="2412694502"/>
+      </p:ext>
+    </p:extLst>
+  </p:cSld>
+  <p:clrMapOvr>
+    <a:masterClrMapping/>
+  </p:clrMapOvr>
+</p:sld>
+</file>
+
+<file path=ppt/slides/slide13.xml><?xml version="1.0" encoding="utf-8"?>
+<p:sld xmlns:a="http://schemas.openxmlformats.org/drawingml/2006/main" xmlns:r="http://schemas.openxmlformats.org/officeDocument/2006/relationships" xmlns:p="http://schemas.openxmlformats.org/presentationml/2006/main">
+  <p:cSld>
+    <p:spTree>
+      <p:nvGrpSpPr>
+        <p:cNvPr id="1" name=""/>
+        <p:cNvGrpSpPr/>
+        <p:nvPr/>
+      </p:nvGrpSpPr>
+      <p:grpSpPr>
+        <a:xfrm>
+          <a:off x="0" y="0"/>
+          <a:ext cx="0" cy="0"/>
+          <a:chOff x="0" y="0"/>
+          <a:chExt cx="0" cy="0"/>
+        </a:xfrm>
+      </p:grpSpPr>
+      <p:sp>
+        <p:nvSpPr>
+          <p:cNvPr id="2" name="标题 1">
+            <a:extLst>
+              <a:ext uri="{FF2B5EF4-FFF2-40B4-BE49-F238E27FC236}">
+                <a16:creationId xmlns:a16="http://schemas.microsoft.com/office/drawing/2014/main" id="{16F7B2E7-2FAD-4E7F-9DFB-E6B7F7166623}"/>
+              </a:ext>
+            </a:extLst>
+          </p:cNvPr>
+          <p:cNvSpPr>
+            <a:spLocks noGrp="1"/>
+          </p:cNvSpPr>
+          <p:nvPr>
+            <p:ph type="title"/>
+          </p:nvPr>
+        </p:nvSpPr>
+        <p:spPr/>
+        <p:txBody>
+          <a:bodyPr/>
+          <a:lstStyle/>
+          <a:p>
+            <a:r>
+              <a:rPr lang="en-US" altLang="zh-CN" dirty="0"/>
+              <a:t>Practical OA Demo</a:t>
+            </a:r>
+            <a:endParaRPr lang="zh-CN" altLang="en-US" dirty="0"/>
+          </a:p>
+        </p:txBody>
+      </p:sp>
+      <p:pic>
+        <p:nvPicPr>
+          <p:cNvPr id="4" name="图片 3">
+            <a:extLst>
+              <a:ext uri="{FF2B5EF4-FFF2-40B4-BE49-F238E27FC236}">
+                <a16:creationId xmlns:a16="http://schemas.microsoft.com/office/drawing/2014/main" id="{C5CCA2D7-4560-4E55-9C0E-C1DE3611EBA0}"/>
+              </a:ext>
+            </a:extLst>
+          </p:cNvPr>
+          <p:cNvPicPr>
+            <a:picLocks noChangeAspect="1"/>
+          </p:cNvPicPr>
+          <p:nvPr/>
+        </p:nvPicPr>
+        <p:blipFill>
+          <a:blip r:embed="rId2"/>
+          <a:stretch>
+            <a:fillRect/>
+          </a:stretch>
+        </p:blipFill>
+        <p:spPr>
+          <a:xfrm>
+            <a:off x="1062179" y="1172520"/>
+            <a:ext cx="7955281" cy="2024462"/>
+          </a:xfrm>
+          <a:prstGeom prst="rect">
+            <a:avLst/>
+          </a:prstGeom>
+        </p:spPr>
+      </p:pic>
+      <p:pic>
+        <p:nvPicPr>
+          <p:cNvPr id="5" name="图片 4">
+            <a:extLst>
+              <a:ext uri="{FF2B5EF4-FFF2-40B4-BE49-F238E27FC236}">
+                <a16:creationId xmlns:a16="http://schemas.microsoft.com/office/drawing/2014/main" id="{16CBC4AE-26F3-4F88-AFCC-8F93705DB758}"/>
+              </a:ext>
+            </a:extLst>
+          </p:cNvPr>
+          <p:cNvPicPr>
+            <a:picLocks noChangeAspect="1"/>
+          </p:cNvPicPr>
+          <p:nvPr/>
+        </p:nvPicPr>
+        <p:blipFill>
+          <a:blip r:embed="rId3"/>
+          <a:stretch>
+            <a:fillRect/>
+          </a:stretch>
+        </p:blipFill>
+        <p:spPr>
+          <a:xfrm>
+            <a:off x="1062179" y="2769727"/>
+            <a:ext cx="7955281" cy="2876835"/>
+          </a:xfrm>
+          <a:prstGeom prst="rect">
+            <a:avLst/>
+          </a:prstGeom>
+        </p:spPr>
+      </p:pic>
+    </p:spTree>
+    <p:extLst>
+      <p:ext uri="{BB962C8B-B14F-4D97-AF65-F5344CB8AC3E}">
+        <p14:creationId xmlns:p14="http://schemas.microsoft.com/office/powerpoint/2010/main" val="575537662"/>
+      </p:ext>
+    </p:extLst>
+  </p:cSld>
+  <p:clrMapOvr>
+    <a:masterClrMapping/>
+  </p:clrMapOvr>
+</p:sld>
+</file>
+
+<file path=ppt/slides/slide14.xml><?xml version="1.0" encoding="utf-8"?>
+<p:sld xmlns:a="http://schemas.openxmlformats.org/drawingml/2006/main" xmlns:r="http://schemas.openxmlformats.org/officeDocument/2006/relationships" xmlns:p="http://schemas.openxmlformats.org/presentationml/2006/main">
+  <p:cSld>
+    <p:spTree>
+      <p:nvGrpSpPr>
+        <p:cNvPr id="1" name=""/>
+        <p:cNvGrpSpPr/>
+        <p:nvPr/>
+      </p:nvGrpSpPr>
+      <p:grpSpPr>
+        <a:xfrm>
+          <a:off x="0" y="0"/>
+          <a:ext cx="0" cy="0"/>
+          <a:chOff x="0" y="0"/>
+          <a:chExt cx="0" cy="0"/>
+        </a:xfrm>
+      </p:grpSpPr>
+      <p:sp>
+        <p:nvSpPr>
+          <p:cNvPr id="2" name="标题 1">
+            <a:extLst>
+              <a:ext uri="{FF2B5EF4-FFF2-40B4-BE49-F238E27FC236}">
+                <a16:creationId xmlns:a16="http://schemas.microsoft.com/office/drawing/2014/main" id="{E04166F5-7B52-4316-9291-9031B83374A8}"/>
+              </a:ext>
+            </a:extLst>
+          </p:cNvPr>
+          <p:cNvSpPr>
+            <a:spLocks noGrp="1"/>
+          </p:cNvSpPr>
+          <p:nvPr>
+            <p:ph type="title"/>
+          </p:nvPr>
+        </p:nvSpPr>
+        <p:spPr/>
+        <p:txBody>
+          <a:bodyPr/>
+          <a:lstStyle/>
+          <a:p>
+            <a:r>
+              <a:rPr lang="en-US" altLang="zh-CN" dirty="0"/>
+              <a:t>Practical OA Demo</a:t>
+            </a:r>
+            <a:endParaRPr lang="zh-CN" altLang="en-US" dirty="0"/>
+          </a:p>
+        </p:txBody>
+      </p:sp>
+      <p:sp>
+        <p:nvSpPr>
+          <p:cNvPr id="3" name="内容占位符 2">
+            <a:extLst>
+              <a:ext uri="{FF2B5EF4-FFF2-40B4-BE49-F238E27FC236}">
+                <a16:creationId xmlns:a16="http://schemas.microsoft.com/office/drawing/2014/main" id="{C9F7C31C-A2DE-44CB-8972-26FE8147882E}"/>
+              </a:ext>
+            </a:extLst>
+          </p:cNvPr>
+          <p:cNvSpPr>
+            <a:spLocks noGrp="1"/>
+          </p:cNvSpPr>
+          <p:nvPr>
+            <p:ph/>
+          </p:nvPr>
+        </p:nvSpPr>
+        <p:spPr/>
+        <p:txBody>
+          <a:bodyPr/>
+          <a:lstStyle/>
+          <a:p>
+            <a:r>
+              <a:rPr lang="en-US" altLang="zh-CN" dirty="0"/>
+              <a:t>Quantitative Results on JD </a:t>
+            </a:r>
+            <a:r>
+              <a:rPr lang="en-US" altLang="zh-CN" dirty="0" err="1"/>
+              <a:t>Snapshop</a:t>
+            </a:r>
+            <a:endParaRPr lang="zh-CN" altLang="en-US" dirty="0"/>
+          </a:p>
+        </p:txBody>
+      </p:sp>
+      <p:pic>
+        <p:nvPicPr>
+          <p:cNvPr id="4" name="图片 3">
+            <a:extLst>
+              <a:ext uri="{FF2B5EF4-FFF2-40B4-BE49-F238E27FC236}">
+                <a16:creationId xmlns:a16="http://schemas.microsoft.com/office/drawing/2014/main" id="{5BF01771-B5A7-43BB-895F-07B0CBC6318A}"/>
+              </a:ext>
+            </a:extLst>
+          </p:cNvPr>
+          <p:cNvPicPr>
+            <a:picLocks noChangeAspect="1"/>
+          </p:cNvPicPr>
+          <p:nvPr/>
+        </p:nvPicPr>
+        <p:blipFill>
+          <a:blip r:embed="rId2"/>
+          <a:stretch>
+            <a:fillRect/>
+          </a:stretch>
+        </p:blipFill>
+        <p:spPr>
+          <a:xfrm>
+            <a:off x="629671" y="2125106"/>
+            <a:ext cx="8820297" cy="2218844"/>
+          </a:xfrm>
+          <a:prstGeom prst="rect">
+            <a:avLst/>
+          </a:prstGeom>
+        </p:spPr>
+      </p:pic>
+    </p:spTree>
+    <p:extLst>
+      <p:ext uri="{BB962C8B-B14F-4D97-AF65-F5344CB8AC3E}">
+        <p14:creationId xmlns:p14="http://schemas.microsoft.com/office/powerpoint/2010/main" val="3365205837"/>
+      </p:ext>
+    </p:extLst>
+  </p:cSld>
+  <p:clrMapOvr>
+    <a:masterClrMapping/>
+  </p:clrMapOvr>
+</p:sld>
+</file>
+
+<file path=ppt/slides/slide15.xml><?xml version="1.0" encoding="utf-8"?>
+<p:sld xmlns:a="http://schemas.openxmlformats.org/drawingml/2006/main" xmlns:r="http://schemas.openxmlformats.org/officeDocument/2006/relationships" xmlns:p="http://schemas.openxmlformats.org/presentationml/2006/main">
+  <p:cSld>
+    <p:spTree>
+      <p:nvGrpSpPr>
+        <p:cNvPr id="1" name=""/>
+        <p:cNvGrpSpPr/>
+        <p:nvPr/>
+      </p:nvGrpSpPr>
+      <p:grpSpPr>
+        <a:xfrm>
+          <a:off x="0" y="0"/>
+          <a:ext cx="0" cy="0"/>
+          <a:chOff x="0" y="0"/>
+          <a:chExt cx="0" cy="0"/>
+        </a:xfrm>
+      </p:grpSpPr>
+      <p:sp>
+        <p:nvSpPr>
+          <p:cNvPr id="2" name="标题 1">
+            <a:extLst>
+              <a:ext uri="{FF2B5EF4-FFF2-40B4-BE49-F238E27FC236}">
+                <a16:creationId xmlns:a16="http://schemas.microsoft.com/office/drawing/2014/main" id="{95066124-0EAE-4143-8EA0-5AF0C3CD861A}"/>
+              </a:ext>
+            </a:extLst>
+          </p:cNvPr>
+          <p:cNvSpPr>
+            <a:spLocks noGrp="1"/>
+          </p:cNvSpPr>
+          <p:nvPr>
+            <p:ph type="title"/>
+          </p:nvPr>
+        </p:nvSpPr>
+        <p:spPr/>
+        <p:txBody>
+          <a:bodyPr/>
+          <a:lstStyle/>
+          <a:p>
+            <a:r>
+              <a:rPr lang="en-US" altLang="zh-CN" dirty="0"/>
+              <a:t>Practical OA Demo</a:t>
+            </a:r>
+            <a:endParaRPr lang="zh-CN" altLang="en-US" dirty="0"/>
+          </a:p>
+        </p:txBody>
+      </p:sp>
+      <p:sp>
+        <p:nvSpPr>
+          <p:cNvPr id="3" name="内容占位符 2">
+            <a:extLst>
+              <a:ext uri="{FF2B5EF4-FFF2-40B4-BE49-F238E27FC236}">
+                <a16:creationId xmlns:a16="http://schemas.microsoft.com/office/drawing/2014/main" id="{4C11642F-C4C6-4279-B1A2-FD03CBAC9112}"/>
+              </a:ext>
+            </a:extLst>
+          </p:cNvPr>
+          <p:cNvSpPr>
+            <a:spLocks noGrp="1"/>
+          </p:cNvSpPr>
+          <p:nvPr>
+            <p:ph/>
+          </p:nvPr>
+        </p:nvSpPr>
+        <p:spPr/>
+        <p:txBody>
+          <a:bodyPr/>
+          <a:lstStyle/>
+          <a:p>
+            <a:r>
+              <a:rPr lang="en-US" altLang="zh-CN" dirty="0"/>
+              <a:t>Quantitative Results on Bing Visual Search API</a:t>
+            </a:r>
+            <a:endParaRPr lang="zh-CN" altLang="en-US" dirty="0"/>
+          </a:p>
+        </p:txBody>
+      </p:sp>
+      <p:pic>
+        <p:nvPicPr>
+          <p:cNvPr id="4" name="图片 3">
+            <a:extLst>
+              <a:ext uri="{FF2B5EF4-FFF2-40B4-BE49-F238E27FC236}">
+                <a16:creationId xmlns:a16="http://schemas.microsoft.com/office/drawing/2014/main" id="{D2BB5736-1D9C-45C2-A822-CBCCCE471BAF}"/>
+              </a:ext>
+            </a:extLst>
+          </p:cNvPr>
+          <p:cNvPicPr>
+            <a:picLocks noChangeAspect="1"/>
+          </p:cNvPicPr>
+          <p:nvPr/>
+        </p:nvPicPr>
+        <p:blipFill>
+          <a:blip r:embed="rId2"/>
+          <a:stretch>
+            <a:fillRect/>
+          </a:stretch>
+        </p:blipFill>
+        <p:spPr>
+          <a:xfrm>
+            <a:off x="741625" y="2178386"/>
+            <a:ext cx="8596390" cy="2133524"/>
+          </a:xfrm>
+          <a:prstGeom prst="rect">
+            <a:avLst/>
+          </a:prstGeom>
+        </p:spPr>
+      </p:pic>
+    </p:spTree>
+    <p:extLst>
+      <p:ext uri="{BB962C8B-B14F-4D97-AF65-F5344CB8AC3E}">
+        <p14:creationId xmlns:p14="http://schemas.microsoft.com/office/powerpoint/2010/main" val="3150838532"/>
+      </p:ext>
+    </p:extLst>
+  </p:cSld>
+  <p:clrMapOvr>
+    <a:masterClrMapping/>
+  </p:clrMapOvr>
+</p:sld>
+</file>
+
+<file path=ppt/slides/slide16.xml><?xml version="1.0" encoding="utf-8"?>
+<p:sld xmlns:a="http://schemas.openxmlformats.org/drawingml/2006/main" xmlns:r="http://schemas.openxmlformats.org/officeDocument/2006/relationships" xmlns:p="http://schemas.openxmlformats.org/presentationml/2006/main">
+  <p:cSld>
+    <p:spTree>
+      <p:nvGrpSpPr>
+        <p:cNvPr id="1" name=""/>
+        <p:cNvGrpSpPr/>
+        <p:nvPr/>
+      </p:nvGrpSpPr>
+      <p:grpSpPr>
+        <a:xfrm>
+          <a:off x="0" y="0"/>
+          <a:ext cx="0" cy="0"/>
+          <a:chOff x="0" y="0"/>
+          <a:chExt cx="0" cy="0"/>
+        </a:xfrm>
+      </p:grpSpPr>
+      <p:sp>
+        <p:nvSpPr>
+          <p:cNvPr id="3" name="内容占位符 2">
+            <a:extLst>
+              <a:ext uri="{FF2B5EF4-FFF2-40B4-BE49-F238E27FC236}">
+                <a16:creationId xmlns:a16="http://schemas.microsoft.com/office/drawing/2014/main" id="{C2DDACD2-4A4C-4D19-A19B-51348FD76440}"/>
+              </a:ext>
+            </a:extLst>
+          </p:cNvPr>
+          <p:cNvSpPr>
+            <a:spLocks noGrp="1"/>
+          </p:cNvSpPr>
+          <p:nvPr>
+            <p:ph/>
+          </p:nvPr>
+        </p:nvSpPr>
+        <p:spPr/>
+        <p:txBody>
+          <a:bodyPr/>
+          <a:lstStyle/>
+          <a:p>
+            <a:r>
+              <a:rPr lang="en-US" altLang="zh-CN" dirty="0"/>
+              <a:t>Thanks!</a:t>
+            </a:r>
+            <a:endParaRPr lang="zh-CN" altLang="en-US" dirty="0"/>
+          </a:p>
+        </p:txBody>
+      </p:sp>
+      <p:pic>
+        <p:nvPicPr>
+          <p:cNvPr id="4" name="图片 3">
+            <a:extLst>
+              <a:ext uri="{FF2B5EF4-FFF2-40B4-BE49-F238E27FC236}">
+                <a16:creationId xmlns:a16="http://schemas.microsoft.com/office/drawing/2014/main" id="{C5C50911-21ED-44FA-9D2D-AE8CDB146597}"/>
+              </a:ext>
+            </a:extLst>
+          </p:cNvPr>
+          <p:cNvPicPr/>
+          <p:nvPr/>
+        </p:nvPicPr>
+        <p:blipFill>
+          <a:blip r:embed="rId2"/>
+          <a:stretch/>
+        </p:blipFill>
+        <p:spPr>
+          <a:xfrm>
+            <a:off x="3004967" y="1794039"/>
+            <a:ext cx="4070689" cy="2082472"/>
+          </a:xfrm>
+          <a:prstGeom prst="rect">
+            <a:avLst/>
+          </a:prstGeom>
+          <a:ln w="0">
+            <a:noFill/>
+          </a:ln>
+        </p:spPr>
+      </p:pic>
+    </p:spTree>
+    <p:extLst>
+      <p:ext uri="{BB962C8B-B14F-4D97-AF65-F5344CB8AC3E}">
+        <p14:creationId xmlns:p14="http://schemas.microsoft.com/office/powerpoint/2010/main" val="3636832035"/>
+      </p:ext>
+    </p:extLst>
+  </p:cSld>
+  <p:clrMapOvr>
+    <a:masterClrMapping/>
+  </p:clrMapOvr>
+</p:sld>
+</file>
+
+<file path=ppt/slides/slide2.xml><?xml version="1.0" encoding="utf-8"?>
+<p:sld xmlns:a="http://schemas.openxmlformats.org/drawingml/2006/main" xmlns:r="http://schemas.openxmlformats.org/officeDocument/2006/relationships" xmlns:p="http://schemas.openxmlformats.org/presentationml/2006/main">
+  <p:cSld>
+    <p:spTree>
+      <p:nvGrpSpPr>
+        <p:cNvPr id="1" name=""/>
+        <p:cNvGrpSpPr/>
+        <p:nvPr/>
+      </p:nvGrpSpPr>
+      <p:grpSpPr>
+        <a:xfrm>
+          <a:off x="0" y="0"/>
+          <a:ext cx="0" cy="0"/>
+          <a:chOff x="0" y="0"/>
+          <a:chExt cx="0" cy="0"/>
+        </a:xfrm>
+      </p:grpSpPr>
+      <p:sp>
+        <p:nvSpPr>
+          <p:cNvPr id="48" name="PlaceHolder 1"/>
           <p:cNvSpPr>
             <a:spLocks noGrp="1"/>
           </p:cNvSpPr>
@@ -2460,20 +3825,23 @@
           </a:ln>
         </p:spPr>
         <p:txBody>
-          <a:bodyPr lIns="0" rIns="0" tIns="0" bIns="0" anchor="ctr">
+          <a:bodyPr lIns="0" tIns="0" rIns="0" bIns="0" anchor="ctr">
             <a:noAutofit/>
           </a:bodyPr>
-          <a:p>
-            <a:pPr algn="ctr"/>
-            <a:endParaRPr b="0" lang="en-US" sz="4400" spc="-1" strike="noStrike">
-              <a:latin typeface="Noto Sans"/>
-            </a:endParaRPr>
-          </a:p>
-        </p:txBody>
-      </p:sp>
-      <p:sp>
-        <p:nvSpPr>
-          <p:cNvPr id="54" name="PlaceHolder 2"/>
+          <a:lstStyle/>
+          <a:p>
+            <a:r>
+              <a:rPr lang="en-US" sz="4400" b="0" strike="noStrike" spc="-1" dirty="0">
+                <a:latin typeface="Noto Sans"/>
+              </a:rPr>
+              <a:t>Background</a:t>
+            </a:r>
+          </a:p>
+        </p:txBody>
+      </p:sp>
+      <p:sp>
+        <p:nvSpPr>
+          <p:cNvPr id="49" name="PlaceHolder 2"/>
           <p:cNvSpPr>
             <a:spLocks noGrp="1"/>
           </p:cNvSpPr>
@@ -2495,26 +3863,1282 @@
           </a:ln>
         </p:spPr>
         <p:txBody>
-          <a:bodyPr lIns="0" rIns="0" tIns="0" bIns="0" anchor="t">
+          <a:bodyPr lIns="0" tIns="0" rIns="0" bIns="0" anchor="t">
             <a:normAutofit/>
           </a:bodyPr>
-          <a:p>
-            <a:endParaRPr b="0" lang="en-US" sz="3200" spc="-1" strike="noStrike">
+          <a:lstStyle/>
+          <a:p>
+            <a:pPr marL="432000" indent="-324000">
+              <a:spcBef>
+                <a:spcPts val="1417"/>
+              </a:spcBef>
+              <a:buClr>
+                <a:srgbClr val="000000"/>
+              </a:buClr>
+              <a:buSzPct val="45000"/>
+              <a:buFont typeface="Wingdings" charset="2"/>
+              <a:buChar char=""/>
+            </a:pPr>
+            <a:r>
+              <a:rPr lang="en-US" sz="2200" b="0" strike="noStrike" spc="-1" dirty="0">
+                <a:latin typeface="Noto Sans"/>
+              </a:rPr>
+              <a:t>Deep ranking (deep metric learning) models are vulnerable to adversarial attacks (the ranking result can be dramatically changed).</a:t>
+            </a:r>
+          </a:p>
+        </p:txBody>
+      </p:sp>
+      <p:pic>
+        <p:nvPicPr>
+          <p:cNvPr id="50" name="图片 49"/>
+          <p:cNvPicPr/>
+          <p:nvPr/>
+        </p:nvPicPr>
+        <p:blipFill>
+          <a:blip r:embed="rId2"/>
+          <a:stretch/>
+        </p:blipFill>
+        <p:spPr>
+          <a:xfrm>
+            <a:off x="2410920" y="2105910"/>
+            <a:ext cx="5257800" cy="2980440"/>
+          </a:xfrm>
+          <a:prstGeom prst="rect">
+            <a:avLst/>
+          </a:prstGeom>
+          <a:ln w="0">
+            <a:noFill/>
+          </a:ln>
+        </p:spPr>
+      </p:pic>
+      <p:sp>
+        <p:nvSpPr>
+          <p:cNvPr id="51" name="文本框 50"/>
+          <p:cNvSpPr txBox="1"/>
+          <p:nvPr/>
+        </p:nvSpPr>
+        <p:spPr>
+          <a:xfrm>
+            <a:off x="0" y="5257800"/>
+            <a:ext cx="7433280" cy="401400"/>
+          </a:xfrm>
+          <a:prstGeom prst="rect">
+            <a:avLst/>
+          </a:prstGeom>
+          <a:noFill/>
+          <a:ln w="0">
+            <a:noFill/>
+          </a:ln>
+        </p:spPr>
+        <p:txBody>
+          <a:bodyPr lIns="90000" tIns="45000" rIns="90000" bIns="45000" anchor="t">
+            <a:noAutofit/>
+          </a:bodyPr>
+          <a:lstStyle/>
+          <a:p>
+            <a:r>
+              <a:rPr lang="en-US" sz="1800" b="0" strike="noStrike" spc="-1" dirty="0">
+                <a:solidFill>
+                  <a:srgbClr val="666666"/>
+                </a:solidFill>
+                <a:latin typeface="Noto Sans"/>
+              </a:rPr>
+              <a:t>* Zhou, et al., Adversarial Ranking Attack and Defense, ECCV 2020.</a:t>
+            </a:r>
+          </a:p>
+        </p:txBody>
+      </p:sp>
+    </p:spTree>
+  </p:cSld>
+  <p:clrMapOvr>
+    <a:masterClrMapping/>
+  </p:clrMapOvr>
+</p:sld>
+</file>
+
+<file path=ppt/slides/slide3.xml><?xml version="1.0" encoding="utf-8"?>
+<p:sld xmlns:a="http://schemas.openxmlformats.org/drawingml/2006/main" xmlns:r="http://schemas.openxmlformats.org/officeDocument/2006/relationships" xmlns:p="http://schemas.openxmlformats.org/presentationml/2006/main">
+  <p:cSld>
+    <p:spTree>
+      <p:nvGrpSpPr>
+        <p:cNvPr id="1" name=""/>
+        <p:cNvGrpSpPr/>
+        <p:nvPr/>
+      </p:nvGrpSpPr>
+      <p:grpSpPr>
+        <a:xfrm>
+          <a:off x="0" y="0"/>
+          <a:ext cx="0" cy="0"/>
+          <a:chOff x="0" y="0"/>
+          <a:chExt cx="0" cy="0"/>
+        </a:xfrm>
+      </p:grpSpPr>
+      <p:sp>
+        <p:nvSpPr>
+          <p:cNvPr id="53" name="PlaceHolder 1"/>
+          <p:cNvSpPr>
+            <a:spLocks noGrp="1"/>
+          </p:cNvSpPr>
+          <p:nvPr>
+            <p:ph type="title"/>
+          </p:nvPr>
+        </p:nvSpPr>
+        <p:spPr>
+          <a:xfrm>
+            <a:off x="504000" y="226080"/>
+            <a:ext cx="9071640" cy="946440"/>
+          </a:xfrm>
+          <a:prstGeom prst="rect">
+            <a:avLst/>
+          </a:prstGeom>
+          <a:noFill/>
+          <a:ln w="0">
+            <a:noFill/>
+          </a:ln>
+        </p:spPr>
+        <p:txBody>
+          <a:bodyPr lIns="0" tIns="0" rIns="0" bIns="0" anchor="ctr">
+            <a:noAutofit/>
+          </a:bodyPr>
+          <a:lstStyle/>
+          <a:p>
+            <a:r>
+              <a:rPr lang="en-US" sz="4400" b="0" strike="noStrike" spc="-1" dirty="0">
+                <a:latin typeface="Noto Sans"/>
+              </a:rPr>
+              <a:t>Insight</a:t>
+            </a:r>
+          </a:p>
+        </p:txBody>
+      </p:sp>
+      <p:sp>
+        <p:nvSpPr>
+          <p:cNvPr id="54" name="PlaceHolder 2"/>
+          <p:cNvSpPr>
+            <a:spLocks noGrp="1"/>
+          </p:cNvSpPr>
+          <p:nvPr>
+            <p:ph/>
+          </p:nvPr>
+        </p:nvSpPr>
+        <p:spPr>
+          <a:xfrm>
+            <a:off x="504000" y="1326600"/>
+            <a:ext cx="9071640" cy="3288240"/>
+          </a:xfrm>
+          <a:prstGeom prst="rect">
+            <a:avLst/>
+          </a:prstGeom>
+          <a:noFill/>
+          <a:ln w="0">
+            <a:noFill/>
+          </a:ln>
+        </p:spPr>
+        <p:txBody>
+          <a:bodyPr lIns="0" tIns="0" rIns="0" bIns="0" anchor="t">
+            <a:normAutofit/>
+          </a:bodyPr>
+          <a:lstStyle/>
+          <a:p>
+            <a:pPr marL="457200" indent="-457200">
+              <a:buFont typeface="Arial" panose="020B0604020202020204" pitchFamily="34" charset="0"/>
+              <a:buChar char="•"/>
+            </a:pPr>
+            <a:r>
+              <a:rPr lang="en-US" sz="3200" b="0" strike="noStrike" spc="-1" dirty="0">
+                <a:latin typeface="Arial"/>
+              </a:rPr>
+              <a:t>Previous attacks focus on </a:t>
+            </a:r>
+            <a:r>
+              <a:rPr lang="en-US" sz="3200" b="0" u="sng" strike="noStrike" spc="-1" dirty="0">
+                <a:latin typeface="Arial"/>
+              </a:rPr>
+              <a:t>absolute rank</a:t>
+            </a:r>
+          </a:p>
+          <a:p>
+            <a:pPr marL="457200" indent="-457200">
+              <a:buFont typeface="Arial" panose="020B0604020202020204" pitchFamily="34" charset="0"/>
+              <a:buChar char="•"/>
+            </a:pPr>
+            <a:r>
+              <a:rPr lang="en-US" sz="3200" spc="-1" dirty="0">
+                <a:latin typeface="Arial"/>
+              </a:rPr>
+              <a:t>Attack on </a:t>
+            </a:r>
+            <a:r>
+              <a:rPr lang="en-US" sz="3200" u="sng" spc="-1" dirty="0">
+                <a:latin typeface="Arial"/>
+              </a:rPr>
+              <a:t>relative order </a:t>
+            </a:r>
+            <a:r>
+              <a:rPr lang="en-US" sz="3200" spc="-1" dirty="0">
+                <a:latin typeface="Arial"/>
+              </a:rPr>
+              <a:t>remains under-explored</a:t>
+            </a:r>
+            <a:endParaRPr lang="en-US" sz="3200" b="0" strike="noStrike" spc="-1" dirty="0">
               <a:latin typeface="Arial"/>
             </a:endParaRPr>
           </a:p>
         </p:txBody>
       </p:sp>
+      <p:pic>
+        <p:nvPicPr>
+          <p:cNvPr id="2" name="图片 1">
+            <a:extLst>
+              <a:ext uri="{FF2B5EF4-FFF2-40B4-BE49-F238E27FC236}">
+                <a16:creationId xmlns:a16="http://schemas.microsoft.com/office/drawing/2014/main" id="{705CA2F3-A1CD-4A0F-94F0-AC5328E68AFD}"/>
+              </a:ext>
+            </a:extLst>
+          </p:cNvPr>
+          <p:cNvPicPr>
+            <a:picLocks noChangeAspect="1"/>
+          </p:cNvPicPr>
+          <p:nvPr/>
+        </p:nvPicPr>
+        <p:blipFill>
+          <a:blip r:embed="rId2"/>
+          <a:stretch>
+            <a:fillRect/>
+          </a:stretch>
+        </p:blipFill>
+        <p:spPr>
+          <a:xfrm>
+            <a:off x="1587007" y="2351670"/>
+            <a:ext cx="6905626" cy="1836602"/>
+          </a:xfrm>
+          <a:prstGeom prst="rect">
+            <a:avLst/>
+          </a:prstGeom>
+        </p:spPr>
+      </p:pic>
+      <p:sp>
+        <p:nvSpPr>
+          <p:cNvPr id="3" name="文本框 2">
+            <a:extLst>
+              <a:ext uri="{FF2B5EF4-FFF2-40B4-BE49-F238E27FC236}">
+                <a16:creationId xmlns:a16="http://schemas.microsoft.com/office/drawing/2014/main" id="{16FCF518-EAB9-4206-B921-C0B741822700}"/>
+              </a:ext>
+            </a:extLst>
+          </p:cNvPr>
+          <p:cNvSpPr txBox="1"/>
+          <p:nvPr/>
+        </p:nvSpPr>
+        <p:spPr>
+          <a:xfrm>
+            <a:off x="745721" y="4445754"/>
+            <a:ext cx="6724918" cy="646331"/>
+          </a:xfrm>
+          <a:prstGeom prst="rect">
+            <a:avLst/>
+          </a:prstGeom>
+          <a:noFill/>
+        </p:spPr>
+        <p:txBody>
+          <a:bodyPr wrap="none" rtlCol="0">
+            <a:spAutoFit/>
+          </a:bodyPr>
+          <a:lstStyle/>
+          <a:p>
+            <a:r>
+              <a:rPr lang="en-US" altLang="zh-CN" u="sng" dirty="0">
+                <a:solidFill>
+                  <a:schemeClr val="bg1">
+                    <a:lumMod val="50000"/>
+                  </a:schemeClr>
+                </a:solidFill>
+              </a:rPr>
+              <a:t>Absolute rank</a:t>
+            </a:r>
+            <a:r>
+              <a:rPr lang="en-US" altLang="zh-CN" dirty="0">
+                <a:solidFill>
+                  <a:schemeClr val="bg1">
+                    <a:lumMod val="50000"/>
+                  </a:schemeClr>
+                </a:solidFill>
+              </a:rPr>
+              <a:t>: the absolute positions of selected candidates</a:t>
+            </a:r>
+          </a:p>
+          <a:p>
+            <a:r>
+              <a:rPr lang="en-US" altLang="zh-CN" u="sng" dirty="0">
+                <a:solidFill>
+                  <a:schemeClr val="bg1">
+                    <a:lumMod val="50000"/>
+                  </a:schemeClr>
+                </a:solidFill>
+              </a:rPr>
+              <a:t>Relative order</a:t>
+            </a:r>
+            <a:r>
+              <a:rPr lang="en-US" altLang="zh-CN" dirty="0">
+                <a:solidFill>
+                  <a:schemeClr val="bg1">
+                    <a:lumMod val="50000"/>
+                  </a:schemeClr>
+                </a:solidFill>
+              </a:rPr>
+              <a:t>: the relative positions among selected candidates</a:t>
+            </a:r>
+            <a:endParaRPr lang="zh-CN" altLang="en-US" dirty="0">
+              <a:solidFill>
+                <a:schemeClr val="bg1">
+                  <a:lumMod val="50000"/>
+                </a:schemeClr>
+              </a:solidFill>
+            </a:endParaRPr>
+          </a:p>
+        </p:txBody>
+      </p:sp>
     </p:spTree>
   </p:cSld>
-  <mc:AlternateContent>
-    <mc:Choice Requires="p14">
-      <p:transition spd="slow" p14:dur="2000"/>
-    </mc:Choice>
-    <mc:Fallback>
-      <p:transition spd="slow"/>
-    </mc:Fallback>
-  </mc:AlternateContent>
+  <p:clrMapOvr>
+    <a:masterClrMapping/>
+  </p:clrMapOvr>
+</p:sld>
+</file>
+
+<file path=ppt/slides/slide4.xml><?xml version="1.0" encoding="utf-8"?>
+<p:sld xmlns:a="http://schemas.openxmlformats.org/drawingml/2006/main" xmlns:r="http://schemas.openxmlformats.org/officeDocument/2006/relationships" xmlns:p="http://schemas.openxmlformats.org/presentationml/2006/main">
+  <p:cSld>
+    <p:spTree>
+      <p:nvGrpSpPr>
+        <p:cNvPr id="1" name=""/>
+        <p:cNvGrpSpPr/>
+        <p:nvPr/>
+      </p:nvGrpSpPr>
+      <p:grpSpPr>
+        <a:xfrm>
+          <a:off x="0" y="0"/>
+          <a:ext cx="0" cy="0"/>
+          <a:chOff x="0" y="0"/>
+          <a:chExt cx="0" cy="0"/>
+        </a:xfrm>
+      </p:grpSpPr>
+      <p:sp>
+        <p:nvSpPr>
+          <p:cNvPr id="2" name="标题 1">
+            <a:extLst>
+              <a:ext uri="{FF2B5EF4-FFF2-40B4-BE49-F238E27FC236}">
+                <a16:creationId xmlns:a16="http://schemas.microsoft.com/office/drawing/2014/main" id="{DA1F48EE-F0D0-4CF5-BF80-0240B559839E}"/>
+              </a:ext>
+            </a:extLst>
+          </p:cNvPr>
+          <p:cNvSpPr>
+            <a:spLocks noGrp="1"/>
+          </p:cNvSpPr>
+          <p:nvPr>
+            <p:ph type="title"/>
+          </p:nvPr>
+        </p:nvSpPr>
+        <p:spPr/>
+        <p:txBody>
+          <a:bodyPr/>
+          <a:lstStyle/>
+          <a:p>
+            <a:r>
+              <a:rPr lang="en-US" altLang="zh-CN" dirty="0"/>
+              <a:t>Contributions</a:t>
+            </a:r>
+            <a:endParaRPr lang="zh-CN" altLang="en-US" dirty="0"/>
+          </a:p>
+        </p:txBody>
+      </p:sp>
+      <p:sp>
+        <p:nvSpPr>
+          <p:cNvPr id="3" name="内容占位符 2">
+            <a:extLst>
+              <a:ext uri="{FF2B5EF4-FFF2-40B4-BE49-F238E27FC236}">
+                <a16:creationId xmlns:a16="http://schemas.microsoft.com/office/drawing/2014/main" id="{74FD6852-9073-4F4C-9358-EF610BD2D078}"/>
+              </a:ext>
+            </a:extLst>
+          </p:cNvPr>
+          <p:cNvSpPr>
+            <a:spLocks noGrp="1"/>
+          </p:cNvSpPr>
+          <p:nvPr>
+            <p:ph/>
+          </p:nvPr>
+        </p:nvSpPr>
+        <p:spPr/>
+        <p:txBody>
+          <a:bodyPr>
+            <a:normAutofit fontScale="92500"/>
+          </a:bodyPr>
+          <a:lstStyle/>
+          <a:p>
+            <a:r>
+              <a:rPr lang="en-US" altLang="zh-CN" b="1" dirty="0"/>
+              <a:t>Order Attack (OA), </a:t>
+            </a:r>
+            <a:r>
+              <a:rPr lang="en-US" altLang="zh-CN" dirty="0"/>
+              <a:t>which alters the </a:t>
+            </a:r>
+            <a:r>
+              <a:rPr lang="en-US" altLang="zh-CN" u="sng" dirty="0"/>
+              <a:t>relative order</a:t>
+            </a:r>
+            <a:r>
+              <a:rPr lang="en-US" altLang="zh-CN" dirty="0"/>
+              <a:t> among selected candidates through adversarial attack.</a:t>
+            </a:r>
+          </a:p>
+          <a:p>
+            <a:r>
+              <a:rPr lang="en-US" altLang="zh-CN" u="sng" dirty="0"/>
+              <a:t>White-Box OA</a:t>
+            </a:r>
+            <a:r>
+              <a:rPr lang="en-US" altLang="zh-CN" dirty="0"/>
+              <a:t>: a triplet-style implementation</a:t>
+            </a:r>
+          </a:p>
+          <a:p>
+            <a:r>
+              <a:rPr lang="en-US" altLang="zh-CN" u="sng" dirty="0"/>
+              <a:t>Black-Box OA</a:t>
+            </a:r>
+            <a:r>
+              <a:rPr lang="en-US" altLang="zh-CN" dirty="0"/>
+              <a:t>: a Short-range Ranking Correlation (SRC) metric as a surrogate objective approximating the triplet-style formulation.</a:t>
+            </a:r>
+          </a:p>
+          <a:p>
+            <a:r>
+              <a:rPr lang="en-US" altLang="zh-CN" u="sng" dirty="0"/>
+              <a:t>Real-world attack demo:</a:t>
+            </a:r>
+            <a:r>
+              <a:rPr lang="en-US" altLang="zh-CN" dirty="0"/>
+              <a:t> including a major online retailing e-commerce platform and a major search-by-image platform.</a:t>
+            </a:r>
+            <a:endParaRPr lang="zh-CN" altLang="en-US" dirty="0"/>
+          </a:p>
+        </p:txBody>
+      </p:sp>
+    </p:spTree>
+    <p:extLst>
+      <p:ext uri="{BB962C8B-B14F-4D97-AF65-F5344CB8AC3E}">
+        <p14:creationId xmlns:p14="http://schemas.microsoft.com/office/powerpoint/2010/main" val="1714466223"/>
+      </p:ext>
+    </p:extLst>
+  </p:cSld>
+  <p:clrMapOvr>
+    <a:masterClrMapping/>
+  </p:clrMapOvr>
+</p:sld>
+</file>
+
+<file path=ppt/slides/slide5.xml><?xml version="1.0" encoding="utf-8"?>
+<p:sld xmlns:a="http://schemas.openxmlformats.org/drawingml/2006/main" xmlns:r="http://schemas.openxmlformats.org/officeDocument/2006/relationships" xmlns:p="http://schemas.openxmlformats.org/presentationml/2006/main">
+  <p:cSld>
+    <p:spTree>
+      <p:nvGrpSpPr>
+        <p:cNvPr id="1" name=""/>
+        <p:cNvGrpSpPr/>
+        <p:nvPr/>
+      </p:nvGrpSpPr>
+      <p:grpSpPr>
+        <a:xfrm>
+          <a:off x="0" y="0"/>
+          <a:ext cx="0" cy="0"/>
+          <a:chOff x="0" y="0"/>
+          <a:chExt cx="0" cy="0"/>
+        </a:xfrm>
+      </p:grpSpPr>
+      <p:sp>
+        <p:nvSpPr>
+          <p:cNvPr id="2" name="标题 1">
+            <a:extLst>
+              <a:ext uri="{FF2B5EF4-FFF2-40B4-BE49-F238E27FC236}">
+                <a16:creationId xmlns:a16="http://schemas.microsoft.com/office/drawing/2014/main" id="{F6950ED2-85D3-42AC-ACA6-E5C804531410}"/>
+              </a:ext>
+            </a:extLst>
+          </p:cNvPr>
+          <p:cNvSpPr>
+            <a:spLocks noGrp="1"/>
+          </p:cNvSpPr>
+          <p:nvPr>
+            <p:ph type="title"/>
+          </p:nvPr>
+        </p:nvSpPr>
+        <p:spPr/>
+        <p:txBody>
+          <a:bodyPr/>
+          <a:lstStyle/>
+          <a:p>
+            <a:r>
+              <a:rPr lang="en-US" altLang="zh-CN" dirty="0"/>
+              <a:t>Order Attack (OA)</a:t>
+            </a:r>
+            <a:endParaRPr lang="zh-CN" altLang="en-US" dirty="0"/>
+          </a:p>
+        </p:txBody>
+      </p:sp>
+      <p:pic>
+        <p:nvPicPr>
+          <p:cNvPr id="5" name="图片 4">
+            <a:extLst>
+              <a:ext uri="{FF2B5EF4-FFF2-40B4-BE49-F238E27FC236}">
+                <a16:creationId xmlns:a16="http://schemas.microsoft.com/office/drawing/2014/main" id="{874E8629-3A42-41E1-A2AB-E1C986664A69}"/>
+              </a:ext>
+            </a:extLst>
+          </p:cNvPr>
+          <p:cNvPicPr>
+            <a:picLocks noChangeAspect="1"/>
+          </p:cNvPicPr>
+          <p:nvPr/>
+        </p:nvPicPr>
+        <p:blipFill>
+          <a:blip r:embed="rId2"/>
+          <a:stretch>
+            <a:fillRect/>
+          </a:stretch>
+        </p:blipFill>
+        <p:spPr>
+          <a:xfrm>
+            <a:off x="-493" y="1172520"/>
+            <a:ext cx="10080625" cy="3803726"/>
+          </a:xfrm>
+          <a:prstGeom prst="rect">
+            <a:avLst/>
+          </a:prstGeom>
+        </p:spPr>
+      </p:pic>
+    </p:spTree>
+    <p:extLst>
+      <p:ext uri="{BB962C8B-B14F-4D97-AF65-F5344CB8AC3E}">
+        <p14:creationId xmlns:p14="http://schemas.microsoft.com/office/powerpoint/2010/main" val="993280728"/>
+      </p:ext>
+    </p:extLst>
+  </p:cSld>
+  <p:clrMapOvr>
+    <a:masterClrMapping/>
+  </p:clrMapOvr>
+</p:sld>
+</file>
+
+<file path=ppt/slides/slide6.xml><?xml version="1.0" encoding="utf-8"?>
+<p:sld xmlns:a="http://schemas.openxmlformats.org/drawingml/2006/main" xmlns:r="http://schemas.openxmlformats.org/officeDocument/2006/relationships" xmlns:p="http://schemas.openxmlformats.org/presentationml/2006/main">
+  <p:cSld>
+    <p:spTree>
+      <p:nvGrpSpPr>
+        <p:cNvPr id="1" name=""/>
+        <p:cNvGrpSpPr/>
+        <p:nvPr/>
+      </p:nvGrpSpPr>
+      <p:grpSpPr>
+        <a:xfrm>
+          <a:off x="0" y="0"/>
+          <a:ext cx="0" cy="0"/>
+          <a:chOff x="0" y="0"/>
+          <a:chExt cx="0" cy="0"/>
+        </a:xfrm>
+      </p:grpSpPr>
+      <p:sp>
+        <p:nvSpPr>
+          <p:cNvPr id="2" name="标题 1">
+            <a:extLst>
+              <a:ext uri="{FF2B5EF4-FFF2-40B4-BE49-F238E27FC236}">
+                <a16:creationId xmlns:a16="http://schemas.microsoft.com/office/drawing/2014/main" id="{54837101-0036-4E60-93BA-3B62F9E159C4}"/>
+              </a:ext>
+            </a:extLst>
+          </p:cNvPr>
+          <p:cNvSpPr>
+            <a:spLocks noGrp="1"/>
+          </p:cNvSpPr>
+          <p:nvPr>
+            <p:ph type="title"/>
+          </p:nvPr>
+        </p:nvSpPr>
+        <p:spPr/>
+        <p:txBody>
+          <a:bodyPr/>
+          <a:lstStyle/>
+          <a:p>
+            <a:r>
+              <a:rPr lang="en-US" altLang="zh-CN" dirty="0"/>
+              <a:t>White-Box OA</a:t>
+            </a:r>
+            <a:endParaRPr lang="zh-CN" altLang="en-US" dirty="0"/>
+          </a:p>
+        </p:txBody>
+      </p:sp>
+      <p:pic>
+        <p:nvPicPr>
+          <p:cNvPr id="4" name="图片 3">
+            <a:extLst>
+              <a:ext uri="{FF2B5EF4-FFF2-40B4-BE49-F238E27FC236}">
+                <a16:creationId xmlns:a16="http://schemas.microsoft.com/office/drawing/2014/main" id="{51A2303A-3C3D-4FBE-A93A-CFD40E5038BE}"/>
+              </a:ext>
+            </a:extLst>
+          </p:cNvPr>
+          <p:cNvPicPr>
+            <a:picLocks noChangeAspect="1"/>
+          </p:cNvPicPr>
+          <p:nvPr/>
+        </p:nvPicPr>
+        <p:blipFill>
+          <a:blip r:embed="rId2"/>
+          <a:stretch>
+            <a:fillRect/>
+          </a:stretch>
+        </p:blipFill>
+        <p:spPr>
+          <a:xfrm>
+            <a:off x="0" y="2193774"/>
+            <a:ext cx="10080625" cy="1761299"/>
+          </a:xfrm>
+          <a:prstGeom prst="rect">
+            <a:avLst/>
+          </a:prstGeom>
+        </p:spPr>
+      </p:pic>
+      <p:sp>
+        <p:nvSpPr>
+          <p:cNvPr id="5" name="文本框 4">
+            <a:extLst>
+              <a:ext uri="{FF2B5EF4-FFF2-40B4-BE49-F238E27FC236}">
+                <a16:creationId xmlns:a16="http://schemas.microsoft.com/office/drawing/2014/main" id="{0340103E-723B-4629-818E-AAFC13083180}"/>
+              </a:ext>
+            </a:extLst>
+          </p:cNvPr>
+          <p:cNvSpPr txBox="1"/>
+          <p:nvPr/>
+        </p:nvSpPr>
+        <p:spPr>
+          <a:xfrm>
+            <a:off x="1138843" y="898317"/>
+            <a:ext cx="2085827" cy="523220"/>
+          </a:xfrm>
+          <a:prstGeom prst="rect">
+            <a:avLst/>
+          </a:prstGeom>
+          <a:noFill/>
+        </p:spPr>
+        <p:txBody>
+          <a:bodyPr wrap="none" rtlCol="0">
+            <a:spAutoFit/>
+          </a:bodyPr>
+          <a:lstStyle/>
+          <a:p>
+            <a:r>
+              <a:rPr lang="en-US" altLang="zh-CN" sz="2800" dirty="0"/>
+              <a:t>Formulation</a:t>
+            </a:r>
+            <a:endParaRPr lang="zh-CN" altLang="en-US" sz="2800" dirty="0"/>
+          </a:p>
+        </p:txBody>
+      </p:sp>
+    </p:spTree>
+    <p:extLst>
+      <p:ext uri="{BB962C8B-B14F-4D97-AF65-F5344CB8AC3E}">
+        <p14:creationId xmlns:p14="http://schemas.microsoft.com/office/powerpoint/2010/main" val="1884644479"/>
+      </p:ext>
+    </p:extLst>
+  </p:cSld>
+  <p:clrMapOvr>
+    <a:masterClrMapping/>
+  </p:clrMapOvr>
+</p:sld>
+</file>
+
+<file path=ppt/slides/slide7.xml><?xml version="1.0" encoding="utf-8"?>
+<p:sld xmlns:a="http://schemas.openxmlformats.org/drawingml/2006/main" xmlns:r="http://schemas.openxmlformats.org/officeDocument/2006/relationships" xmlns:p="http://schemas.openxmlformats.org/presentationml/2006/main">
+  <p:cSld>
+    <p:spTree>
+      <p:nvGrpSpPr>
+        <p:cNvPr id="1" name=""/>
+        <p:cNvGrpSpPr/>
+        <p:nvPr/>
+      </p:nvGrpSpPr>
+      <p:grpSpPr>
+        <a:xfrm>
+          <a:off x="0" y="0"/>
+          <a:ext cx="0" cy="0"/>
+          <a:chOff x="0" y="0"/>
+          <a:chExt cx="0" cy="0"/>
+        </a:xfrm>
+      </p:grpSpPr>
+      <p:sp>
+        <p:nvSpPr>
+          <p:cNvPr id="2" name="标题 1">
+            <a:extLst>
+              <a:ext uri="{FF2B5EF4-FFF2-40B4-BE49-F238E27FC236}">
+                <a16:creationId xmlns:a16="http://schemas.microsoft.com/office/drawing/2014/main" id="{770233FC-F734-43CD-8331-75BA647ED89A}"/>
+              </a:ext>
+            </a:extLst>
+          </p:cNvPr>
+          <p:cNvSpPr>
+            <a:spLocks noGrp="1"/>
+          </p:cNvSpPr>
+          <p:nvPr>
+            <p:ph type="title"/>
+          </p:nvPr>
+        </p:nvSpPr>
+        <p:spPr/>
+        <p:txBody>
+          <a:bodyPr/>
+          <a:lstStyle/>
+          <a:p>
+            <a:r>
+              <a:rPr lang="en-US" altLang="zh-CN" dirty="0"/>
+              <a:t>White-Box OA</a:t>
+            </a:r>
+            <a:endParaRPr lang="zh-CN" altLang="en-US" dirty="0"/>
+          </a:p>
+        </p:txBody>
+      </p:sp>
+      <p:sp>
+        <p:nvSpPr>
+          <p:cNvPr id="4" name="文本框 3">
+            <a:extLst>
+              <a:ext uri="{FF2B5EF4-FFF2-40B4-BE49-F238E27FC236}">
+                <a16:creationId xmlns:a16="http://schemas.microsoft.com/office/drawing/2014/main" id="{D23628FA-8EB9-450D-B45A-9BC5DEA167AB}"/>
+              </a:ext>
+            </a:extLst>
+          </p:cNvPr>
+          <p:cNvSpPr txBox="1"/>
+          <p:nvPr/>
+        </p:nvSpPr>
+        <p:spPr>
+          <a:xfrm>
+            <a:off x="839586" y="910910"/>
+            <a:ext cx="2645276" cy="523220"/>
+          </a:xfrm>
+          <a:prstGeom prst="rect">
+            <a:avLst/>
+          </a:prstGeom>
+          <a:noFill/>
+        </p:spPr>
+        <p:txBody>
+          <a:bodyPr wrap="none" rtlCol="0">
+            <a:spAutoFit/>
+          </a:bodyPr>
+          <a:lstStyle/>
+          <a:p>
+            <a:r>
+              <a:rPr lang="en-US" altLang="zh-CN" sz="2800" dirty="0"/>
+              <a:t>Implementation</a:t>
+            </a:r>
+            <a:endParaRPr lang="zh-CN" altLang="en-US" sz="2800" dirty="0"/>
+          </a:p>
+        </p:txBody>
+      </p:sp>
+      <p:pic>
+        <p:nvPicPr>
+          <p:cNvPr id="5" name="图片 4">
+            <a:extLst>
+              <a:ext uri="{FF2B5EF4-FFF2-40B4-BE49-F238E27FC236}">
+                <a16:creationId xmlns:a16="http://schemas.microsoft.com/office/drawing/2014/main" id="{5A1AA65F-7C62-402A-8A37-3FB13DEF0300}"/>
+              </a:ext>
+            </a:extLst>
+          </p:cNvPr>
+          <p:cNvPicPr>
+            <a:picLocks noChangeAspect="1"/>
+          </p:cNvPicPr>
+          <p:nvPr/>
+        </p:nvPicPr>
+        <p:blipFill>
+          <a:blip r:embed="rId2"/>
+          <a:stretch>
+            <a:fillRect/>
+          </a:stretch>
+        </p:blipFill>
+        <p:spPr>
+          <a:xfrm>
+            <a:off x="673099" y="1649475"/>
+            <a:ext cx="8734425" cy="3717194"/>
+          </a:xfrm>
+          <a:prstGeom prst="rect">
+            <a:avLst/>
+          </a:prstGeom>
+        </p:spPr>
+      </p:pic>
+    </p:spTree>
+    <p:extLst>
+      <p:ext uri="{BB962C8B-B14F-4D97-AF65-F5344CB8AC3E}">
+        <p14:creationId xmlns:p14="http://schemas.microsoft.com/office/powerpoint/2010/main" val="4205614328"/>
+      </p:ext>
+    </p:extLst>
+  </p:cSld>
+  <p:clrMapOvr>
+    <a:masterClrMapping/>
+  </p:clrMapOvr>
+</p:sld>
+</file>
+
+<file path=ppt/slides/slide8.xml><?xml version="1.0" encoding="utf-8"?>
+<p:sld xmlns:a="http://schemas.openxmlformats.org/drawingml/2006/main" xmlns:r="http://schemas.openxmlformats.org/officeDocument/2006/relationships" xmlns:p="http://schemas.openxmlformats.org/presentationml/2006/main">
+  <p:cSld>
+    <p:spTree>
+      <p:nvGrpSpPr>
+        <p:cNvPr id="1" name=""/>
+        <p:cNvGrpSpPr/>
+        <p:nvPr/>
+      </p:nvGrpSpPr>
+      <p:grpSpPr>
+        <a:xfrm>
+          <a:off x="0" y="0"/>
+          <a:ext cx="0" cy="0"/>
+          <a:chOff x="0" y="0"/>
+          <a:chExt cx="0" cy="0"/>
+        </a:xfrm>
+      </p:grpSpPr>
+      <p:sp>
+        <p:nvSpPr>
+          <p:cNvPr id="2" name="标题 1">
+            <a:extLst>
+              <a:ext uri="{FF2B5EF4-FFF2-40B4-BE49-F238E27FC236}">
+                <a16:creationId xmlns:a16="http://schemas.microsoft.com/office/drawing/2014/main" id="{5E51E99D-6D66-4CF3-9DF1-B26A298A9DBC}"/>
+              </a:ext>
+            </a:extLst>
+          </p:cNvPr>
+          <p:cNvSpPr>
+            <a:spLocks noGrp="1"/>
+          </p:cNvSpPr>
+          <p:nvPr>
+            <p:ph type="title"/>
+          </p:nvPr>
+        </p:nvSpPr>
+        <p:spPr/>
+        <p:txBody>
+          <a:bodyPr/>
+          <a:lstStyle/>
+          <a:p>
+            <a:r>
+              <a:rPr lang="en-US" altLang="zh-CN" dirty="0"/>
+              <a:t>White-Box Experiments</a:t>
+            </a:r>
+            <a:endParaRPr lang="zh-CN" altLang="en-US" dirty="0"/>
+          </a:p>
+        </p:txBody>
+      </p:sp>
+      <p:pic>
+        <p:nvPicPr>
+          <p:cNvPr id="5" name="图片 4">
+            <a:extLst>
+              <a:ext uri="{FF2B5EF4-FFF2-40B4-BE49-F238E27FC236}">
+                <a16:creationId xmlns:a16="http://schemas.microsoft.com/office/drawing/2014/main" id="{4F375C10-A5D7-4BC8-8C71-EF73C1D9663B}"/>
+              </a:ext>
+            </a:extLst>
+          </p:cNvPr>
+          <p:cNvPicPr>
+            <a:picLocks noChangeAspect="1"/>
+          </p:cNvPicPr>
+          <p:nvPr/>
+        </p:nvPicPr>
+        <p:blipFill>
+          <a:blip r:embed="rId2"/>
+          <a:stretch>
+            <a:fillRect/>
+          </a:stretch>
+        </p:blipFill>
+        <p:spPr>
+          <a:xfrm>
+            <a:off x="0" y="1499124"/>
+            <a:ext cx="10080625" cy="2251665"/>
+          </a:xfrm>
+          <a:prstGeom prst="rect">
+            <a:avLst/>
+          </a:prstGeom>
+        </p:spPr>
+      </p:pic>
+      <p:sp>
+        <p:nvSpPr>
+          <p:cNvPr id="6" name="文本框 5">
+            <a:extLst>
+              <a:ext uri="{FF2B5EF4-FFF2-40B4-BE49-F238E27FC236}">
+                <a16:creationId xmlns:a16="http://schemas.microsoft.com/office/drawing/2014/main" id="{E438D9DE-0A8D-4D02-8C9E-EDC05C1A7AF1}"/>
+              </a:ext>
+            </a:extLst>
+          </p:cNvPr>
+          <p:cNvSpPr txBox="1"/>
+          <p:nvPr/>
+        </p:nvSpPr>
+        <p:spPr>
+          <a:xfrm>
+            <a:off x="1017443" y="4077394"/>
+            <a:ext cx="7773923" cy="646331"/>
+          </a:xfrm>
+          <a:prstGeom prst="rect">
+            <a:avLst/>
+          </a:prstGeom>
+          <a:noFill/>
+        </p:spPr>
+        <p:txBody>
+          <a:bodyPr wrap="none" rtlCol="0">
+            <a:spAutoFit/>
+          </a:bodyPr>
+          <a:lstStyle/>
+          <a:p>
+            <a:r>
+              <a:rPr lang="en-US" altLang="zh-CN" dirty="0">
+                <a:solidFill>
+                  <a:schemeClr val="bg1">
+                    <a:lumMod val="50000"/>
+                  </a:schemeClr>
+                </a:solidFill>
+              </a:rPr>
+              <a:t>k: number of selected candidates        </a:t>
+            </a:r>
+            <a:r>
+              <a:rPr lang="el-GR" altLang="zh-CN" dirty="0">
+                <a:solidFill>
+                  <a:schemeClr val="bg1">
+                    <a:lumMod val="50000"/>
+                  </a:schemeClr>
+                </a:solidFill>
+              </a:rPr>
+              <a:t>ε</a:t>
+            </a:r>
+            <a:r>
+              <a:rPr lang="en-US" altLang="zh-CN" dirty="0">
+                <a:solidFill>
+                  <a:schemeClr val="bg1">
+                    <a:lumMod val="50000"/>
+                  </a:schemeClr>
+                </a:solidFill>
+              </a:rPr>
+              <a:t>: perturbation budget        </a:t>
+            </a:r>
+          </a:p>
+          <a:p>
+            <a:r>
+              <a:rPr lang="el-GR" altLang="zh-CN" dirty="0">
+                <a:solidFill>
+                  <a:schemeClr val="bg1">
+                    <a:lumMod val="50000"/>
+                  </a:schemeClr>
+                </a:solidFill>
+              </a:rPr>
+              <a:t>τ</a:t>
+            </a:r>
+            <a:r>
+              <a:rPr lang="en-US" altLang="zh-CN" sz="900" dirty="0">
+                <a:solidFill>
+                  <a:schemeClr val="bg1">
+                    <a:lumMod val="50000"/>
+                  </a:schemeClr>
+                </a:solidFill>
+              </a:rPr>
+              <a:t>S</a:t>
+            </a:r>
+            <a:r>
+              <a:rPr lang="en-US" altLang="zh-CN" dirty="0">
+                <a:solidFill>
+                  <a:schemeClr val="bg1">
+                    <a:lumMod val="50000"/>
+                  </a:schemeClr>
+                </a:solidFill>
+              </a:rPr>
+              <a:t>: Kendal’s ranking correlation        </a:t>
+            </a:r>
+            <a:r>
+              <a:rPr lang="en-US" altLang="zh-CN" dirty="0" err="1">
+                <a:solidFill>
+                  <a:schemeClr val="bg1">
+                    <a:lumMod val="50000"/>
+                  </a:schemeClr>
+                </a:solidFill>
+              </a:rPr>
+              <a:t>mR</a:t>
+            </a:r>
+            <a:r>
+              <a:rPr lang="en-US" altLang="zh-CN" dirty="0">
+                <a:solidFill>
+                  <a:schemeClr val="bg1">
+                    <a:lumMod val="50000"/>
+                  </a:schemeClr>
+                </a:solidFill>
+              </a:rPr>
+              <a:t>: mean rank of selected candidates</a:t>
+            </a:r>
+            <a:endParaRPr lang="zh-CN" altLang="en-US" sz="900" dirty="0">
+              <a:solidFill>
+                <a:schemeClr val="bg1">
+                  <a:lumMod val="50000"/>
+                </a:schemeClr>
+              </a:solidFill>
+            </a:endParaRPr>
+          </a:p>
+        </p:txBody>
+      </p:sp>
+      <p:sp>
+        <p:nvSpPr>
+          <p:cNvPr id="7" name="文本框 6">
+            <a:extLst>
+              <a:ext uri="{FF2B5EF4-FFF2-40B4-BE49-F238E27FC236}">
+                <a16:creationId xmlns:a16="http://schemas.microsoft.com/office/drawing/2014/main" id="{5B894D57-7E41-4057-9637-E6B01B7F74E6}"/>
+              </a:ext>
+            </a:extLst>
+          </p:cNvPr>
+          <p:cNvSpPr txBox="1"/>
+          <p:nvPr/>
+        </p:nvSpPr>
+        <p:spPr>
+          <a:xfrm>
+            <a:off x="74814" y="5259804"/>
+            <a:ext cx="7267374" cy="369332"/>
+          </a:xfrm>
+          <a:prstGeom prst="rect">
+            <a:avLst/>
+          </a:prstGeom>
+          <a:noFill/>
+        </p:spPr>
+        <p:txBody>
+          <a:bodyPr wrap="none" rtlCol="0">
+            <a:spAutoFit/>
+          </a:bodyPr>
+          <a:lstStyle/>
+          <a:p>
+            <a:r>
+              <a:rPr lang="en-US" altLang="zh-CN" dirty="0">
+                <a:solidFill>
+                  <a:schemeClr val="bg1">
+                    <a:lumMod val="50000"/>
+                  </a:schemeClr>
+                </a:solidFill>
+              </a:rPr>
+              <a:t>*</a:t>
+            </a:r>
+            <a:r>
+              <a:rPr lang="en-US" altLang="zh-CN" dirty="0"/>
+              <a:t> </a:t>
+            </a:r>
+            <a:r>
+              <a:rPr lang="el-GR" altLang="zh-CN" dirty="0">
+                <a:solidFill>
+                  <a:schemeClr val="bg1">
+                    <a:lumMod val="50000"/>
+                  </a:schemeClr>
+                </a:solidFill>
+              </a:rPr>
+              <a:t>τ</a:t>
+            </a:r>
+            <a:r>
+              <a:rPr lang="en-US" altLang="zh-CN" sz="900" dirty="0">
+                <a:solidFill>
+                  <a:schemeClr val="bg1">
+                    <a:lumMod val="50000"/>
+                  </a:schemeClr>
+                </a:solidFill>
+              </a:rPr>
+              <a:t>S </a:t>
+            </a:r>
+            <a:r>
+              <a:rPr lang="en-US" altLang="zh-CN" dirty="0">
+                <a:solidFill>
+                  <a:schemeClr val="bg1">
+                    <a:lumMod val="50000"/>
+                  </a:schemeClr>
+                </a:solidFill>
+              </a:rPr>
+              <a:t>is equivalent to Kendall’s ranking correlation in white-box scenario.</a:t>
+            </a:r>
+            <a:endParaRPr lang="zh-CN" altLang="en-US" dirty="0"/>
+          </a:p>
+        </p:txBody>
+      </p:sp>
+    </p:spTree>
+    <p:extLst>
+      <p:ext uri="{BB962C8B-B14F-4D97-AF65-F5344CB8AC3E}">
+        <p14:creationId xmlns:p14="http://schemas.microsoft.com/office/powerpoint/2010/main" val="3896097964"/>
+      </p:ext>
+    </p:extLst>
+  </p:cSld>
+  <p:clrMapOvr>
+    <a:masterClrMapping/>
+  </p:clrMapOvr>
+</p:sld>
+</file>
+
+<file path=ppt/slides/slide9.xml><?xml version="1.0" encoding="utf-8"?>
+<p:sld xmlns:a="http://schemas.openxmlformats.org/drawingml/2006/main" xmlns:r="http://schemas.openxmlformats.org/officeDocument/2006/relationships" xmlns:p="http://schemas.openxmlformats.org/presentationml/2006/main">
+  <p:cSld>
+    <p:spTree>
+      <p:nvGrpSpPr>
+        <p:cNvPr id="1" name=""/>
+        <p:cNvGrpSpPr/>
+        <p:nvPr/>
+      </p:nvGrpSpPr>
+      <p:grpSpPr>
+        <a:xfrm>
+          <a:off x="0" y="0"/>
+          <a:ext cx="0" cy="0"/>
+          <a:chOff x="0" y="0"/>
+          <a:chExt cx="0" cy="0"/>
+        </a:xfrm>
+      </p:grpSpPr>
+      <p:sp>
+        <p:nvSpPr>
+          <p:cNvPr id="2" name="标题 1">
+            <a:extLst>
+              <a:ext uri="{FF2B5EF4-FFF2-40B4-BE49-F238E27FC236}">
+                <a16:creationId xmlns:a16="http://schemas.microsoft.com/office/drawing/2014/main" id="{76C814FC-61DA-40C0-9764-2343AAABE76D}"/>
+              </a:ext>
+            </a:extLst>
+          </p:cNvPr>
+          <p:cNvSpPr>
+            <a:spLocks noGrp="1"/>
+          </p:cNvSpPr>
+          <p:nvPr>
+            <p:ph type="title"/>
+          </p:nvPr>
+        </p:nvSpPr>
+        <p:spPr/>
+        <p:txBody>
+          <a:bodyPr/>
+          <a:lstStyle/>
+          <a:p>
+            <a:r>
+              <a:rPr lang="en-US" altLang="zh-CN" dirty="0"/>
+              <a:t>Black-Box OA</a:t>
+            </a:r>
+            <a:endParaRPr lang="zh-CN" altLang="en-US" dirty="0"/>
+          </a:p>
+        </p:txBody>
+      </p:sp>
+      <p:sp>
+        <p:nvSpPr>
+          <p:cNvPr id="3" name="内容占位符 2">
+            <a:extLst>
+              <a:ext uri="{FF2B5EF4-FFF2-40B4-BE49-F238E27FC236}">
+                <a16:creationId xmlns:a16="http://schemas.microsoft.com/office/drawing/2014/main" id="{30F7AD35-8762-46DC-92C0-D456DCF40FEA}"/>
+              </a:ext>
+            </a:extLst>
+          </p:cNvPr>
+          <p:cNvSpPr>
+            <a:spLocks noGrp="1"/>
+          </p:cNvSpPr>
+          <p:nvPr>
+            <p:ph/>
+          </p:nvPr>
+        </p:nvSpPr>
+        <p:spPr>
+          <a:xfrm>
+            <a:off x="504000" y="1488679"/>
+            <a:ext cx="9071640" cy="3288240"/>
+          </a:xfrm>
+        </p:spPr>
+        <p:txBody>
+          <a:bodyPr>
+            <a:normAutofit fontScale="92500" lnSpcReduction="20000"/>
+          </a:bodyPr>
+          <a:lstStyle/>
+          <a:p>
+            <a:r>
+              <a:rPr lang="en-US" altLang="zh-CN" dirty="0"/>
+              <a:t>Short-range Ranking</a:t>
+            </a:r>
+          </a:p>
+          <a:p>
+            <a:pPr marL="0" indent="0">
+              <a:buNone/>
+            </a:pPr>
+            <a:r>
+              <a:rPr lang="en-US" altLang="zh-CN" dirty="0"/>
+              <a:t>  Correlation (SRC) as a</a:t>
+            </a:r>
+          </a:p>
+          <a:p>
+            <a:pPr marL="0" indent="0">
+              <a:buNone/>
+            </a:pPr>
+            <a:r>
+              <a:rPr lang="en-US" altLang="zh-CN" dirty="0"/>
+              <a:t>  surrogate objective.</a:t>
+            </a:r>
+          </a:p>
+          <a:p>
+            <a:r>
+              <a:rPr lang="en-US" altLang="zh-CN" dirty="0"/>
+              <a:t>Measures the alignment</a:t>
+            </a:r>
+          </a:p>
+          <a:p>
+            <a:pPr marL="0" indent="0">
+              <a:buNone/>
+            </a:pPr>
+            <a:r>
+              <a:rPr lang="en-US" altLang="zh-CN" dirty="0"/>
+              <a:t>  between the specified</a:t>
+            </a:r>
+          </a:p>
+          <a:p>
+            <a:pPr marL="0" indent="0">
+              <a:buNone/>
+            </a:pPr>
+            <a:r>
+              <a:rPr lang="en-US" altLang="zh-CN" dirty="0"/>
+              <a:t>  permutation and the actual</a:t>
+            </a:r>
+          </a:p>
+          <a:p>
+            <a:pPr marL="0" indent="0">
+              <a:buNone/>
+            </a:pPr>
+            <a:r>
+              <a:rPr lang="en-US" altLang="zh-CN" dirty="0"/>
+              <a:t>  ranking result.</a:t>
+            </a:r>
+          </a:p>
+          <a:p>
+            <a:r>
+              <a:rPr lang="en-US" altLang="zh-CN" dirty="0"/>
+              <a:t>Inspired by Kendall’s tau.</a:t>
+            </a:r>
+            <a:endParaRPr lang="zh-CN" altLang="en-US" dirty="0"/>
+          </a:p>
+        </p:txBody>
+      </p:sp>
+      <p:pic>
+        <p:nvPicPr>
+          <p:cNvPr id="4" name="图片 3">
+            <a:extLst>
+              <a:ext uri="{FF2B5EF4-FFF2-40B4-BE49-F238E27FC236}">
+                <a16:creationId xmlns:a16="http://schemas.microsoft.com/office/drawing/2014/main" id="{6C035E2B-7BC1-4DAA-B2E5-6EEF4E60A06C}"/>
+              </a:ext>
+            </a:extLst>
+          </p:cNvPr>
+          <p:cNvPicPr>
+            <a:picLocks noChangeAspect="1"/>
+          </p:cNvPicPr>
+          <p:nvPr/>
+        </p:nvPicPr>
+        <p:blipFill>
+          <a:blip r:embed="rId2"/>
+          <a:stretch>
+            <a:fillRect/>
+          </a:stretch>
+        </p:blipFill>
+        <p:spPr>
+          <a:xfrm>
+            <a:off x="5040312" y="706410"/>
+            <a:ext cx="4440890" cy="4852778"/>
+          </a:xfrm>
+          <a:prstGeom prst="rect">
+            <a:avLst/>
+          </a:prstGeom>
+        </p:spPr>
+      </p:pic>
+    </p:spTree>
+    <p:extLst>
+      <p:ext uri="{BB962C8B-B14F-4D97-AF65-F5344CB8AC3E}">
+        <p14:creationId xmlns:p14="http://schemas.microsoft.com/office/powerpoint/2010/main" val="3063689007"/>
+      </p:ext>
+    </p:extLst>
+  </p:cSld>
+  <p:clrMapOvr>
+    <a:masterClrMapping/>
+  </p:clrMapOvr>
 </p:sld>
 </file>
 
@@ -2529,31 +5153,31 @@
         <a:sysClr val="window" lastClr="FFFFFF"/>
       </a:lt1>
       <a:dk2>
-        <a:srgbClr val="1f497d"/>
+        <a:srgbClr val="1F497D"/>
       </a:dk2>
       <a:lt2>
-        <a:srgbClr val="eeece1"/>
+        <a:srgbClr val="EEECE1"/>
       </a:lt2>
       <a:accent1>
-        <a:srgbClr val="4f81bd"/>
+        <a:srgbClr val="4F81BD"/>
       </a:accent1>
       <a:accent2>
-        <a:srgbClr val="c0504d"/>
+        <a:srgbClr val="C0504D"/>
       </a:accent2>
       <a:accent3>
-        <a:srgbClr val="9bbb59"/>
+        <a:srgbClr val="9BBB59"/>
       </a:accent3>
       <a:accent4>
-        <a:srgbClr val="8064a2"/>
+        <a:srgbClr val="8064A2"/>
       </a:accent4>
       <a:accent5>
-        <a:srgbClr val="4bacc6"/>
+        <a:srgbClr val="4BACC6"/>
       </a:accent5>
       <a:accent6>
-        <a:srgbClr val="f79646"/>
+        <a:srgbClr val="F79646"/>
       </a:accent6>
       <a:hlink>
-        <a:srgbClr val="0000ff"/>
+        <a:srgbClr val="0000FF"/>
       </a:hlink>
       <a:folHlink>
         <a:srgbClr val="800080"/>
@@ -2741,5 +5365,302 @@
       </a:bgFillStyleLst>
     </a:fmtScheme>
   </a:themeElements>
+  <a:objectDefaults/>
+  <a:extraClrSchemeLst/>
+</a:theme>
+</file>
+
+<file path=ppt/theme/theme2.xml><?xml version="1.0" encoding="utf-8"?>
+<a:theme xmlns:a="http://schemas.openxmlformats.org/drawingml/2006/main" name="Office 主题​​">
+  <a:themeElements>
+    <a:clrScheme name="Office">
+      <a:dk1>
+        <a:sysClr val="windowText" lastClr="000000"/>
+      </a:dk1>
+      <a:lt1>
+        <a:sysClr val="window" lastClr="FFFFFF"/>
+      </a:lt1>
+      <a:dk2>
+        <a:srgbClr val="44546A"/>
+      </a:dk2>
+      <a:lt2>
+        <a:srgbClr val="E7E6E6"/>
+      </a:lt2>
+      <a:accent1>
+        <a:srgbClr val="4472C4"/>
+      </a:accent1>
+      <a:accent2>
+        <a:srgbClr val="ED7D31"/>
+      </a:accent2>
+      <a:accent3>
+        <a:srgbClr val="A5A5A5"/>
+      </a:accent3>
+      <a:accent4>
+        <a:srgbClr val="FFC000"/>
+      </a:accent4>
+      <a:accent5>
+        <a:srgbClr val="5B9BD5"/>
+      </a:accent5>
+      <a:accent6>
+        <a:srgbClr val="70AD47"/>
+      </a:accent6>
+      <a:hlink>
+        <a:srgbClr val="0563C1"/>
+      </a:hlink>
+      <a:folHlink>
+        <a:srgbClr val="954F72"/>
+      </a:folHlink>
+    </a:clrScheme>
+    <a:fontScheme name="Office">
+      <a:majorFont>
+        <a:latin typeface="等线 Light" panose="020F0302020204030204"/>
+        <a:ea typeface=""/>
+        <a:cs typeface=""/>
+        <a:font script="Jpan" typeface="游ゴシック Light"/>
+        <a:font script="Hang" typeface="맑은 고딕"/>
+        <a:font script="Hans" typeface="等线 Light"/>
+        <a:font script="Hant" typeface="新細明體"/>
+        <a:font script="Arab" typeface="Times New Roman"/>
+        <a:font script="Hebr" typeface="Times New Roman"/>
+        <a:font script="Thai" typeface="Angsana New"/>
+        <a:font script="Ethi" typeface="Nyala"/>
+        <a:font script="Beng" typeface="Vrinda"/>
+        <a:font script="Gujr" typeface="Shruti"/>
+        <a:font script="Khmr" typeface="MoolBoran"/>
+        <a:font script="Knda" typeface="Tunga"/>
+        <a:font script="Guru" typeface="Raavi"/>
+        <a:font script="Cans" typeface="Euphemia"/>
+        <a:font script="Cher" typeface="Plantagenet Cherokee"/>
+        <a:font script="Yiii" typeface="Microsoft Yi Baiti"/>
+        <a:font script="Tibt" typeface="Microsoft Himalaya"/>
+        <a:font script="Thaa" typeface="MV Boli"/>
+        <a:font script="Deva" typeface="Mangal"/>
+        <a:font script="Telu" typeface="Gautami"/>
+        <a:font script="Taml" typeface="Latha"/>
+        <a:font script="Syrc" typeface="Estrangelo Edessa"/>
+        <a:font script="Orya" typeface="Kalinga"/>
+        <a:font script="Mlym" typeface="Kartika"/>
+        <a:font script="Laoo" typeface="DokChampa"/>
+        <a:font script="Sinh" typeface="Iskoola Pota"/>
+        <a:font script="Mong" typeface="Mongolian Baiti"/>
+        <a:font script="Viet" typeface="Times New Roman"/>
+        <a:font script="Uigh" typeface="Microsoft Uighur"/>
+        <a:font script="Geor" typeface="Sylfaen"/>
+        <a:font script="Armn" typeface="Arial"/>
+        <a:font script="Bugi" typeface="Leelawadee UI"/>
+        <a:font script="Bopo" typeface="Microsoft JhengHei"/>
+        <a:font script="Java" typeface="Javanese Text"/>
+        <a:font script="Lisu" typeface="Segoe UI"/>
+        <a:font script="Mymr" typeface="Myanmar Text"/>
+        <a:font script="Nkoo" typeface="Ebrima"/>
+        <a:font script="Olck" typeface="Nirmala UI"/>
+        <a:font script="Osma" typeface="Ebrima"/>
+        <a:font script="Phag" typeface="Phagspa"/>
+        <a:font script="Syrn" typeface="Estrangelo Edessa"/>
+        <a:font script="Syrj" typeface="Estrangelo Edessa"/>
+        <a:font script="Syre" typeface="Estrangelo Edessa"/>
+        <a:font script="Sora" typeface="Nirmala UI"/>
+        <a:font script="Tale" typeface="Microsoft Tai Le"/>
+        <a:font script="Talu" typeface="Microsoft New Tai Lue"/>
+        <a:font script="Tfng" typeface="Ebrima"/>
+      </a:majorFont>
+      <a:minorFont>
+        <a:latin typeface="等线" panose="020F0502020204030204"/>
+        <a:ea typeface=""/>
+        <a:cs typeface=""/>
+        <a:font script="Jpan" typeface="游ゴシック"/>
+        <a:font script="Hang" typeface="맑은 고딕"/>
+        <a:font script="Hans" typeface="等线"/>
+        <a:font script="Hant" typeface="新細明體"/>
+        <a:font script="Arab" typeface="Arial"/>
+        <a:font script="Hebr" typeface="Arial"/>
+        <a:font script="Thai" typeface="Cordia New"/>
+        <a:font script="Ethi" typeface="Nyala"/>
+        <a:font script="Beng" typeface="Vrinda"/>
+        <a:font script="Gujr" typeface="Shruti"/>
+        <a:font script="Khmr" typeface="DaunPenh"/>
+        <a:font script="Knda" typeface="Tunga"/>
+        <a:font script="Guru" typeface="Raavi"/>
+        <a:font script="Cans" typeface="Euphemia"/>
+        <a:font script="Cher" typeface="Plantagenet Cherokee"/>
+        <a:font script="Yiii" typeface="Microsoft Yi Baiti"/>
+        <a:font script="Tibt" typeface="Microsoft Himalaya"/>
+        <a:font script="Thaa" typeface="MV Boli"/>
+        <a:font script="Deva" typeface="Mangal"/>
+        <a:font script="Telu" typeface="Gautami"/>
+        <a:font script="Taml" typeface="Latha"/>
+        <a:font script="Syrc" typeface="Estrangelo Edessa"/>
+        <a:font script="Orya" typeface="Kalinga"/>
+        <a:font script="Mlym" typeface="Kartika"/>
+        <a:font script="Laoo" typeface="DokChampa"/>
+        <a:font script="Sinh" typeface="Iskoola Pota"/>
+        <a:font script="Mong" typeface="Mongolian Baiti"/>
+        <a:font script="Viet" typeface="Arial"/>
+        <a:font script="Uigh" typeface="Microsoft Uighur"/>
+        <a:font script="Geor" typeface="Sylfaen"/>
+        <a:font script="Armn" typeface="Arial"/>
+        <a:font script="Bugi" typeface="Leelawadee UI"/>
+        <a:font script="Bopo" typeface="Microsoft JhengHei"/>
+        <a:font script="Java" typeface="Javanese Text"/>
+        <a:font script="Lisu" typeface="Segoe UI"/>
+        <a:font script="Mymr" typeface="Myanmar Text"/>
+        <a:font script="Nkoo" typeface="Ebrima"/>
+        <a:font script="Olck" typeface="Nirmala UI"/>
+        <a:font script="Osma" typeface="Ebrima"/>
+        <a:font script="Phag" typeface="Phagspa"/>
+        <a:font script="Syrn" typeface="Estrangelo Edessa"/>
+        <a:font script="Syrj" typeface="Estrangelo Edessa"/>
+        <a:font script="Syre" typeface="Estrangelo Edessa"/>
+        <a:font script="Sora" typeface="Nirmala UI"/>
+        <a:font script="Tale" typeface="Microsoft Tai Le"/>
+        <a:font script="Talu" typeface="Microsoft New Tai Lue"/>
+        <a:font script="Tfng" typeface="Ebrima"/>
+      </a:minorFont>
+    </a:fontScheme>
+    <a:fmtScheme name="Office">
+      <a:fillStyleLst>
+        <a:solidFill>
+          <a:schemeClr val="phClr"/>
+        </a:solidFill>
+        <a:gradFill rotWithShape="1">
+          <a:gsLst>
+            <a:gs pos="0">
+              <a:schemeClr val="phClr">
+                <a:lumMod val="110000"/>
+                <a:satMod val="105000"/>
+                <a:tint val="67000"/>
+              </a:schemeClr>
+            </a:gs>
+            <a:gs pos="50000">
+              <a:schemeClr val="phClr">
+                <a:lumMod val="105000"/>
+                <a:satMod val="103000"/>
+                <a:tint val="73000"/>
+              </a:schemeClr>
+            </a:gs>
+            <a:gs pos="100000">
+              <a:schemeClr val="phClr">
+                <a:lumMod val="105000"/>
+                <a:satMod val="109000"/>
+                <a:tint val="81000"/>
+              </a:schemeClr>
+            </a:gs>
+          </a:gsLst>
+          <a:lin ang="5400000" scaled="0"/>
+        </a:gradFill>
+        <a:gradFill rotWithShape="1">
+          <a:gsLst>
+            <a:gs pos="0">
+              <a:schemeClr val="phClr">
+                <a:satMod val="103000"/>
+                <a:lumMod val="102000"/>
+                <a:tint val="94000"/>
+              </a:schemeClr>
+            </a:gs>
+            <a:gs pos="50000">
+              <a:schemeClr val="phClr">
+                <a:satMod val="110000"/>
+                <a:lumMod val="100000"/>
+                <a:shade val="100000"/>
+              </a:schemeClr>
+            </a:gs>
+            <a:gs pos="100000">
+              <a:schemeClr val="phClr">
+                <a:lumMod val="99000"/>
+                <a:satMod val="120000"/>
+                <a:shade val="78000"/>
+              </a:schemeClr>
+            </a:gs>
+          </a:gsLst>
+          <a:lin ang="5400000" scaled="0"/>
+        </a:gradFill>
+      </a:fillStyleLst>
+      <a:lnStyleLst>
+        <a:ln w="6350" cap="flat" cmpd="sng" algn="ctr">
+          <a:solidFill>
+            <a:schemeClr val="phClr"/>
+          </a:solidFill>
+          <a:prstDash val="solid"/>
+          <a:miter lim="800000"/>
+        </a:ln>
+        <a:ln w="12700" cap="flat" cmpd="sng" algn="ctr">
+          <a:solidFill>
+            <a:schemeClr val="phClr"/>
+          </a:solidFill>
+          <a:prstDash val="solid"/>
+          <a:miter lim="800000"/>
+        </a:ln>
+        <a:ln w="19050" cap="flat" cmpd="sng" algn="ctr">
+          <a:solidFill>
+            <a:schemeClr val="phClr"/>
+          </a:solidFill>
+          <a:prstDash val="solid"/>
+          <a:miter lim="800000"/>
+        </a:ln>
+      </a:lnStyleLst>
+      <a:effectStyleLst>
+        <a:effectStyle>
+          <a:effectLst/>
+        </a:effectStyle>
+        <a:effectStyle>
+          <a:effectLst/>
+        </a:effectStyle>
+        <a:effectStyle>
+          <a:effectLst>
+            <a:outerShdw blurRad="57150" dist="19050" dir="5400000" algn="ctr" rotWithShape="0">
+              <a:srgbClr val="000000">
+                <a:alpha val="63000"/>
+              </a:srgbClr>
+            </a:outerShdw>
+          </a:effectLst>
+        </a:effectStyle>
+      </a:effectStyleLst>
+      <a:bgFillStyleLst>
+        <a:solidFill>
+          <a:schemeClr val="phClr"/>
+        </a:solidFill>
+        <a:solidFill>
+          <a:schemeClr val="phClr">
+            <a:tint val="95000"/>
+            <a:satMod val="170000"/>
+          </a:schemeClr>
+        </a:solidFill>
+        <a:gradFill rotWithShape="1">
+          <a:gsLst>
+            <a:gs pos="0">
+              <a:schemeClr val="phClr">
+                <a:tint val="93000"/>
+                <a:satMod val="150000"/>
+                <a:shade val="98000"/>
+                <a:lumMod val="102000"/>
+              </a:schemeClr>
+            </a:gs>
+            <a:gs pos="50000">
+              <a:schemeClr val="phClr">
+                <a:tint val="98000"/>
+                <a:satMod val="130000"/>
+                <a:shade val="90000"/>
+                <a:lumMod val="103000"/>
+              </a:schemeClr>
+            </a:gs>
+            <a:gs pos="100000">
+              <a:schemeClr val="phClr">
+                <a:shade val="63000"/>
+                <a:satMod val="120000"/>
+              </a:schemeClr>
+            </a:gs>
+          </a:gsLst>
+          <a:lin ang="5400000" scaled="0"/>
+        </a:gradFill>
+      </a:bgFillStyleLst>
+    </a:fmtScheme>
+  </a:themeElements>
+  <a:objectDefaults/>
+  <a:extraClrSchemeLst/>
+  <a:extLst>
+    <a:ext uri="{05A4C25C-085E-4340-85A3-A5531E510DB2}">
+      <thm15:themeFamily xmlns:thm15="http://schemas.microsoft.com/office/thememl/2012/main" name="Office Theme" id="{62F939B6-93AF-4DB8-9C6B-D6C7DFDC589F}" vid="{4A3C46E8-61CC-4603-A589-7422A47A8E4A}"/>
+    </a:ext>
+  </a:extLst>
 </a:theme>
 </file>